--- a/스케줄표.pptx
+++ b/스케줄표.pptx
@@ -226,7 +226,7 @@
           <a:p>
             <a:fld id="{4E9214C1-2863-45BA-A7C5-D5EA3C3D4C30}" type="datetimeFigureOut">
               <a:rPr lang="ko-KR" altLang="en-US" smtClean="0"/>
-              <a:t>2024-05-23</a:t>
+              <a:t>2024-05-24</a:t>
             </a:fld>
             <a:endParaRPr lang="ko-KR" altLang="en-US"/>
           </a:p>
@@ -391,7 +391,7 @@
           <a:p>
             <a:fld id="{8F563C85-90F6-445D-9B5B-8ABB00FB3043}" type="datetimeFigureOut">
               <a:rPr lang="ko-KR" altLang="en-US" smtClean="0"/>
-              <a:t>2024-05-23</a:t>
+              <a:t>2024-05-24</a:t>
             </a:fld>
             <a:endParaRPr lang="ko-KR" altLang="en-US"/>
           </a:p>
@@ -963,7 +963,7 @@
             </a:pPr>
             <a:fld id="{B9320F77-B9A0-41C5-862A-B4B631284C64}" type="datetime1">
               <a:rPr lang="ko-KR" altLang="en-US"/>
-              <a:t>2024-05-23</a:t>
+              <a:t>2024-05-24</a:t>
             </a:fld>
             <a:endParaRPr lang="ko-KR" altLang="en-US"/>
           </a:p>
@@ -1222,7 +1222,7 @@
             </a:pPr>
             <a:fld id="{B9320F77-B9A0-41C5-862A-B4B631284C64}" type="datetime1">
               <a:rPr lang="ko-KR" altLang="en-US"/>
-              <a:t>2024-05-23</a:t>
+              <a:t>2024-05-24</a:t>
             </a:fld>
             <a:endParaRPr lang="ko-KR" altLang="en-US"/>
           </a:p>
@@ -1481,7 +1481,7 @@
             </a:pPr>
             <a:fld id="{B9320F77-B9A0-41C5-862A-B4B631284C64}" type="datetime1">
               <a:rPr lang="ko-KR" altLang="en-US"/>
-              <a:t>2024-05-23</a:t>
+              <a:t>2024-05-24</a:t>
             </a:fld>
             <a:endParaRPr lang="ko-KR" altLang="en-US"/>
           </a:p>
@@ -1740,7 +1740,7 @@
             </a:pPr>
             <a:fld id="{B9320F77-B9A0-41C5-862A-B4B631284C64}" type="datetime1">
               <a:rPr lang="ko-KR" altLang="en-US"/>
-              <a:t>2024-05-23</a:t>
+              <a:t>2024-05-24</a:t>
             </a:fld>
             <a:endParaRPr lang="ko-KR" altLang="en-US"/>
           </a:p>
@@ -2065,7 +2065,7 @@
             </a:pPr>
             <a:fld id="{B9320F77-B9A0-41C5-862A-B4B631284C64}" type="datetime1">
               <a:rPr lang="ko-KR" altLang="en-US"/>
-              <a:t>2024-05-23</a:t>
+              <a:t>2024-05-24</a:t>
             </a:fld>
             <a:endParaRPr lang="ko-KR" altLang="en-US"/>
           </a:p>
@@ -2492,7 +2492,7 @@
             </a:pPr>
             <a:fld id="{B9320F77-B9A0-41C5-862A-B4B631284C64}" type="datetime1">
               <a:rPr lang="ko-KR" altLang="en-US"/>
-              <a:t>2024-05-23</a:t>
+              <a:t>2024-05-24</a:t>
             </a:fld>
             <a:endParaRPr lang="ko-KR" altLang="en-US"/>
           </a:p>
@@ -3089,7 +3089,7 @@
             </a:pPr>
             <a:fld id="{B9320F77-B9A0-41C5-862A-B4B631284C64}" type="datetime1">
               <a:rPr lang="ko-KR" altLang="en-US"/>
-              <a:t>2024-05-23</a:t>
+              <a:t>2024-05-24</a:t>
             </a:fld>
             <a:endParaRPr lang="ko-KR" altLang="en-US"/>
           </a:p>
@@ -3272,7 +3272,7 @@
             </a:pPr>
             <a:fld id="{B9320F77-B9A0-41C5-862A-B4B631284C64}" type="datetime1">
               <a:rPr lang="ko-KR" altLang="en-US"/>
-              <a:t>2024-05-23</a:t>
+              <a:t>2024-05-24</a:t>
             </a:fld>
             <a:endParaRPr lang="ko-KR" altLang="en-US"/>
           </a:p>
@@ -3419,7 +3419,7 @@
             </a:pPr>
             <a:fld id="{B9320F77-B9A0-41C5-862A-B4B631284C64}" type="datetime1">
               <a:rPr lang="ko-KR" altLang="en-US"/>
-              <a:t>2024-05-23</a:t>
+              <a:t>2024-05-24</a:t>
             </a:fld>
             <a:endParaRPr lang="ko-KR" altLang="en-US"/>
           </a:p>
@@ -3812,7 +3812,7 @@
             </a:pPr>
             <a:fld id="{B9320F77-B9A0-41C5-862A-B4B631284C64}" type="datetime1">
               <a:rPr lang="ko-KR" altLang="en-US"/>
-              <a:t>2024-05-23</a:t>
+              <a:t>2024-05-24</a:t>
             </a:fld>
             <a:endParaRPr lang="ko-KR" altLang="en-US"/>
           </a:p>
@@ -4103,7 +4103,7 @@
             </a:pPr>
             <a:fld id="{B9320F77-B9A0-41C5-862A-B4B631284C64}" type="datetime1">
               <a:rPr lang="ko-KR" altLang="en-US"/>
-              <a:t>2024-05-23</a:t>
+              <a:t>2024-05-24</a:t>
             </a:fld>
             <a:endParaRPr lang="ko-KR" altLang="en-US"/>
           </a:p>
@@ -4461,7 +4461,7 @@
             </a:pPr>
             <a:fld id="{B9320F77-B9A0-41C5-862A-B4B631284C64}" type="datetime1">
               <a:rPr lang="ko-KR" altLang="en-US"/>
-              <a:t>2024-05-23</a:t>
+              <a:t>2024-05-24</a:t>
             </a:fld>
             <a:endParaRPr lang="ko-KR" altLang="en-US"/>
           </a:p>
@@ -6695,7 +6695,7 @@
         </p:spPr>
         <p:txBody>
           <a:bodyPr vert="horz" wrap="square" lIns="91440" tIns="45720" rIns="91440" bIns="45720" numCol="1" anchor="t">
-            <a:normAutofit fontScale="92500" lnSpcReduction="10000"/>
+            <a:normAutofit/>
           </a:bodyPr>
           <a:lstStyle>
             <a:lvl1pPr marL="0" indent="0" algn="ctr">
@@ -6804,7 +6804,7 @@
               <a:buNone/>
             </a:pPr>
             <a:r>
-              <a:rPr lang="ko-KR" altLang="en-US" sz="2060">
+              <a:rPr lang="ko-KR" altLang="en-US" sz="2060" dirty="0">
                 <a:solidFill>
                   <a:srgbClr val="0611F2"/>
                 </a:solidFill>
@@ -6821,7 +6821,7 @@
               <a:buNone/>
             </a:pPr>
             <a:r>
-              <a:rPr lang="ko-KR" altLang="en-US" sz="2060">
+              <a:rPr lang="ko-KR" altLang="en-US" sz="2060" dirty="0">
                 <a:solidFill>
                   <a:srgbClr val="0611F2"/>
                 </a:solidFill>
@@ -6837,7 +6837,7 @@
               <a:buFontTx/>
               <a:buNone/>
             </a:pPr>
-            <a:endParaRPr lang="ko-KR" altLang="en-US" sz="2060">
+            <a:endParaRPr lang="ko-KR" altLang="en-US" sz="2060" dirty="0">
               <a:solidFill>
                 <a:srgbClr val="0611F2"/>
               </a:solidFill>
@@ -6852,7 +6852,7 @@
               <a:buNone/>
             </a:pPr>
             <a:r>
-              <a:rPr lang="ko-KR" altLang="en-US" sz="2060">
+              <a:rPr lang="ko-KR" altLang="en-US" sz="2060" dirty="0">
                 <a:solidFill>
                   <a:srgbClr val="0611F2"/>
                 </a:solidFill>
@@ -6864,28 +6864,48 @@
             </a:r>
           </a:p>
           <a:p>
-            <a:pPr marL="254000" indent="-254000" algn="l" rtl="0">
-              <a:buFontTx/>
-              <a:buNone/>
-            </a:pPr>
-            <a:r>
-              <a:rPr lang="ko-KR" altLang="en-US" sz="2060">
+            <a:pPr marL="254000" indent="-254000" algn="l" rtl="0"/>
+            <a:r>
+              <a:rPr lang="ko-KR" altLang="en-US" sz="2060" dirty="0">
                 <a:solidFill>
                   <a:srgbClr val="0611F2"/>
                 </a:solidFill>
                 <a:latin typeface="맑은 고딕" charset="0"/>
                 <a:ea typeface="맑은 고딕" charset="0"/>
-                <a:cs typeface="+mn-cs"/>
               </a:rPr>
-              <a:t>템플릿 페이지의 전체적인 구조</a:t>
-            </a:r>
-          </a:p>
-          <a:p>
-            <a:pPr marL="254000" indent="-254000" algn="l" rtl="0">
-              <a:buFontTx/>
-              <a:buNone/>
-            </a:pPr>
-            <a:endParaRPr lang="ko-KR" altLang="en-US" sz="2060">
+              <a:t>상단 메뉴 박스 템플릿 </a:t>
+            </a:r>
+            <a:r>
+              <a:rPr lang="ko-KR" altLang="en-US" sz="2060" dirty="0" err="1">
+                <a:solidFill>
+                  <a:srgbClr val="0611F2"/>
+                </a:solidFill>
+                <a:latin typeface="맑은 고딕" charset="0"/>
+                <a:ea typeface="맑은 고딕" charset="0"/>
+              </a:rPr>
+              <a:t>css</a:t>
+            </a:r>
+            <a:r>
+              <a:rPr lang="ko-KR" altLang="en-US" sz="2060" dirty="0">
+                <a:solidFill>
+                  <a:srgbClr val="0611F2"/>
+                </a:solidFill>
+                <a:latin typeface="맑은 고딕" charset="0"/>
+                <a:ea typeface="맑은 고딕" charset="0"/>
+              </a:rPr>
+              <a:t> </a:t>
+            </a:r>
+            <a:r>
+              <a:rPr lang="ko-KR" altLang="en-US" sz="2060" dirty="0" smtClean="0">
+                <a:solidFill>
+                  <a:srgbClr val="0611F2"/>
+                </a:solidFill>
+                <a:latin typeface="맑은 고딕" charset="0"/>
+                <a:ea typeface="맑은 고딕" charset="0"/>
+              </a:rPr>
+              <a:t>만들기</a:t>
+            </a:r>
+            <a:endParaRPr lang="ko-KR" altLang="en-US" sz="2060" dirty="0">
               <a:solidFill>
                 <a:srgbClr val="0611F2"/>
               </a:solidFill>
@@ -6899,41 +6919,7 @@
               <a:buFontTx/>
               <a:buNone/>
             </a:pPr>
-            <a:r>
-              <a:rPr lang="ko-KR" altLang="en-US" sz="2060">
-                <a:solidFill>
-                  <a:srgbClr val="0611F2"/>
-                </a:solidFill>
-                <a:latin typeface="맑은 고딕" charset="0"/>
-                <a:ea typeface="맑은 고딕" charset="0"/>
-                <a:cs typeface="+mn-cs"/>
-              </a:rPr>
-              <a:t>3차</a:t>
-            </a:r>
-          </a:p>
-          <a:p>
-            <a:pPr marL="254000" indent="-254000" algn="l" rtl="0">
-              <a:buFontTx/>
-              <a:buNone/>
-            </a:pPr>
-            <a:r>
-              <a:rPr lang="ko-KR" altLang="en-US" sz="2060">
-                <a:solidFill>
-                  <a:srgbClr val="0611F2"/>
-                </a:solidFill>
-                <a:latin typeface="맑은 고딕" charset="0"/>
-                <a:ea typeface="맑은 고딕" charset="0"/>
-                <a:cs typeface="+mn-cs"/>
-              </a:rPr>
-              <a:t>상단 메뉴 박스 템플릿 css 만들기</a:t>
-            </a:r>
-          </a:p>
-          <a:p>
-            <a:pPr marL="254000" indent="-254000" algn="l" rtl="0">
-              <a:buFontTx/>
-              <a:buNone/>
-            </a:pPr>
-            <a:endParaRPr lang="ko-KR" altLang="en-US" sz="2060">
+            <a:endParaRPr lang="en-US" altLang="ko-KR" sz="2060" dirty="0" smtClean="0">
               <a:solidFill>
                 <a:srgbClr val="0611F2"/>
               </a:solidFill>
@@ -6948,7 +6934,7 @@
               <a:buNone/>
             </a:pPr>
             <a:r>
-              <a:rPr lang="ko-KR" altLang="en-US" sz="2060">
+              <a:rPr lang="en-US" altLang="ko-KR" sz="2060" dirty="0" smtClean="0">
                 <a:solidFill>
                   <a:srgbClr val="0611F2"/>
                 </a:solidFill>
@@ -6956,16 +6942,10 @@
                 <a:ea typeface="맑은 고딕" charset="0"/>
                 <a:cs typeface="+mn-cs"/>
               </a:rPr>
-              <a:t>4차</a:t>
-            </a:r>
-          </a:p>
-          <a:p>
-            <a:pPr marL="254000" indent="-254000" algn="l" rtl="0">
-              <a:buFontTx/>
-              <a:buNone/>
-            </a:pPr>
-            <a:r>
-              <a:rPr lang="ko-KR" altLang="en-US" sz="2060">
+              <a:t>3</a:t>
+            </a:r>
+            <a:r>
+              <a:rPr lang="ko-KR" altLang="en-US" sz="2060" dirty="0" smtClean="0">
                 <a:solidFill>
                   <a:srgbClr val="0611F2"/>
                 </a:solidFill>
@@ -6973,32 +6953,9 @@
                 <a:ea typeface="맑은 고딕" charset="0"/>
                 <a:cs typeface="+mn-cs"/>
               </a:rPr>
-              <a:t>바디 박스 템플릿 css, Footer 템플릿 css(2일, 혹은 3일까지(최대 월요일까지 작업))</a:t>
-            </a:r>
-          </a:p>
-          <a:p>
-            <a:pPr marL="254000" indent="-254000" algn="l" rtl="0">
-              <a:buFontTx/>
-              <a:buNone/>
-            </a:pPr>
-            <a:r>
-              <a:rPr lang="ko-KR" altLang="en-US" sz="2060">
-                <a:solidFill>
-                  <a:srgbClr val="0611F2"/>
-                </a:solidFill>
-                <a:latin typeface="맑은 고딕" charset="0"/>
-                <a:ea typeface="맑은 고딕" charset="0"/>
-                <a:cs typeface="+mn-cs"/>
-              </a:rPr>
-              <a:t>(26일차로 안 끝나면, 백엔드 작업자까지 같이 작업)</a:t>
-            </a:r>
-          </a:p>
-          <a:p>
-            <a:pPr marL="254000" indent="-254000" algn="l" rtl="0">
-              <a:buFontTx/>
-              <a:buNone/>
-            </a:pPr>
-            <a:endParaRPr lang="ko-KR" altLang="en-US" sz="2945">
+              <a:t>차</a:t>
+            </a:r>
+            <a:endParaRPr lang="ko-KR" altLang="en-US" sz="2060" dirty="0">
               <a:solidFill>
                 <a:srgbClr val="0611F2"/>
               </a:solidFill>
@@ -7009,10 +6966,135 @@
           </a:p>
           <a:p>
             <a:pPr marL="254000" indent="-254000" algn="l" rtl="0">
-              <a:buFont typeface="+mj-lt"/>
-              <a:buAutoNum type="arabicPeriod"/>
-            </a:pPr>
-            <a:endParaRPr lang="ko-KR" altLang="en-US" sz="1500">
+              <a:buFontTx/>
+              <a:buNone/>
+            </a:pPr>
+            <a:r>
+              <a:rPr lang="ko-KR" altLang="en-US" sz="2060" dirty="0">
+                <a:solidFill>
+                  <a:srgbClr val="0611F2"/>
+                </a:solidFill>
+                <a:latin typeface="맑은 고딕" charset="0"/>
+                <a:ea typeface="맑은 고딕" charset="0"/>
+                <a:cs typeface="+mn-cs"/>
+              </a:rPr>
+              <a:t>바디 박스 템플릿 </a:t>
+            </a:r>
+            <a:r>
+              <a:rPr lang="ko-KR" altLang="en-US" sz="2060" dirty="0" err="1">
+                <a:solidFill>
+                  <a:srgbClr val="0611F2"/>
+                </a:solidFill>
+                <a:latin typeface="맑은 고딕" charset="0"/>
+                <a:ea typeface="맑은 고딕" charset="0"/>
+                <a:cs typeface="+mn-cs"/>
+              </a:rPr>
+              <a:t>css</a:t>
+            </a:r>
+            <a:r>
+              <a:rPr lang="ko-KR" altLang="en-US" sz="2060" dirty="0">
+                <a:solidFill>
+                  <a:srgbClr val="0611F2"/>
+                </a:solidFill>
+                <a:latin typeface="맑은 고딕" charset="0"/>
+                <a:ea typeface="맑은 고딕" charset="0"/>
+                <a:cs typeface="+mn-cs"/>
+              </a:rPr>
+              <a:t>, </a:t>
+            </a:r>
+            <a:r>
+              <a:rPr lang="ko-KR" altLang="en-US" sz="2060" dirty="0" err="1">
+                <a:solidFill>
+                  <a:srgbClr val="0611F2"/>
+                </a:solidFill>
+                <a:latin typeface="맑은 고딕" charset="0"/>
+                <a:ea typeface="맑은 고딕" charset="0"/>
+                <a:cs typeface="+mn-cs"/>
+              </a:rPr>
+              <a:t>Footer</a:t>
+            </a:r>
+            <a:r>
+              <a:rPr lang="ko-KR" altLang="en-US" sz="2060" dirty="0">
+                <a:solidFill>
+                  <a:srgbClr val="0611F2"/>
+                </a:solidFill>
+                <a:latin typeface="맑은 고딕" charset="0"/>
+                <a:ea typeface="맑은 고딕" charset="0"/>
+                <a:cs typeface="+mn-cs"/>
+              </a:rPr>
+              <a:t> 템플릿 </a:t>
+            </a:r>
+            <a:r>
+              <a:rPr lang="ko-KR" altLang="en-US" sz="2060" dirty="0" err="1">
+                <a:solidFill>
+                  <a:srgbClr val="0611F2"/>
+                </a:solidFill>
+                <a:latin typeface="맑은 고딕" charset="0"/>
+                <a:ea typeface="맑은 고딕" charset="0"/>
+                <a:cs typeface="+mn-cs"/>
+              </a:rPr>
+              <a:t>css</a:t>
+            </a:r>
+            <a:r>
+              <a:rPr lang="ko-KR" altLang="en-US" sz="2060" dirty="0">
+                <a:solidFill>
+                  <a:srgbClr val="0611F2"/>
+                </a:solidFill>
+                <a:latin typeface="맑은 고딕" charset="0"/>
+                <a:ea typeface="맑은 고딕" charset="0"/>
+                <a:cs typeface="+mn-cs"/>
+              </a:rPr>
+              <a:t>(2일, 혹은 3일까지(최대 월요일까지 작업))</a:t>
+            </a:r>
+          </a:p>
+          <a:p>
+            <a:pPr marL="254000" indent="-254000" algn="l" rtl="0">
+              <a:buFontTx/>
+              <a:buNone/>
+            </a:pPr>
+            <a:r>
+              <a:rPr lang="ko-KR" altLang="en-US" sz="2060" dirty="0">
+                <a:solidFill>
+                  <a:srgbClr val="0611F2"/>
+                </a:solidFill>
+                <a:latin typeface="맑은 고딕" charset="0"/>
+                <a:ea typeface="맑은 고딕" charset="0"/>
+                <a:cs typeface="+mn-cs"/>
+              </a:rPr>
+              <a:t>(26일차로 안 끝나면, </a:t>
+            </a:r>
+            <a:r>
+              <a:rPr lang="ko-KR" altLang="en-US" sz="2060" dirty="0" err="1">
+                <a:solidFill>
+                  <a:srgbClr val="0611F2"/>
+                </a:solidFill>
+                <a:latin typeface="맑은 고딕" charset="0"/>
+                <a:ea typeface="맑은 고딕" charset="0"/>
+                <a:cs typeface="+mn-cs"/>
+              </a:rPr>
+              <a:t>백엔드</a:t>
+            </a:r>
+            <a:r>
+              <a:rPr lang="ko-KR" altLang="en-US" sz="2060" dirty="0">
+                <a:solidFill>
+                  <a:srgbClr val="0611F2"/>
+                </a:solidFill>
+                <a:latin typeface="맑은 고딕" charset="0"/>
+                <a:ea typeface="맑은 고딕" charset="0"/>
+                <a:cs typeface="+mn-cs"/>
+              </a:rPr>
+              <a:t> 작업자까지 같이 작업)</a:t>
+            </a:r>
+          </a:p>
+          <a:p>
+            <a:pPr marL="254000" indent="-254000" algn="l" rtl="0">
+              <a:buFontTx/>
+              <a:buNone/>
+            </a:pPr>
+            <a:endParaRPr lang="ko-KR" altLang="en-US" sz="2945" dirty="0">
+              <a:solidFill>
+                <a:srgbClr val="0611F2"/>
+              </a:solidFill>
               <a:latin typeface="맑은 고딕" charset="0"/>
               <a:ea typeface="맑은 고딕" charset="0"/>
               <a:cs typeface="+mn-cs"/>
@@ -7023,7 +7105,7 @@
               <a:buFont typeface="+mj-lt"/>
               <a:buAutoNum type="arabicPeriod"/>
             </a:pPr>
-            <a:endParaRPr lang="ko-KR" altLang="en-US" sz="1500">
+            <a:endParaRPr lang="ko-KR" altLang="en-US" sz="1500" dirty="0">
               <a:latin typeface="맑은 고딕" charset="0"/>
               <a:ea typeface="맑은 고딕" charset="0"/>
               <a:cs typeface="+mn-cs"/>
@@ -7034,7 +7116,18 @@
               <a:buFont typeface="+mj-lt"/>
               <a:buAutoNum type="arabicPeriod"/>
             </a:pPr>
-            <a:endParaRPr lang="ko-KR" altLang="en-US" sz="1500">
+            <a:endParaRPr lang="ko-KR" altLang="en-US" sz="1500" dirty="0">
+              <a:latin typeface="맑은 고딕" charset="0"/>
+              <a:ea typeface="맑은 고딕" charset="0"/>
+              <a:cs typeface="+mn-cs"/>
+            </a:endParaRPr>
+          </a:p>
+          <a:p>
+            <a:pPr marL="254000" indent="-254000" algn="l" rtl="0">
+              <a:buFont typeface="+mj-lt"/>
+              <a:buAutoNum type="arabicPeriod"/>
+            </a:pPr>
+            <a:endParaRPr lang="ko-KR" altLang="en-US" sz="1500" dirty="0">
               <a:latin typeface="맑은 고딕" charset="0"/>
               <a:ea typeface="맑은 고딕" charset="0"/>
               <a:cs typeface="+mn-cs"/>
@@ -11687,7 +11780,7 @@
                         <a:buNone/>
                       </a:pPr>
                       <a:r>
-                        <a:rPr sz="1800" b="0" i="0" kern="1200">
+                        <a:rPr sz="1800" b="0" i="0" kern="1200" dirty="0" smtClean="0">
                           <a:solidFill>
                             <a:schemeClr val="dk1"/>
                           </a:solidFill>
@@ -11696,13 +11789,6 @@
                         </a:rPr>
                         <a:t>23</a:t>
                       </a:r>
-                      <a:endParaRPr lang="ko-KR" altLang="en-US" sz="1800" b="0" i="0" kern="1200">
-                        <a:solidFill>
-                          <a:schemeClr val="dk1"/>
-                        </a:solidFill>
-                        <a:latin typeface="맑은 고딕" charset="0"/>
-                        <a:ea typeface="맑은 고딕" charset="0"/>
-                      </a:endParaRPr>
                     </a:p>
                     <a:p>
                       <a:pPr marL="0" lvl="1" indent="0" hangingPunct="1">
@@ -11710,7 +11796,7 @@
                         <a:buNone/>
                       </a:pPr>
                       <a:r>
-                        <a:rPr sz="1200" b="0" i="0" kern="1200">
+                        <a:rPr lang="ko-KR" altLang="en-US" sz="1200" b="0" i="0" kern="1200" dirty="0" smtClean="0">
                           <a:solidFill>
                             <a:srgbClr val="0611F2"/>
                           </a:solidFill>
@@ -11719,13 +11805,6 @@
                         </a:rPr>
                         <a:t>템플릿 페이지</a:t>
                       </a:r>
-                      <a:endParaRPr lang="ko-KR" altLang="en-US" sz="1200" b="0" i="0" kern="1200">
-                        <a:solidFill>
-                          <a:srgbClr val="0611F2"/>
-                        </a:solidFill>
-                        <a:latin typeface="맑은 고딕" charset="0"/>
-                        <a:ea typeface="맑은 고딕" charset="0"/>
-                      </a:endParaRPr>
                     </a:p>
                     <a:p>
                       <a:pPr marL="0" lvl="1" indent="0" hangingPunct="1">
@@ -11733,16 +11812,16 @@
                         <a:buNone/>
                       </a:pPr>
                       <a:r>
-                        <a:rPr sz="1200" b="0" i="0" kern="1200">
+                        <a:rPr lang="ko-KR" altLang="en-US" sz="1200" b="0" i="0" kern="1200" dirty="0" smtClean="0">
                           <a:solidFill>
                             <a:srgbClr val="0611F2"/>
                           </a:solidFill>
                           <a:latin typeface="맑은 고딕" charset="0"/>
                           <a:ea typeface="맑은 고딕" charset="0"/>
                         </a:rPr>
-                        <a:t>전체 구조 작성</a:t>
+                        <a:t>상단 메뉴 작성</a:t>
                       </a:r>
-                      <a:endParaRPr lang="ko-KR" altLang="en-US" sz="1200" b="0" i="0" kern="1200">
+                      <a:endParaRPr lang="ko-KR" altLang="en-US" sz="1200" b="0" i="0" kern="1200" dirty="0">
                         <a:solidFill>
                           <a:srgbClr val="0611F2"/>
                         </a:solidFill>
@@ -11811,7 +11890,7 @@
                         <a:buNone/>
                       </a:pPr>
                       <a:r>
-                        <a:rPr sz="1800" b="0" i="0" kern="1200">
+                        <a:rPr sz="1800" b="0" i="0" kern="1200" dirty="0" smtClean="0">
                           <a:solidFill>
                             <a:srgbClr val="000000"/>
                           </a:solidFill>
@@ -11820,59 +11899,6 @@
                         </a:rPr>
                         <a:t>24</a:t>
                       </a:r>
-                      <a:endParaRPr lang="ko-KR" altLang="en-US" sz="1800" b="0" i="0" kern="1200">
-                        <a:solidFill>
-                          <a:srgbClr val="000000"/>
-                        </a:solidFill>
-                        <a:latin typeface="맑은 고딕" charset="0"/>
-                        <a:ea typeface="맑은 고딕" charset="0"/>
-                      </a:endParaRPr>
-                    </a:p>
-                    <a:p>
-                      <a:pPr marL="0" lvl="1" indent="0" hangingPunct="1">
-                        <a:buFontTx/>
-                        <a:buNone/>
-                      </a:pPr>
-                      <a:r>
-                        <a:rPr sz="1200" b="0" i="0" kern="1200">
-                          <a:solidFill>
-                            <a:srgbClr val="0611F2"/>
-                          </a:solidFill>
-                          <a:latin typeface="맑은 고딕" charset="0"/>
-                          <a:ea typeface="맑은 고딕" charset="0"/>
-                        </a:rPr>
-                        <a:t>템플릿 페이지</a:t>
-                      </a:r>
-                      <a:endParaRPr lang="ko-KR" altLang="en-US" sz="1200" b="0" i="0" kern="1200">
-                        <a:solidFill>
-                          <a:srgbClr val="0611F2"/>
-                        </a:solidFill>
-                        <a:latin typeface="맑은 고딕" charset="0"/>
-                        <a:ea typeface="맑은 고딕" charset="0"/>
-                      </a:endParaRPr>
-                    </a:p>
-                    <a:p>
-                      <a:pPr marL="0" lvl="1" indent="0" hangingPunct="1">
-                        <a:buFontTx/>
-                        <a:buNone/>
-                      </a:pPr>
-                      <a:r>
-                        <a:rPr sz="1200" b="0" i="0" kern="1200">
-                          <a:solidFill>
-                            <a:srgbClr val="0611F2"/>
-                          </a:solidFill>
-                          <a:latin typeface="맑은 고딕" charset="0"/>
-                          <a:ea typeface="맑은 고딕" charset="0"/>
-                        </a:rPr>
-                        <a:t>상단 메뉴 작성</a:t>
-                      </a:r>
-                      <a:endParaRPr lang="ko-KR" altLang="en-US" sz="1200" b="0" i="0" kern="1200">
-                        <a:solidFill>
-                          <a:srgbClr val="0611F2"/>
-                        </a:solidFill>
-                        <a:latin typeface="맑은 고딕" charset="0"/>
-                        <a:ea typeface="맑은 고딕" charset="0"/>
-                      </a:endParaRPr>
                     </a:p>
                   </a:txBody>
                   <a:tcPr marL="90170" marR="90170" marT="46990" marB="46990">
@@ -13639,7 +13665,7 @@
         <p:spPr>
           <a:xfrm>
             <a:off x="6870065" y="2240915"/>
-            <a:ext cx="1544955" cy="579755"/>
+            <a:ext cx="3081655" cy="579755"/>
           </a:xfrm>
           <a:prstGeom prst="rightArrow">
             <a:avLst/>
@@ -13679,72 +13705,6 @@
               <a:t>2차</a:t>
             </a:r>
             <a:endParaRPr lang="ko-KR" altLang="en-US" sz="1800">
-              <a:latin typeface="맑은 고딕" charset="0"/>
-              <a:ea typeface="맑은 고딕" charset="0"/>
-            </a:endParaRPr>
-          </a:p>
-        </p:txBody>
-      </p:sp>
-      <p:sp>
-        <p:nvSpPr>
-          <p:cNvPr id="16" name="도형 21"/>
-          <p:cNvSpPr>
-            <a:spLocks/>
-          </p:cNvSpPr>
-          <p:nvPr/>
-        </p:nvSpPr>
-        <p:spPr>
-          <a:xfrm>
-            <a:off x="8421370" y="2240915"/>
-            <a:ext cx="1512570" cy="580390"/>
-          </a:xfrm>
-          <a:prstGeom prst="rightArrow">
-            <a:avLst/>
-          </a:prstGeom>
-          <a:solidFill>
-            <a:srgbClr val="ED7D31"/>
-          </a:solidFill>
-        </p:spPr>
-        <p:style>
-          <a:lnRef idx="2">
-            <a:schemeClr val="accent1">
-              <a:shade val="50000"/>
-            </a:schemeClr>
-          </a:lnRef>
-          <a:fillRef idx="1">
-            <a:schemeClr val="accent1"/>
-          </a:fillRef>
-          <a:effectRef idx="0">
-            <a:schemeClr val="accent1"/>
-          </a:effectRef>
-          <a:fontRef idx="minor">
-            <a:schemeClr val="lt1"/>
-          </a:fontRef>
-        </p:style>
-        <p:txBody>
-          <a:bodyPr vert="horz" wrap="square" lIns="91440" tIns="45720" rIns="91440" bIns="45720" numCol="1" anchor="ctr">
-            <a:noAutofit/>
-          </a:bodyPr>
-          <a:lstStyle/>
-          <a:p>
-            <a:pPr marL="0" indent="0" algn="ctr" hangingPunct="1">
-              <a:buFontTx/>
-              <a:buNone/>
-            </a:pPr>
-            <a:r>
-              <a:rPr sz="1800">
-                <a:solidFill>
-                  <a:srgbClr val="FFFFFF"/>
-                </a:solidFill>
-                <a:latin typeface="맑은 고딕" charset="0"/>
-                <a:ea typeface="맑은 고딕" charset="0"/>
-              </a:rPr>
-              <a:t>3차</a:t>
-            </a:r>
-            <a:endParaRPr lang="ko-KR" altLang="en-US" sz="1800">
-              <a:solidFill>
-                <a:srgbClr val="FFFFFF"/>
-              </a:solidFill>
               <a:latin typeface="맑은 고딕" charset="0"/>
               <a:ea typeface="맑은 고딕" charset="0"/>
             </a:endParaRPr>
@@ -13795,13 +13755,20 @@
           <a:p>
             <a:pPr marL="0" indent="0" algn="ctr" hangingPunct="1"/>
             <a:r>
-              <a:rPr sz="1800">
+              <a:rPr lang="en-US" dirty="0">
                 <a:latin typeface="맑은 고딕" charset="0"/>
                 <a:ea typeface="맑은 고딕" charset="0"/>
               </a:rPr>
-              <a:t>4차</a:t>
-            </a:r>
-            <a:endParaRPr lang="ko-KR" altLang="en-US" sz="1800">
+              <a:t>3</a:t>
+            </a:r>
+            <a:r>
+              <a:rPr sz="1800" dirty="0" smtClean="0">
+                <a:latin typeface="맑은 고딕" charset="0"/>
+                <a:ea typeface="맑은 고딕" charset="0"/>
+              </a:rPr>
+              <a:t>차</a:t>
+            </a:r>
+            <a:endParaRPr lang="ko-KR" altLang="en-US" sz="1800" dirty="0">
               <a:latin typeface="맑은 고딕" charset="0"/>
               <a:ea typeface="맑은 고딕" charset="0"/>
             </a:endParaRPr>
@@ -15569,7 +15536,7 @@
                         <a:buNone/>
                       </a:pPr>
                       <a:r>
-                        <a:rPr sz="1800" b="0" i="0" kern="1200">
+                        <a:rPr sz="1800" b="0" i="0" kern="1200" dirty="0">
                           <a:solidFill>
                             <a:srgbClr val="000000"/>
                           </a:solidFill>
@@ -15578,7 +15545,7 @@
                         </a:rPr>
                         <a:t>24</a:t>
                       </a:r>
-                      <a:endParaRPr lang="ko-KR" altLang="en-US" sz="1800" b="0" i="0" kern="1200">
+                      <a:endParaRPr lang="ko-KR" altLang="en-US" sz="1800" b="0" i="0" kern="1200" dirty="0">
                         <a:solidFill>
                           <a:srgbClr val="000000"/>
                         </a:solidFill>
@@ -15592,7 +15559,7 @@
                         <a:buNone/>
                       </a:pPr>
                       <a:r>
-                        <a:rPr sz="1200" b="0" i="0" kern="1200">
+                        <a:rPr sz="1200" b="0" i="0" kern="1200" dirty="0">
                           <a:solidFill>
                             <a:srgbClr val="0611F2"/>
                           </a:solidFill>
@@ -15601,7 +15568,7 @@
                         </a:rPr>
                         <a:t>로그인 페이지</a:t>
                       </a:r>
-                      <a:endParaRPr lang="ko-KR" altLang="en-US" sz="1200" b="0" i="0" kern="1200">
+                      <a:endParaRPr lang="ko-KR" altLang="en-US" sz="1200" b="0" i="0" kern="1200" dirty="0">
                         <a:solidFill>
                           <a:srgbClr val="0611F2"/>
                         </a:solidFill>
@@ -15615,16 +15582,36 @@
                         <a:buNone/>
                       </a:pPr>
                       <a:r>
-                        <a:rPr sz="1200" b="0" i="0" kern="1200">
+                        <a:rPr sz="1200" b="0" i="0" kern="1200" dirty="0" err="1">
                           <a:solidFill>
                             <a:srgbClr val="0611F2"/>
                           </a:solidFill>
                           <a:latin typeface="맑은 고딕" charset="0"/>
                           <a:ea typeface="맑은 고딕" charset="0"/>
                         </a:rPr>
-                        <a:t>Css, html</a:t>
+                        <a:t>Css</a:t>
                       </a:r>
-                      <a:endParaRPr lang="ko-KR" altLang="en-US" sz="1200" b="0" i="0" kern="1200">
+                      <a:r>
+                        <a:rPr sz="1200" b="0" i="0" kern="1200" dirty="0">
+                          <a:solidFill>
+                            <a:srgbClr val="0611F2"/>
+                          </a:solidFill>
+                          <a:latin typeface="맑은 고딕" charset="0"/>
+                          <a:ea typeface="맑은 고딕" charset="0"/>
+                        </a:rPr>
+                        <a:t>, </a:t>
+                      </a:r>
+                      <a:r>
+                        <a:rPr sz="1200" b="0" i="0" kern="1200" dirty="0" err="1">
+                          <a:solidFill>
+                            <a:srgbClr val="0611F2"/>
+                          </a:solidFill>
+                          <a:latin typeface="맑은 고딕" charset="0"/>
+                          <a:ea typeface="맑은 고딕" charset="0"/>
+                        </a:rPr>
+                        <a:t>html</a:t>
+                      </a:r>
+                      <a:endParaRPr lang="ko-KR" altLang="en-US" sz="1200" b="0" i="0" kern="1200" dirty="0">
                         <a:solidFill>
                           <a:srgbClr val="0611F2"/>
                         </a:solidFill>

--- a/스케줄표.pptx
+++ b/스케줄표.pptx
@@ -226,7 +226,7 @@
           <a:p>
             <a:fld id="{4E9214C1-2863-45BA-A7C5-D5EA3C3D4C30}" type="datetimeFigureOut">
               <a:rPr lang="ko-KR" altLang="en-US" smtClean="0"/>
-              <a:t>2024-05-24</a:t>
+              <a:t>2024-05-27</a:t>
             </a:fld>
             <a:endParaRPr lang="ko-KR" altLang="en-US"/>
           </a:p>
@@ -391,7 +391,7 @@
           <a:p>
             <a:fld id="{8F563C85-90F6-445D-9B5B-8ABB00FB3043}" type="datetimeFigureOut">
               <a:rPr lang="ko-KR" altLang="en-US" smtClean="0"/>
-              <a:t>2024-05-24</a:t>
+              <a:t>2024-05-27</a:t>
             </a:fld>
             <a:endParaRPr lang="ko-KR" altLang="en-US"/>
           </a:p>
@@ -963,7 +963,7 @@
             </a:pPr>
             <a:fld id="{B9320F77-B9A0-41C5-862A-B4B631284C64}" type="datetime1">
               <a:rPr lang="ko-KR" altLang="en-US"/>
-              <a:t>2024-05-24</a:t>
+              <a:t>2024-05-27</a:t>
             </a:fld>
             <a:endParaRPr lang="ko-KR" altLang="en-US"/>
           </a:p>
@@ -1222,7 +1222,7 @@
             </a:pPr>
             <a:fld id="{B9320F77-B9A0-41C5-862A-B4B631284C64}" type="datetime1">
               <a:rPr lang="ko-KR" altLang="en-US"/>
-              <a:t>2024-05-24</a:t>
+              <a:t>2024-05-27</a:t>
             </a:fld>
             <a:endParaRPr lang="ko-KR" altLang="en-US"/>
           </a:p>
@@ -1481,7 +1481,7 @@
             </a:pPr>
             <a:fld id="{B9320F77-B9A0-41C5-862A-B4B631284C64}" type="datetime1">
               <a:rPr lang="ko-KR" altLang="en-US"/>
-              <a:t>2024-05-24</a:t>
+              <a:t>2024-05-27</a:t>
             </a:fld>
             <a:endParaRPr lang="ko-KR" altLang="en-US"/>
           </a:p>
@@ -1740,7 +1740,7 @@
             </a:pPr>
             <a:fld id="{B9320F77-B9A0-41C5-862A-B4B631284C64}" type="datetime1">
               <a:rPr lang="ko-KR" altLang="en-US"/>
-              <a:t>2024-05-24</a:t>
+              <a:t>2024-05-27</a:t>
             </a:fld>
             <a:endParaRPr lang="ko-KR" altLang="en-US"/>
           </a:p>
@@ -2065,7 +2065,7 @@
             </a:pPr>
             <a:fld id="{B9320F77-B9A0-41C5-862A-B4B631284C64}" type="datetime1">
               <a:rPr lang="ko-KR" altLang="en-US"/>
-              <a:t>2024-05-24</a:t>
+              <a:t>2024-05-27</a:t>
             </a:fld>
             <a:endParaRPr lang="ko-KR" altLang="en-US"/>
           </a:p>
@@ -2492,7 +2492,7 @@
             </a:pPr>
             <a:fld id="{B9320F77-B9A0-41C5-862A-B4B631284C64}" type="datetime1">
               <a:rPr lang="ko-KR" altLang="en-US"/>
-              <a:t>2024-05-24</a:t>
+              <a:t>2024-05-27</a:t>
             </a:fld>
             <a:endParaRPr lang="ko-KR" altLang="en-US"/>
           </a:p>
@@ -3089,7 +3089,7 @@
             </a:pPr>
             <a:fld id="{B9320F77-B9A0-41C5-862A-B4B631284C64}" type="datetime1">
               <a:rPr lang="ko-KR" altLang="en-US"/>
-              <a:t>2024-05-24</a:t>
+              <a:t>2024-05-27</a:t>
             </a:fld>
             <a:endParaRPr lang="ko-KR" altLang="en-US"/>
           </a:p>
@@ -3272,7 +3272,7 @@
             </a:pPr>
             <a:fld id="{B9320F77-B9A0-41C5-862A-B4B631284C64}" type="datetime1">
               <a:rPr lang="ko-KR" altLang="en-US"/>
-              <a:t>2024-05-24</a:t>
+              <a:t>2024-05-27</a:t>
             </a:fld>
             <a:endParaRPr lang="ko-KR" altLang="en-US"/>
           </a:p>
@@ -3419,7 +3419,7 @@
             </a:pPr>
             <a:fld id="{B9320F77-B9A0-41C5-862A-B4B631284C64}" type="datetime1">
               <a:rPr lang="ko-KR" altLang="en-US"/>
-              <a:t>2024-05-24</a:t>
+              <a:t>2024-05-27</a:t>
             </a:fld>
             <a:endParaRPr lang="ko-KR" altLang="en-US"/>
           </a:p>
@@ -3812,7 +3812,7 @@
             </a:pPr>
             <a:fld id="{B9320F77-B9A0-41C5-862A-B4B631284C64}" type="datetime1">
               <a:rPr lang="ko-KR" altLang="en-US"/>
-              <a:t>2024-05-24</a:t>
+              <a:t>2024-05-27</a:t>
             </a:fld>
             <a:endParaRPr lang="ko-KR" altLang="en-US"/>
           </a:p>
@@ -4103,7 +4103,7 @@
             </a:pPr>
             <a:fld id="{B9320F77-B9A0-41C5-862A-B4B631284C64}" type="datetime1">
               <a:rPr lang="ko-KR" altLang="en-US"/>
-              <a:t>2024-05-24</a:t>
+              <a:t>2024-05-27</a:t>
             </a:fld>
             <a:endParaRPr lang="ko-KR" altLang="en-US"/>
           </a:p>
@@ -4461,7 +4461,7 @@
             </a:pPr>
             <a:fld id="{B9320F77-B9A0-41C5-862A-B4B631284C64}" type="datetime1">
               <a:rPr lang="ko-KR" altLang="en-US"/>
-              <a:t>2024-05-24</a:t>
+              <a:t>2024-05-27</a:t>
             </a:fld>
             <a:endParaRPr lang="ko-KR" altLang="en-US"/>
           </a:p>
@@ -6177,301 +6177,222 @@
             </a:lvl9pPr>
           </a:lstStyle>
           <a:p>
-            <a:pPr marL="0" indent="0" algn="l" rtl="0">
-              <a:buFontTx/>
-              <a:buNone/>
-            </a:pPr>
-            <a:r>
-              <a:rPr lang="ko-KR" altLang="en-US" sz="1500" dirty="0">
+            <a:pPr algn="l" rtl="0"/>
+            <a:r>
+              <a:rPr lang="en-US" altLang="ko-KR" sz="1500" dirty="0" smtClean="0">
                 <a:solidFill>
                   <a:srgbClr val="0611F2"/>
                 </a:solidFill>
-                <a:latin typeface="+mn-lt"/>
-                <a:ea typeface="+mn-ea"/>
-                <a:cs typeface="+mn-cs"/>
               </a:rPr>
-              <a:t>1차</a:t>
-            </a:r>
-          </a:p>
-          <a:p>
-            <a:pPr marL="0" indent="0" algn="l" rtl="0">
-              <a:buFontTx/>
-              <a:buNone/>
-            </a:pPr>
+              <a:t>1</a:t>
+            </a:r>
             <a:r>
               <a:rPr lang="ko-KR" altLang="en-US" sz="1500" dirty="0" smtClean="0">
                 <a:solidFill>
                   <a:srgbClr val="0611F2"/>
                 </a:solidFill>
               </a:rPr>
-              <a:t>관리자 페이지를 작성</a:t>
+              <a:t>차</a:t>
+            </a:r>
+            <a:endParaRPr lang="en-US" altLang="ko-KR" sz="1500" dirty="0" smtClean="0">
+              <a:solidFill>
+                <a:srgbClr val="0611F2"/>
+              </a:solidFill>
+            </a:endParaRPr>
+          </a:p>
+          <a:p>
+            <a:pPr algn="l" rtl="0"/>
+            <a:r>
+              <a:rPr lang="ko-KR" altLang="en-US" sz="1500" dirty="0" smtClean="0">
+                <a:solidFill>
+                  <a:srgbClr val="0611F2"/>
+                </a:solidFill>
+              </a:rPr>
+              <a:t>관리자 페이지 </a:t>
+            </a:r>
+            <a:r>
+              <a:rPr lang="en-US" altLang="ko-KR" sz="1500" dirty="0" smtClean="0">
+                <a:solidFill>
+                  <a:srgbClr val="0611F2"/>
+                </a:solidFill>
+              </a:rPr>
+              <a:t>html, </a:t>
+            </a:r>
+            <a:r>
+              <a:rPr lang="en-US" altLang="ko-KR" sz="1500" dirty="0" err="1" smtClean="0">
+                <a:solidFill>
+                  <a:srgbClr val="0611F2"/>
+                </a:solidFill>
+              </a:rPr>
+              <a:t>css</a:t>
+            </a:r>
+            <a:r>
+              <a:rPr lang="en-US" altLang="ko-KR" sz="1500" dirty="0" smtClean="0">
+                <a:solidFill>
+                  <a:srgbClr val="0611F2"/>
+                </a:solidFill>
+              </a:rPr>
+              <a:t> </a:t>
+            </a:r>
+            <a:r>
+              <a:rPr lang="ko-KR" altLang="en-US" sz="1500" dirty="0" smtClean="0">
+                <a:solidFill>
+                  <a:srgbClr val="0611F2"/>
+                </a:solidFill>
+              </a:rPr>
+              <a:t>작성</a:t>
             </a:r>
             <a:endParaRPr lang="ko-KR" altLang="en-US" sz="1500" dirty="0">
               <a:solidFill>
                 <a:srgbClr val="0611F2"/>
               </a:solidFill>
-              <a:latin typeface="+mn-lt"/>
-              <a:ea typeface="+mn-ea"/>
-              <a:cs typeface="+mn-cs"/>
             </a:endParaRPr>
           </a:p>
           <a:p>
-            <a:pPr marL="0" indent="0" algn="l" defTabSz="914400" rtl="0" eaLnBrk="1" latinLnBrk="1" hangingPunct="1">
-              <a:spcBef>
-                <a:spcPct val="20000"/>
-              </a:spcBef>
-              <a:buFontTx/>
-              <a:buNone/>
-            </a:pPr>
+            <a:pPr algn="l" rtl="0"/>
+            <a:endParaRPr lang="en-US" altLang="ko-KR" sz="1500" dirty="0" smtClean="0">
+              <a:solidFill>
+                <a:srgbClr val="0611F2"/>
+              </a:solidFill>
+            </a:endParaRPr>
+          </a:p>
+          <a:p>
+            <a:pPr algn="l" rtl="0"/>
+            <a:r>
+              <a:rPr lang="en-US" altLang="ko-KR" sz="1500" dirty="0">
+                <a:solidFill>
+                  <a:srgbClr val="0611F2"/>
+                </a:solidFill>
+              </a:rPr>
+              <a:t>2</a:t>
+            </a:r>
+            <a:r>
+              <a:rPr lang="ko-KR" altLang="en-US" sz="1500" dirty="0" smtClean="0">
+                <a:solidFill>
+                  <a:srgbClr val="0611F2"/>
+                </a:solidFill>
+              </a:rPr>
+              <a:t>차</a:t>
+            </a:r>
             <a:endParaRPr lang="ko-KR" altLang="en-US" sz="1500" dirty="0">
               <a:solidFill>
                 <a:srgbClr val="0611F2"/>
               </a:solidFill>
-              <a:latin typeface="맑은 고딕" charset="0"/>
-              <a:ea typeface="맑은 고딕" charset="0"/>
-              <a:cs typeface="+mn-cs"/>
             </a:endParaRPr>
           </a:p>
           <a:p>
-            <a:pPr marL="0" indent="0" algn="l" defTabSz="914400" rtl="0" eaLnBrk="1" latinLnBrk="1" hangingPunct="1">
-              <a:spcBef>
-                <a:spcPct val="20000"/>
-              </a:spcBef>
-              <a:buFontTx/>
-              <a:buNone/>
-            </a:pPr>
+            <a:pPr algn="l" rtl="0"/>
             <a:r>
               <a:rPr lang="ko-KR" altLang="en-US" sz="1500" dirty="0">
                 <a:solidFill>
                   <a:srgbClr val="0611F2"/>
                 </a:solidFill>
-                <a:latin typeface="맑은 고딕" charset="0"/>
-                <a:ea typeface="맑은 고딕" charset="0"/>
-                <a:cs typeface="+mn-cs"/>
               </a:rPr>
-              <a:t>2차</a:t>
-            </a:r>
-          </a:p>
-          <a:p>
-            <a:pPr marL="0" indent="0" algn="l" defTabSz="914400" rtl="0" eaLnBrk="1" latinLnBrk="1" hangingPunct="1">
-              <a:spcBef>
-                <a:spcPct val="20000"/>
-              </a:spcBef>
-              <a:buFontTx/>
-              <a:buNone/>
-            </a:pPr>
-            <a:r>
-              <a:rPr lang="ko-KR" altLang="en-US" sz="1500" dirty="0" err="1" smtClean="0">
+              <a:t>관리자 페이지 </a:t>
+            </a:r>
+            <a:r>
+              <a:rPr lang="ko-KR" altLang="en-US" sz="1500" dirty="0" smtClean="0">
                 <a:solidFill>
                   <a:srgbClr val="0611F2"/>
                 </a:solidFill>
-                <a:latin typeface="맑은 고딕" charset="0"/>
-                <a:ea typeface="맑은 고딕" charset="0"/>
               </a:rPr>
-              <a:t>백엔드의</a:t>
-            </a:r>
-            <a:r>
-              <a:rPr lang="ko-KR" altLang="en-US" sz="1500" dirty="0" smtClean="0">
+              <a:t>코드 </a:t>
+            </a:r>
+            <a:r>
+              <a:rPr lang="en-US" altLang="ko-KR" sz="1500" dirty="0" err="1" smtClean="0">
                 <a:solidFill>
                   <a:srgbClr val="0611F2"/>
                 </a:solidFill>
-                <a:latin typeface="맑은 고딕" charset="0"/>
-                <a:ea typeface="맑은 고딕" charset="0"/>
               </a:rPr>
-              <a:t> 추가적인 요구를 받아 협의한다</a:t>
-            </a:r>
-            <a:r>
-              <a:rPr lang="en-US" altLang="ko-KR" sz="1500" dirty="0" smtClean="0">
-                <a:solidFill>
-                  <a:srgbClr val="0611F2"/>
-                </a:solidFill>
-                <a:latin typeface="맑은 고딕" charset="0"/>
-                <a:ea typeface="맑은 고딕" charset="0"/>
-              </a:rPr>
-              <a:t>.</a:t>
-            </a:r>
-          </a:p>
-          <a:p>
-            <a:pPr marL="0" indent="0" algn="l" defTabSz="914400" rtl="0" eaLnBrk="1" latinLnBrk="1" hangingPunct="1">
-              <a:spcBef>
-                <a:spcPct val="20000"/>
-              </a:spcBef>
-              <a:buFontTx/>
-              <a:buNone/>
-            </a:pPr>
+              <a:t>js</a:t>
+            </a:r>
             <a:endParaRPr lang="en-US" altLang="ko-KR" sz="1500" dirty="0">
               <a:solidFill>
                 <a:srgbClr val="0611F2"/>
               </a:solidFill>
-              <a:latin typeface="맑은 고딕" charset="0"/>
-              <a:ea typeface="맑은 고딕" charset="0"/>
-              <a:cs typeface="+mn-cs"/>
             </a:endParaRPr>
           </a:p>
           <a:p>
-            <a:pPr marL="0" indent="0" algn="l" defTabSz="914400" rtl="0" eaLnBrk="1" latinLnBrk="1" hangingPunct="1">
-              <a:spcBef>
-                <a:spcPct val="20000"/>
-              </a:spcBef>
-              <a:buFontTx/>
-              <a:buNone/>
-            </a:pPr>
-            <a:r>
-              <a:rPr lang="en-US" altLang="ko-KR" sz="1500" dirty="0" smtClean="0">
-                <a:solidFill>
-                  <a:srgbClr val="0611F2"/>
-                </a:solidFill>
-                <a:latin typeface="맑은 고딕" charset="0"/>
-                <a:ea typeface="맑은 고딕" charset="0"/>
-              </a:rPr>
-              <a:t>3</a:t>
-            </a:r>
-            <a:r>
-              <a:rPr lang="ko-KR" altLang="en-US" sz="1500" dirty="0" smtClean="0">
-                <a:solidFill>
-                  <a:srgbClr val="0611F2"/>
-                </a:solidFill>
-                <a:latin typeface="맑은 고딕" charset="0"/>
-                <a:ea typeface="맑은 고딕" charset="0"/>
-              </a:rPr>
-              <a:t>차</a:t>
-            </a:r>
+            <a:pPr algn="l" rtl="0"/>
             <a:endParaRPr lang="en-US" altLang="ko-KR" sz="1500" dirty="0" smtClean="0">
               <a:solidFill>
                 <a:srgbClr val="0611F2"/>
               </a:solidFill>
-              <a:latin typeface="맑은 고딕" charset="0"/>
-              <a:ea typeface="맑은 고딕" charset="0"/>
             </a:endParaRPr>
           </a:p>
           <a:p>
-            <a:pPr marL="0" indent="0" algn="l" defTabSz="914400" rtl="0" eaLnBrk="1" latinLnBrk="1" hangingPunct="1">
-              <a:spcBef>
-                <a:spcPct val="20000"/>
-              </a:spcBef>
-              <a:buFontTx/>
-              <a:buNone/>
-            </a:pPr>
+            <a:pPr algn="l" rtl="0"/>
+            <a:r>
+              <a:rPr lang="en-US" altLang="ko-KR" sz="1500" dirty="0">
+                <a:solidFill>
+                  <a:srgbClr val="0611F2"/>
+                </a:solidFill>
+              </a:rPr>
+              <a:t>3</a:t>
+            </a:r>
             <a:r>
               <a:rPr lang="ko-KR" altLang="en-US" sz="1500" dirty="0" smtClean="0">
                 <a:solidFill>
                   <a:srgbClr val="0611F2"/>
                 </a:solidFill>
-                <a:latin typeface="맑은 고딕" charset="0"/>
-                <a:ea typeface="맑은 고딕" charset="0"/>
-                <a:cs typeface="+mn-cs"/>
               </a:rPr>
-              <a:t>관리자 페이지 코드를 작성한다</a:t>
-            </a:r>
-            <a:r>
-              <a:rPr lang="en-US" altLang="ko-KR" sz="1500" dirty="0" smtClean="0">
-                <a:solidFill>
-                  <a:srgbClr val="0611F2"/>
-                </a:solidFill>
-                <a:latin typeface="맑은 고딕" charset="0"/>
-                <a:ea typeface="맑은 고딕" charset="0"/>
-                <a:cs typeface="+mn-cs"/>
-              </a:rPr>
-              <a:t>.</a:t>
-            </a:r>
-          </a:p>
-          <a:p>
-            <a:pPr marL="0" indent="0" algn="l" defTabSz="914400" rtl="0" eaLnBrk="1" latinLnBrk="1" hangingPunct="1">
-              <a:spcBef>
-                <a:spcPct val="20000"/>
-              </a:spcBef>
-              <a:buFontTx/>
-              <a:buNone/>
-            </a:pPr>
+              <a:t>차</a:t>
+            </a:r>
             <a:endParaRPr lang="en-US" altLang="ko-KR" sz="1500" dirty="0">
               <a:solidFill>
                 <a:srgbClr val="0611F2"/>
               </a:solidFill>
-              <a:latin typeface="맑은 고딕" charset="0"/>
-              <a:ea typeface="맑은 고딕" charset="0"/>
             </a:endParaRPr>
           </a:p>
           <a:p>
-            <a:pPr marL="0" indent="0" algn="l" defTabSz="914400" rtl="0" eaLnBrk="1" latinLnBrk="1" hangingPunct="1">
-              <a:spcBef>
-                <a:spcPct val="20000"/>
-              </a:spcBef>
-              <a:buFontTx/>
-              <a:buNone/>
-            </a:pPr>
-            <a:r>
-              <a:rPr lang="en-US" altLang="ko-KR" sz="1500" dirty="0" smtClean="0">
+            <a:pPr algn="l" rtl="0"/>
+            <a:r>
+              <a:rPr lang="ko-KR" altLang="en-US" sz="1500" dirty="0">
                 <a:solidFill>
                   <a:srgbClr val="0611F2"/>
                 </a:solidFill>
-                <a:latin typeface="맑은 고딕" charset="0"/>
-                <a:ea typeface="맑은 고딕" charset="0"/>
-                <a:cs typeface="+mn-cs"/>
               </a:rPr>
-              <a:t>4</a:t>
+              <a:t>회원가입 </a:t>
             </a:r>
             <a:r>
               <a:rPr lang="ko-KR" altLang="en-US" sz="1500" dirty="0" smtClean="0">
                 <a:solidFill>
                   <a:srgbClr val="0611F2"/>
                 </a:solidFill>
-                <a:latin typeface="맑은 고딕" charset="0"/>
-                <a:ea typeface="맑은 고딕" charset="0"/>
-                <a:cs typeface="+mn-cs"/>
               </a:rPr>
-              <a:t>차</a:t>
-            </a:r>
-            <a:endParaRPr lang="en-US" altLang="ko-KR" sz="1500" dirty="0" smtClean="0">
-              <a:solidFill>
-                <a:srgbClr val="0611F2"/>
-              </a:solidFill>
-              <a:latin typeface="맑은 고딕" charset="0"/>
-              <a:ea typeface="맑은 고딕" charset="0"/>
-              <a:cs typeface="+mn-cs"/>
-            </a:endParaRPr>
-          </a:p>
-          <a:p>
-            <a:pPr marL="0" indent="0" algn="l" defTabSz="914400" rtl="0" eaLnBrk="1" latinLnBrk="1" hangingPunct="1">
-              <a:spcBef>
-                <a:spcPct val="20000"/>
-              </a:spcBef>
-              <a:buFontTx/>
-              <a:buNone/>
-            </a:pPr>
-            <a:r>
-              <a:rPr lang="ko-KR" altLang="en-US" sz="1500" dirty="0" smtClean="0">
+              <a:t>페이지 내부 </a:t>
+            </a:r>
+            <a:r>
+              <a:rPr lang="ko-KR" altLang="en-US" sz="1500" dirty="0">
                 <a:solidFill>
                   <a:srgbClr val="0611F2"/>
                 </a:solidFill>
-                <a:latin typeface="맑은 고딕" charset="0"/>
-                <a:ea typeface="맑은 고딕" charset="0"/>
               </a:rPr>
-              <a:t>회원가입 페이지 내부 작</a:t>
-            </a:r>
-            <a:r>
+              <a:t>작성</a:t>
+            </a:r>
+            <a:br>
               <a:rPr lang="ko-KR" altLang="en-US" sz="1500" dirty="0">
                 <a:solidFill>
                   <a:srgbClr val="0611F2"/>
                 </a:solidFill>
-                <a:latin typeface="맑은 고딕" charset="0"/>
-                <a:ea typeface="맑은 고딕" charset="0"/>
               </a:rPr>
-              <a:t>성</a:t>
-            </a:r>
-            <a:endParaRPr lang="ko-KR" altLang="en-US" sz="1500" dirty="0">
-              <a:solidFill>
-                <a:srgbClr val="0611F2"/>
-              </a:solidFill>
-              <a:latin typeface="맑은 고딕" charset="0"/>
-              <a:ea typeface="맑은 고딕" charset="0"/>
-              <a:cs typeface="+mn-cs"/>
-            </a:endParaRPr>
-          </a:p>
-          <a:p>
-            <a:pPr marL="254000" indent="-254000" algn="l" rtl="0">
-              <a:buFontTx/>
-              <a:buNone/>
-            </a:pPr>
+            </a:br>
+            <a:r>
+              <a:rPr lang="en-US" altLang="ko-KR" sz="1500" dirty="0" err="1">
+                <a:solidFill>
+                  <a:srgbClr val="0611F2"/>
+                </a:solidFill>
+              </a:rPr>
+              <a:t>css</a:t>
+            </a:r>
+            <a:r>
+              <a:rPr lang="en-US" altLang="ko-KR" sz="1500" dirty="0">
+                <a:solidFill>
+                  <a:srgbClr val="0611F2"/>
+                </a:solidFill>
+              </a:rPr>
+              <a:t>, html</a:t>
+            </a:r>
             <a:endParaRPr lang="ko-KR" altLang="en-US" sz="2945" dirty="0">
               <a:solidFill>
                 <a:srgbClr val="0611F2"/>
@@ -6852,7 +6773,17 @@
               <a:buNone/>
             </a:pPr>
             <a:r>
-              <a:rPr lang="ko-KR" altLang="en-US" sz="2060" dirty="0">
+              <a:rPr lang="en-US" altLang="ko-KR" sz="2060" dirty="0">
+                <a:solidFill>
+                  <a:srgbClr val="0611F2"/>
+                </a:solidFill>
+                <a:latin typeface="맑은 고딕" charset="0"/>
+                <a:ea typeface="맑은 고딕" charset="0"/>
+              </a:rPr>
+              <a:t>2</a:t>
+            </a:r>
+            <a:r>
+              <a:rPr lang="ko-KR" altLang="en-US" sz="2060" dirty="0" smtClean="0">
                 <a:solidFill>
                   <a:srgbClr val="0611F2"/>
                 </a:solidFill>
@@ -6860,50 +6791,7 @@
                 <a:ea typeface="맑은 고딕" charset="0"/>
                 <a:cs typeface="+mn-cs"/>
               </a:rPr>
-              <a:t>2차</a:t>
-            </a:r>
-          </a:p>
-          <a:p>
-            <a:pPr marL="254000" indent="-254000" algn="l" rtl="0"/>
-            <a:r>
-              <a:rPr lang="ko-KR" altLang="en-US" sz="2060" dirty="0">
-                <a:solidFill>
-                  <a:srgbClr val="0611F2"/>
-                </a:solidFill>
-                <a:latin typeface="맑은 고딕" charset="0"/>
-                <a:ea typeface="맑은 고딕" charset="0"/>
-              </a:rPr>
-              <a:t>상단 메뉴 박스 템플릿 </a:t>
-            </a:r>
-            <a:r>
-              <a:rPr lang="ko-KR" altLang="en-US" sz="2060" dirty="0" err="1">
-                <a:solidFill>
-                  <a:srgbClr val="0611F2"/>
-                </a:solidFill>
-                <a:latin typeface="맑은 고딕" charset="0"/>
-                <a:ea typeface="맑은 고딕" charset="0"/>
-              </a:rPr>
-              <a:t>css</a:t>
-            </a:r>
-            <a:r>
-              <a:rPr lang="ko-KR" altLang="en-US" sz="2060" dirty="0">
-                <a:solidFill>
-                  <a:srgbClr val="0611F2"/>
-                </a:solidFill>
-                <a:latin typeface="맑은 고딕" charset="0"/>
-                <a:ea typeface="맑은 고딕" charset="0"/>
-              </a:rPr>
-              <a:t> </a:t>
-            </a:r>
-            <a:r>
-              <a:rPr lang="ko-KR" altLang="en-US" sz="2060" dirty="0" smtClean="0">
-                <a:solidFill>
-                  <a:srgbClr val="0611F2"/>
-                </a:solidFill>
-                <a:latin typeface="맑은 고딕" charset="0"/>
-                <a:ea typeface="맑은 고딕" charset="0"/>
-              </a:rPr>
-              <a:t>만들기</a:t>
+              <a:t>차</a:t>
             </a:r>
             <a:endParaRPr lang="ko-KR" altLang="en-US" sz="2060" dirty="0">
               <a:solidFill>
@@ -6919,7 +6807,46 @@
               <a:buFontTx/>
               <a:buNone/>
             </a:pPr>
-            <a:endParaRPr lang="en-US" altLang="ko-KR" sz="2060" dirty="0" smtClean="0">
+            <a:r>
+              <a:rPr lang="ko-KR" altLang="en-US" sz="2060" dirty="0">
+                <a:solidFill>
+                  <a:srgbClr val="0611F2"/>
+                </a:solidFill>
+                <a:latin typeface="맑은 고딕" charset="0"/>
+                <a:ea typeface="맑은 고딕" charset="0"/>
+                <a:cs typeface="+mn-cs"/>
+              </a:rPr>
+              <a:t>상단 메뉴 박스 템플릿 </a:t>
+            </a:r>
+            <a:r>
+              <a:rPr lang="ko-KR" altLang="en-US" sz="2060" dirty="0" err="1">
+                <a:solidFill>
+                  <a:srgbClr val="0611F2"/>
+                </a:solidFill>
+                <a:latin typeface="맑은 고딕" charset="0"/>
+                <a:ea typeface="맑은 고딕" charset="0"/>
+                <a:cs typeface="+mn-cs"/>
+              </a:rPr>
+              <a:t>css</a:t>
+            </a:r>
+            <a:r>
+              <a:rPr lang="ko-KR" altLang="en-US" sz="2060" dirty="0">
+                <a:solidFill>
+                  <a:srgbClr val="0611F2"/>
+                </a:solidFill>
+                <a:latin typeface="맑은 고딕" charset="0"/>
+                <a:ea typeface="맑은 고딕" charset="0"/>
+                <a:cs typeface="+mn-cs"/>
+              </a:rPr>
+              <a:t> 만들기</a:t>
+            </a:r>
+          </a:p>
+          <a:p>
+            <a:pPr marL="254000" indent="-254000" algn="l" rtl="0">
+              <a:buFontTx/>
+              <a:buNone/>
+            </a:pPr>
+            <a:endParaRPr lang="ko-KR" altLang="en-US" sz="2060" dirty="0">
               <a:solidFill>
                 <a:srgbClr val="0611F2"/>
               </a:solidFill>
@@ -6934,13 +6861,12 @@
               <a:buNone/>
             </a:pPr>
             <a:r>
-              <a:rPr lang="en-US" altLang="ko-KR" sz="2060" dirty="0" smtClean="0">
+              <a:rPr lang="en-US" altLang="ko-KR" sz="2060" dirty="0">
                 <a:solidFill>
                   <a:srgbClr val="0611F2"/>
                 </a:solidFill>
                 <a:latin typeface="맑은 고딕" charset="0"/>
                 <a:ea typeface="맑은 고딕" charset="0"/>
-                <a:cs typeface="+mn-cs"/>
               </a:rPr>
               <a:t>3</a:t>
             </a:r>
@@ -7441,53 +7367,76 @@
             </a:r>
           </a:p>
           <a:p>
-            <a:pPr marL="0" indent="0" algn="l" rtl="0">
-              <a:buFontTx/>
-              <a:buNone/>
-            </a:pPr>
-            <a:r>
-              <a:rPr lang="ko-KR" altLang="en-US" sz="6000" dirty="0" err="1">
+            <a:pPr algn="l" rtl="0"/>
+            <a:r>
+              <a:rPr lang="ko-KR" altLang="en-US" sz="6000" dirty="0" err="1" smtClean="0">
                 <a:solidFill>
                   <a:srgbClr val="0611F2"/>
                 </a:solidFill>
                 <a:latin typeface="맑은 고딕" charset="0"/>
                 <a:ea typeface="맑은 고딕" charset="0"/>
-                <a:cs typeface="+mn-cs"/>
               </a:rPr>
-              <a:t>html에</a:t>
-            </a:r>
-            <a:r>
-              <a:rPr lang="ko-KR" altLang="en-US" sz="6000" dirty="0">
+              <a:t>게시글</a:t>
+            </a:r>
+            <a:r>
+              <a:rPr lang="ko-KR" altLang="en-US" sz="6000" dirty="0" smtClean="0">
                 <a:solidFill>
                   <a:srgbClr val="0611F2"/>
                 </a:solidFill>
                 <a:latin typeface="맑은 고딕" charset="0"/>
                 <a:ea typeface="맑은 고딕" charset="0"/>
-                <a:cs typeface="+mn-cs"/>
               </a:rPr>
-              <a:t> 데이터를 삽입하는 </a:t>
-            </a:r>
-            <a:r>
-              <a:rPr lang="ko-KR" altLang="en-US" sz="6000" dirty="0" err="1">
+              <a:t> </a:t>
+            </a:r>
+            <a:r>
+              <a:rPr lang="ko-KR" altLang="en-US" sz="6000" dirty="0">
                 <a:solidFill>
                   <a:srgbClr val="0611F2"/>
                 </a:solidFill>
                 <a:latin typeface="맑은 고딕" charset="0"/>
                 <a:ea typeface="맑은 고딕" charset="0"/>
-                <a:cs typeface="+mn-cs"/>
               </a:rPr>
-              <a:t>js</a:t>
-            </a:r>
-            <a:r>
-              <a:rPr lang="ko-KR" altLang="en-US" sz="6000" dirty="0">
+              <a:t>페이지 </a:t>
+            </a:r>
+            <a:r>
+              <a:rPr lang="ko-KR" altLang="en-US" sz="6000" dirty="0" err="1">
                 <a:solidFill>
                   <a:srgbClr val="0611F2"/>
                 </a:solidFill>
                 <a:latin typeface="맑은 고딕" charset="0"/>
                 <a:ea typeface="맑은 고딕" charset="0"/>
-                <a:cs typeface="+mn-cs"/>
               </a:rPr>
-              <a:t> 작성</a:t>
+              <a:t>html</a:t>
+            </a:r>
+            <a:r>
+              <a:rPr lang="ko-KR" altLang="en-US" sz="6000" dirty="0">
+                <a:solidFill>
+                  <a:srgbClr val="0611F2"/>
+                </a:solidFill>
+                <a:latin typeface="맑은 고딕" charset="0"/>
+                <a:ea typeface="맑은 고딕" charset="0"/>
+              </a:rPr>
+              <a:t>, </a:t>
+            </a:r>
+            <a:r>
+              <a:rPr lang="ko-KR" altLang="en-US" sz="6000" dirty="0" err="1">
+                <a:solidFill>
+                  <a:srgbClr val="0611F2"/>
+                </a:solidFill>
+                <a:latin typeface="맑은 고딕" charset="0"/>
+                <a:ea typeface="맑은 고딕" charset="0"/>
+              </a:rPr>
+              <a:t>css</a:t>
+            </a:r>
+            <a:r>
+              <a:rPr lang="ko-KR" altLang="en-US" sz="6000" dirty="0">
+                <a:solidFill>
+                  <a:srgbClr val="0611F2"/>
+                </a:solidFill>
+                <a:latin typeface="맑은 고딕" charset="0"/>
+                <a:ea typeface="맑은 고딕" charset="0"/>
+              </a:rPr>
+              <a:t> 작성(템플릿 페이지 이용)</a:t>
             </a:r>
           </a:p>
           <a:p>
@@ -7541,41 +7490,66 @@
             </a:endParaRPr>
           </a:p>
           <a:p>
-            <a:pPr marL="0" lvl="1" algn="l" rtl="0">
+            <a:pPr algn="l" rtl="0"/>
+            <a:r>
+              <a:rPr lang="ko-KR" altLang="en-US" sz="6000" dirty="0">
+                <a:solidFill>
+                  <a:srgbClr val="0611F2"/>
+                </a:solidFill>
+                <a:latin typeface="맑은 고딕" charset="0"/>
+                <a:ea typeface="맑은 고딕" charset="0"/>
+              </a:rPr>
+              <a:t>글쓰기 </a:t>
+            </a:r>
+            <a:r>
+              <a:rPr lang="ko-KR" altLang="en-US" sz="6000" dirty="0" err="1">
+                <a:solidFill>
+                  <a:srgbClr val="0611F2"/>
+                </a:solidFill>
+                <a:latin typeface="맑은 고딕" charset="0"/>
+                <a:ea typeface="맑은 고딕" charset="0"/>
+              </a:rPr>
+              <a:t>html</a:t>
+            </a:r>
+            <a:r>
+              <a:rPr lang="ko-KR" altLang="en-US" sz="6000" dirty="0">
+                <a:solidFill>
+                  <a:srgbClr val="0611F2"/>
+                </a:solidFill>
+                <a:latin typeface="맑은 고딕" charset="0"/>
+                <a:ea typeface="맑은 고딕" charset="0"/>
+              </a:rPr>
+              <a:t>, </a:t>
+            </a:r>
+            <a:r>
+              <a:rPr lang="ko-KR" altLang="en-US" sz="6000" dirty="0" err="1">
+                <a:solidFill>
+                  <a:srgbClr val="0611F2"/>
+                </a:solidFill>
+                <a:latin typeface="맑은 고딕" charset="0"/>
+                <a:ea typeface="맑은 고딕" charset="0"/>
+              </a:rPr>
+              <a:t>css</a:t>
+            </a:r>
+            <a:r>
+              <a:rPr lang="ko-KR" altLang="en-US" sz="6000" dirty="0">
+                <a:solidFill>
+                  <a:srgbClr val="0611F2"/>
+                </a:solidFill>
+                <a:latin typeface="맑은 고딕" charset="0"/>
+                <a:ea typeface="맑은 고딕" charset="0"/>
+              </a:rPr>
+              <a:t> 작성(템플릿 페이지 이용)</a:t>
+            </a:r>
+          </a:p>
+          <a:p>
+            <a:pPr marL="0" indent="0" algn="l" defTabSz="914400" rtl="0" eaLnBrk="1" latinLnBrk="1" hangingPunct="1">
               <a:spcBef>
                 <a:spcPct val="20000"/>
               </a:spcBef>
-            </a:pPr>
-            <a:r>
-              <a:rPr lang="ko-KR" altLang="en-US" sz="6000" kern="1200" dirty="0" err="1">
-                <a:solidFill>
-                  <a:srgbClr val="0611F2"/>
-                </a:solidFill>
-                <a:latin typeface="맑은 고딕" charset="0"/>
-                <a:ea typeface="맑은 고딕" charset="0"/>
-              </a:rPr>
-              <a:t>백엔드의</a:t>
-            </a:r>
-            <a:r>
-              <a:rPr lang="ko-KR" altLang="en-US" sz="6000" kern="1200" dirty="0">
-                <a:solidFill>
-                  <a:srgbClr val="0611F2"/>
-                </a:solidFill>
-                <a:latin typeface="맑은 고딕" charset="0"/>
-                <a:ea typeface="맑은 고딕" charset="0"/>
-              </a:rPr>
-              <a:t> 추가적인 요구를 받아 </a:t>
-            </a:r>
-            <a:r>
-              <a:rPr lang="ko-KR" altLang="en-US" sz="6000" kern="1200" dirty="0" smtClean="0">
-                <a:solidFill>
-                  <a:srgbClr val="0611F2"/>
-                </a:solidFill>
-                <a:latin typeface="맑은 고딕" charset="0"/>
-                <a:ea typeface="맑은 고딕" charset="0"/>
-              </a:rPr>
-              <a:t>협의</a:t>
-            </a:r>
+              <a:buFontTx/>
+              <a:buNone/>
+            </a:pPr>
             <a:endParaRPr lang="ko-KR" altLang="en-US" sz="6000" dirty="0">
               <a:solidFill>
                 <a:srgbClr val="0611F2"/>
@@ -7593,6 +7567,79 @@
               <a:buFontTx/>
               <a:buNone/>
             </a:pPr>
+            <a:r>
+              <a:rPr lang="ko-KR" altLang="en-US" sz="6000" dirty="0">
+                <a:solidFill>
+                  <a:srgbClr val="0611F2"/>
+                </a:solidFill>
+                <a:latin typeface="맑은 고딕" charset="0"/>
+                <a:ea typeface="맑은 고딕" charset="0"/>
+                <a:cs typeface="+mn-cs"/>
+              </a:rPr>
+              <a:t>3차</a:t>
+            </a:r>
+          </a:p>
+          <a:p>
+            <a:pPr algn="l" rtl="0"/>
+            <a:r>
+              <a:rPr lang="en-US" altLang="ko-KR" sz="6000" dirty="0">
+                <a:solidFill>
+                  <a:srgbClr val="0611F2"/>
+                </a:solidFill>
+                <a:latin typeface="맑은 고딕" charset="0"/>
+                <a:ea typeface="맑은 고딕" charset="0"/>
+              </a:rPr>
+              <a:t>Html</a:t>
+            </a:r>
+            <a:r>
+              <a:rPr lang="ko-KR" altLang="en-US" sz="6000" dirty="0">
+                <a:solidFill>
+                  <a:srgbClr val="0611F2"/>
+                </a:solidFill>
+                <a:latin typeface="맑은 고딕" charset="0"/>
+                <a:ea typeface="맑은 고딕" charset="0"/>
+              </a:rPr>
+              <a:t>에 삽입하는 </a:t>
+            </a:r>
+            <a:r>
+              <a:rPr lang="en-US" altLang="ko-KR" sz="6000" dirty="0" err="1">
+                <a:solidFill>
+                  <a:srgbClr val="0611F2"/>
+                </a:solidFill>
+                <a:latin typeface="맑은 고딕" charset="0"/>
+                <a:ea typeface="맑은 고딕" charset="0"/>
+              </a:rPr>
+              <a:t>js</a:t>
+            </a:r>
+            <a:r>
+              <a:rPr lang="en-US" altLang="ko-KR" sz="6000" dirty="0">
+                <a:solidFill>
+                  <a:srgbClr val="0611F2"/>
+                </a:solidFill>
+                <a:latin typeface="맑은 고딕" charset="0"/>
+                <a:ea typeface="맑은 고딕" charset="0"/>
+              </a:rPr>
+              <a:t> </a:t>
+            </a:r>
+            <a:r>
+              <a:rPr lang="ko-KR" altLang="en-US" sz="6000" dirty="0">
+                <a:solidFill>
+                  <a:srgbClr val="0611F2"/>
+                </a:solidFill>
+                <a:latin typeface="맑은 고딕" charset="0"/>
+                <a:ea typeface="맑은 고딕" charset="0"/>
+              </a:rPr>
+              <a:t>작성</a:t>
+            </a:r>
+          </a:p>
+          <a:p>
+            <a:pPr marL="0" indent="0" algn="l" defTabSz="914400" rtl="0" eaLnBrk="1" latinLnBrk="1" hangingPunct="1">
+              <a:spcBef>
+                <a:spcPct val="20000"/>
+              </a:spcBef>
+              <a:buFontTx/>
+              <a:buNone/>
+            </a:pPr>
             <a:endParaRPr lang="ko-KR" altLang="en-US" sz="6000" dirty="0">
               <a:solidFill>
                 <a:srgbClr val="0611F2"/>
@@ -7611,7 +7658,17 @@
               <a:buNone/>
             </a:pPr>
             <a:r>
-              <a:rPr lang="ko-KR" altLang="en-US" sz="6000" dirty="0">
+              <a:rPr lang="en-US" altLang="ko-KR" sz="6000" dirty="0">
+                <a:solidFill>
+                  <a:srgbClr val="0611F2"/>
+                </a:solidFill>
+                <a:latin typeface="맑은 고딕" charset="0"/>
+                <a:ea typeface="맑은 고딕" charset="0"/>
+              </a:rPr>
+              <a:t>4</a:t>
+            </a:r>
+            <a:r>
+              <a:rPr lang="ko-KR" altLang="en-US" sz="6000" dirty="0" smtClean="0">
                 <a:solidFill>
                   <a:srgbClr val="0611F2"/>
                 </a:solidFill>
@@ -7619,81 +7676,8 @@
                 <a:ea typeface="맑은 고딕" charset="0"/>
                 <a:cs typeface="+mn-cs"/>
               </a:rPr>
-              <a:t>3차</a:t>
-            </a:r>
-          </a:p>
-          <a:p>
-            <a:pPr marL="0" indent="0" algn="l" defTabSz="914400" rtl="0" eaLnBrk="1" latinLnBrk="1" hangingPunct="1">
-              <a:spcBef>
-                <a:spcPct val="20000"/>
-              </a:spcBef>
-              <a:buFontTx/>
-              <a:buNone/>
-            </a:pPr>
-            <a:r>
-              <a:rPr lang="ko-KR" altLang="en-US" sz="6000" dirty="0">
-                <a:solidFill>
-                  <a:srgbClr val="0611F2"/>
-                </a:solidFill>
-                <a:latin typeface="맑은 고딕" charset="0"/>
-                <a:ea typeface="맑은 고딕" charset="0"/>
-                <a:cs typeface="+mn-cs"/>
-              </a:rPr>
-              <a:t>글쓰기 </a:t>
-            </a:r>
-            <a:r>
-              <a:rPr lang="ko-KR" altLang="en-US" sz="6000" dirty="0" err="1">
-                <a:solidFill>
-                  <a:srgbClr val="0611F2"/>
-                </a:solidFill>
-                <a:latin typeface="맑은 고딕" charset="0"/>
-                <a:ea typeface="맑은 고딕" charset="0"/>
-                <a:cs typeface="+mn-cs"/>
-              </a:rPr>
-              <a:t>html</a:t>
-            </a:r>
-            <a:r>
-              <a:rPr lang="ko-KR" altLang="en-US" sz="6000" dirty="0">
-                <a:solidFill>
-                  <a:srgbClr val="0611F2"/>
-                </a:solidFill>
-                <a:latin typeface="맑은 고딕" charset="0"/>
-                <a:ea typeface="맑은 고딕" charset="0"/>
-                <a:cs typeface="+mn-cs"/>
-              </a:rPr>
-              <a:t>, </a:t>
-            </a:r>
-            <a:r>
-              <a:rPr lang="ko-KR" altLang="en-US" sz="6000" dirty="0" err="1">
-                <a:solidFill>
-                  <a:srgbClr val="0611F2"/>
-                </a:solidFill>
-                <a:latin typeface="맑은 고딕" charset="0"/>
-                <a:ea typeface="맑은 고딕" charset="0"/>
-                <a:cs typeface="+mn-cs"/>
-              </a:rPr>
-              <a:t>css</a:t>
-            </a:r>
-            <a:r>
-              <a:rPr lang="ko-KR" altLang="en-US" sz="6000" dirty="0">
-                <a:solidFill>
-                  <a:srgbClr val="0611F2"/>
-                </a:solidFill>
-                <a:latin typeface="맑은 고딕" charset="0"/>
-                <a:ea typeface="맑은 고딕" charset="0"/>
-                <a:cs typeface="+mn-cs"/>
-              </a:rPr>
-              <a:t> 작성(템플릿 페이지 이용)</a:t>
-            </a:r>
-          </a:p>
-          <a:p>
-            <a:pPr marL="0" indent="0" algn="l" defTabSz="914400" rtl="0" eaLnBrk="1" latinLnBrk="1" hangingPunct="1">
-              <a:spcBef>
-                <a:spcPct val="20000"/>
-              </a:spcBef>
-              <a:buFontTx/>
-              <a:buNone/>
-            </a:pPr>
+              <a:t>차</a:t>
+            </a:r>
             <a:endParaRPr lang="ko-KR" altLang="en-US" sz="6000" dirty="0">
               <a:solidFill>
                 <a:srgbClr val="0611F2"/>
@@ -7704,6 +7688,79 @@
             </a:endParaRPr>
           </a:p>
           <a:p>
+            <a:pPr algn="l" rtl="0"/>
+            <a:r>
+              <a:rPr lang="ko-KR" altLang="en-US" sz="6000" dirty="0" err="1" smtClean="0">
+                <a:solidFill>
+                  <a:srgbClr val="0611F2"/>
+                </a:solidFill>
+                <a:latin typeface="맑은 고딕" charset="0"/>
+                <a:ea typeface="맑은 고딕" charset="0"/>
+              </a:rPr>
+              <a:t>게시글</a:t>
+            </a:r>
+            <a:r>
+              <a:rPr lang="ko-KR" altLang="en-US" sz="6000" dirty="0" smtClean="0">
+                <a:solidFill>
+                  <a:srgbClr val="0611F2"/>
+                </a:solidFill>
+                <a:latin typeface="맑은 고딕" charset="0"/>
+                <a:ea typeface="맑은 고딕" charset="0"/>
+              </a:rPr>
+              <a:t> </a:t>
+            </a:r>
+            <a:r>
+              <a:rPr lang="en-US" altLang="ko-KR" sz="6000" dirty="0" smtClean="0">
+                <a:solidFill>
+                  <a:srgbClr val="0611F2"/>
+                </a:solidFill>
+                <a:latin typeface="맑은 고딕" charset="0"/>
+                <a:ea typeface="맑은 고딕" charset="0"/>
+              </a:rPr>
+              <a:t>html, ccs </a:t>
+            </a:r>
+            <a:r>
+              <a:rPr lang="ko-KR" altLang="en-US" sz="6000" dirty="0" smtClean="0">
+                <a:solidFill>
+                  <a:srgbClr val="0611F2"/>
+                </a:solidFill>
+                <a:latin typeface="맑은 고딕" charset="0"/>
+                <a:ea typeface="맑은 고딕" charset="0"/>
+              </a:rPr>
+              <a:t>작성</a:t>
+            </a:r>
+            <a:r>
+              <a:rPr lang="en-US" altLang="ko-KR" sz="6000" dirty="0" smtClean="0">
+                <a:solidFill>
+                  <a:srgbClr val="0611F2"/>
+                </a:solidFill>
+                <a:latin typeface="맑은 고딕" charset="0"/>
+                <a:ea typeface="맑은 고딕" charset="0"/>
+              </a:rPr>
+              <a:t>(</a:t>
+            </a:r>
+            <a:r>
+              <a:rPr lang="ko-KR" altLang="en-US" sz="6000" dirty="0" smtClean="0">
+                <a:solidFill>
+                  <a:srgbClr val="0611F2"/>
+                </a:solidFill>
+                <a:latin typeface="맑은 고딕" charset="0"/>
+                <a:ea typeface="맑은 고딕" charset="0"/>
+              </a:rPr>
+              <a:t>템플릿 페이지 이용</a:t>
+            </a:r>
+            <a:r>
+              <a:rPr lang="en-US" altLang="ko-KR" sz="6000" dirty="0" smtClean="0">
+                <a:solidFill>
+                  <a:srgbClr val="0611F2"/>
+                </a:solidFill>
+                <a:latin typeface="맑은 고딕" charset="0"/>
+                <a:ea typeface="맑은 고딕" charset="0"/>
+              </a:rPr>
+              <a:t>)</a:t>
+            </a:r>
+          </a:p>
+          <a:p>
             <a:pPr marL="0" indent="0" algn="l" defTabSz="914400" rtl="0" eaLnBrk="1" latinLnBrk="1" hangingPunct="1">
               <a:spcBef>
                 <a:spcPct val="20000"/>
@@ -7711,8 +7768,35 @@
               <a:buFontTx/>
               <a:buNone/>
             </a:pPr>
-            <a:r>
-              <a:rPr lang="ko-KR" altLang="en-US" sz="6000" dirty="0">
+            <a:endParaRPr lang="ko-KR" altLang="en-US" sz="6000" dirty="0" smtClean="0">
+              <a:solidFill>
+                <a:srgbClr val="0611F2"/>
+              </a:solidFill>
+              <a:latin typeface="맑은 고딕" charset="0"/>
+              <a:ea typeface="맑은 고딕" charset="0"/>
+              <a:cs typeface="+mn-cs"/>
+            </a:endParaRPr>
+          </a:p>
+          <a:p>
+            <a:pPr marL="0" indent="0" algn="l" defTabSz="914400" rtl="0" eaLnBrk="1" latinLnBrk="1" hangingPunct="1">
+              <a:spcBef>
+                <a:spcPct val="20000"/>
+              </a:spcBef>
+              <a:buFontTx/>
+              <a:buNone/>
+            </a:pPr>
+            <a:r>
+              <a:rPr lang="en-US" altLang="ko-KR" sz="6000" dirty="0" smtClean="0">
+                <a:solidFill>
+                  <a:srgbClr val="0611F2"/>
+                </a:solidFill>
+                <a:latin typeface="맑은 고딕" charset="0"/>
+                <a:ea typeface="맑은 고딕" charset="0"/>
+              </a:rPr>
+              <a:t>5</a:t>
+            </a:r>
+            <a:r>
+              <a:rPr lang="ko-KR" altLang="en-US" sz="6000" dirty="0" smtClean="0">
                 <a:solidFill>
                   <a:srgbClr val="0611F2"/>
                 </a:solidFill>
@@ -7720,8 +7804,16 @@
                 <a:ea typeface="맑은 고딕" charset="0"/>
                 <a:cs typeface="+mn-cs"/>
               </a:rPr>
-              <a:t>4차</a:t>
-            </a:r>
+              <a:t>차</a:t>
+            </a:r>
+            <a:endParaRPr lang="en-US" altLang="ko-KR" sz="6000" dirty="0" smtClean="0">
+              <a:solidFill>
+                <a:srgbClr val="0611F2"/>
+              </a:solidFill>
+              <a:latin typeface="맑은 고딕" charset="0"/>
+              <a:ea typeface="맑은 고딕" charset="0"/>
+              <a:cs typeface="+mn-cs"/>
+            </a:endParaRPr>
           </a:p>
           <a:p>
             <a:pPr algn="l" rtl="0"/>
@@ -7733,7 +7825,7 @@
                 <a:latin typeface="맑은 고딕" charset="0"/>
                 <a:ea typeface="맑은 고딕" charset="0"/>
               </a:rPr>
-              <a:t>게시판의 보드를 보는 경우의 </a:t>
+              <a:t>데이터를 받기 위해 필요한 필수적인 요청코드들을 (</a:t>
             </a:r>
             <a:r>
               <a:rPr lang="ko-KR" altLang="en-US" sz="6000" dirty="0" err="1">
@@ -7743,7 +7835,7 @@
                 <a:latin typeface="맑은 고딕" charset="0"/>
                 <a:ea typeface="맑은 고딕" charset="0"/>
               </a:rPr>
-              <a:t>html</a:t>
+              <a:t>axios</a:t>
             </a:r>
             <a:r>
               <a:rPr lang="ko-KR" altLang="en-US" sz="6000" dirty="0">
@@ -7753,7 +7845,7 @@
                 <a:latin typeface="맑은 고딕" charset="0"/>
                 <a:ea typeface="맑은 고딕" charset="0"/>
               </a:rPr>
-              <a:t>, </a:t>
+              <a:t> 혹은 </a:t>
             </a:r>
             <a:r>
               <a:rPr lang="ko-KR" altLang="en-US" sz="6000" dirty="0" err="1">
@@ -7763,7 +7855,7 @@
                 <a:latin typeface="맑은 고딕" charset="0"/>
                 <a:ea typeface="맑은 고딕" charset="0"/>
               </a:rPr>
-              <a:t>css</a:t>
+              <a:t>fetch</a:t>
             </a:r>
             <a:r>
               <a:rPr lang="ko-KR" altLang="en-US" sz="6000" dirty="0">
@@ -7773,7 +7865,7 @@
                 <a:latin typeface="맑은 고딕" charset="0"/>
                 <a:ea typeface="맑은 고딕" charset="0"/>
               </a:rPr>
-              <a:t> 작성(템플릿 페이지 이용)</a:t>
+              <a:t>) 추가</a:t>
             </a:r>
           </a:p>
           <a:p>
@@ -7784,6 +7876,146 @@
               <a:buFontTx/>
               <a:buNone/>
             </a:pPr>
+            <a:endParaRPr lang="en-US" altLang="ko-KR" sz="6000" dirty="0">
+              <a:solidFill>
+                <a:srgbClr val="0611F2"/>
+              </a:solidFill>
+              <a:latin typeface="맑은 고딕" charset="0"/>
+              <a:ea typeface="맑은 고딕" charset="0"/>
+            </a:endParaRPr>
+          </a:p>
+          <a:p>
+            <a:pPr algn="l" rtl="0"/>
+            <a:r>
+              <a:rPr lang="en-US" altLang="ko-KR" sz="6000" dirty="0" smtClean="0">
+                <a:solidFill>
+                  <a:srgbClr val="0611F2"/>
+                </a:solidFill>
+                <a:latin typeface="맑은 고딕" charset="0"/>
+                <a:ea typeface="맑은 고딕" charset="0"/>
+              </a:rPr>
+              <a:t>6</a:t>
+            </a:r>
+            <a:r>
+              <a:rPr lang="ko-KR" altLang="en-US" sz="6000" dirty="0" smtClean="0">
+                <a:solidFill>
+                  <a:srgbClr val="0611F2"/>
+                </a:solidFill>
+                <a:latin typeface="맑은 고딕" charset="0"/>
+                <a:ea typeface="맑은 고딕" charset="0"/>
+              </a:rPr>
+              <a:t>차</a:t>
+            </a:r>
+            <a:endParaRPr lang="ko-KR" altLang="en-US" sz="6000" dirty="0">
+              <a:solidFill>
+                <a:srgbClr val="0611F2"/>
+              </a:solidFill>
+              <a:latin typeface="맑은 고딕" charset="0"/>
+              <a:ea typeface="맑은 고딕" charset="0"/>
+            </a:endParaRPr>
+          </a:p>
+          <a:p>
+            <a:pPr algn="l" rtl="0"/>
+            <a:r>
+              <a:rPr lang="ko-KR" altLang="en-US" sz="6000" dirty="0">
+                <a:solidFill>
+                  <a:srgbClr val="0611F2"/>
+                </a:solidFill>
+                <a:latin typeface="맑은 고딕" charset="0"/>
+                <a:ea typeface="맑은 고딕" charset="0"/>
+              </a:rPr>
+              <a:t>웹페이지들의 기능을 </a:t>
+            </a:r>
+            <a:r>
+              <a:rPr lang="ko-KR" altLang="en-US" sz="6000" dirty="0" smtClean="0">
+                <a:solidFill>
+                  <a:srgbClr val="0611F2"/>
+                </a:solidFill>
+                <a:latin typeface="맑은 고딕" charset="0"/>
+                <a:ea typeface="맑은 고딕" charset="0"/>
+              </a:rPr>
+              <a:t>위한 페이지 모양과 </a:t>
+            </a:r>
+            <a:r>
+              <a:rPr lang="ko-KR" altLang="en-US" sz="6000" dirty="0" err="1" smtClean="0">
+                <a:solidFill>
+                  <a:srgbClr val="0611F2"/>
+                </a:solidFill>
+                <a:latin typeface="맑은 고딕" charset="0"/>
+                <a:ea typeface="맑은 고딕" charset="0"/>
+              </a:rPr>
+              <a:t>관련없는</a:t>
+            </a:r>
+            <a:r>
+              <a:rPr lang="ko-KR" altLang="en-US" sz="6000" dirty="0" smtClean="0">
+                <a:solidFill>
+                  <a:srgbClr val="0611F2"/>
+                </a:solidFill>
+                <a:latin typeface="맑은 고딕" charset="0"/>
+                <a:ea typeface="맑은 고딕" charset="0"/>
+              </a:rPr>
+              <a:t> </a:t>
+            </a:r>
+            <a:r>
+              <a:rPr lang="en-US" altLang="ko-KR" sz="6000" dirty="0" smtClean="0">
+                <a:solidFill>
+                  <a:srgbClr val="0611F2"/>
+                </a:solidFill>
+                <a:latin typeface="맑은 고딕" charset="0"/>
+                <a:ea typeface="맑은 고딕" charset="0"/>
+              </a:rPr>
+              <a:t>post</a:t>
+            </a:r>
+            <a:r>
+              <a:rPr lang="ko-KR" altLang="en-US" sz="6000" dirty="0" smtClean="0">
+                <a:solidFill>
+                  <a:srgbClr val="0611F2"/>
+                </a:solidFill>
+                <a:latin typeface="맑은 고딕" charset="0"/>
+                <a:ea typeface="맑은 고딕" charset="0"/>
+              </a:rPr>
+              <a:t> 요청</a:t>
+            </a:r>
+            <a:r>
+              <a:rPr lang="ko-KR" altLang="en-US" sz="6000" dirty="0">
+                <a:solidFill>
+                  <a:srgbClr val="0611F2"/>
+                </a:solidFill>
+                <a:latin typeface="맑은 고딕" charset="0"/>
+                <a:ea typeface="맑은 고딕" charset="0"/>
+              </a:rPr>
+              <a:t>들</a:t>
+            </a:r>
+            <a:r>
+              <a:rPr lang="ko-KR" altLang="en-US" sz="6000" dirty="0" smtClean="0">
+                <a:solidFill>
+                  <a:srgbClr val="0611F2"/>
+                </a:solidFill>
+                <a:latin typeface="맑은 고딕" charset="0"/>
+                <a:ea typeface="맑은 고딕" charset="0"/>
+              </a:rPr>
+              <a:t>을 </a:t>
+            </a:r>
+            <a:r>
+              <a:rPr lang="ko-KR" altLang="en-US" sz="6000" dirty="0">
+                <a:solidFill>
+                  <a:srgbClr val="0611F2"/>
+                </a:solidFill>
+                <a:latin typeface="맑은 고딕" charset="0"/>
+                <a:ea typeface="맑은 고딕" charset="0"/>
+              </a:rPr>
+              <a:t>추가한다</a:t>
+            </a:r>
+            <a:r>
+              <a:rPr lang="ko-KR" altLang="en-US" sz="6000" dirty="0" smtClean="0">
+                <a:solidFill>
+                  <a:srgbClr val="0611F2"/>
+                </a:solidFill>
+                <a:latin typeface="맑은 고딕" charset="0"/>
+                <a:ea typeface="맑은 고딕" charset="0"/>
+              </a:rPr>
+              <a:t>.</a:t>
+            </a:r>
             <a:endParaRPr lang="ko-KR" altLang="en-US" sz="6000" dirty="0">
               <a:solidFill>
                 <a:srgbClr val="0611F2"/>
@@ -7792,147 +8024,6 @@
               <a:ea typeface="맑은 고딕" charset="0"/>
               <a:cs typeface="+mn-cs"/>
             </a:endParaRPr>
-          </a:p>
-          <a:p>
-            <a:pPr marL="0" indent="0" algn="l" defTabSz="914400" rtl="0" eaLnBrk="1" latinLnBrk="1" hangingPunct="1">
-              <a:spcBef>
-                <a:spcPct val="20000"/>
-              </a:spcBef>
-              <a:buFontTx/>
-              <a:buNone/>
-            </a:pPr>
-            <a:r>
-              <a:rPr lang="ko-KR" altLang="en-US" sz="6000" dirty="0">
-                <a:solidFill>
-                  <a:srgbClr val="0611F2"/>
-                </a:solidFill>
-                <a:latin typeface="맑은 고딕" charset="0"/>
-                <a:ea typeface="맑은 고딕" charset="0"/>
-                <a:cs typeface="+mn-cs"/>
-              </a:rPr>
-              <a:t>5차</a:t>
-            </a:r>
-          </a:p>
-          <a:p>
-            <a:pPr marL="0" indent="0" algn="l" defTabSz="914400" rtl="0" eaLnBrk="1" latinLnBrk="1" hangingPunct="1">
-              <a:spcBef>
-                <a:spcPct val="20000"/>
-              </a:spcBef>
-              <a:buFontTx/>
-              <a:buNone/>
-            </a:pPr>
-            <a:r>
-              <a:rPr lang="ko-KR" altLang="en-US" sz="6000" dirty="0">
-                <a:solidFill>
-                  <a:srgbClr val="0611F2"/>
-                </a:solidFill>
-                <a:latin typeface="맑은 고딕" charset="0"/>
-                <a:ea typeface="맑은 고딕" charset="0"/>
-                <a:cs typeface="+mn-cs"/>
-              </a:rPr>
-              <a:t>데이터를 받기 위해 필요한 필수적인 요청코드들을 (</a:t>
-            </a:r>
-            <a:r>
-              <a:rPr lang="ko-KR" altLang="en-US" sz="6000" dirty="0" err="1">
-                <a:solidFill>
-                  <a:srgbClr val="0611F2"/>
-                </a:solidFill>
-                <a:latin typeface="맑은 고딕" charset="0"/>
-                <a:ea typeface="맑은 고딕" charset="0"/>
-                <a:cs typeface="+mn-cs"/>
-              </a:rPr>
-              <a:t>axios</a:t>
-            </a:r>
-            <a:r>
-              <a:rPr lang="ko-KR" altLang="en-US" sz="6000" dirty="0">
-                <a:solidFill>
-                  <a:srgbClr val="0611F2"/>
-                </a:solidFill>
-                <a:latin typeface="맑은 고딕" charset="0"/>
-                <a:ea typeface="맑은 고딕" charset="0"/>
-                <a:cs typeface="+mn-cs"/>
-              </a:rPr>
-              <a:t> 혹은 </a:t>
-            </a:r>
-            <a:r>
-              <a:rPr lang="ko-KR" altLang="en-US" sz="6000" dirty="0" err="1">
-                <a:solidFill>
-                  <a:srgbClr val="0611F2"/>
-                </a:solidFill>
-                <a:latin typeface="맑은 고딕" charset="0"/>
-                <a:ea typeface="맑은 고딕" charset="0"/>
-                <a:cs typeface="+mn-cs"/>
-              </a:rPr>
-              <a:t>fetch</a:t>
-            </a:r>
-            <a:r>
-              <a:rPr lang="ko-KR" altLang="en-US" sz="6000" dirty="0">
-                <a:solidFill>
-                  <a:srgbClr val="0611F2"/>
-                </a:solidFill>
-                <a:latin typeface="맑은 고딕" charset="0"/>
-                <a:ea typeface="맑은 고딕" charset="0"/>
-                <a:cs typeface="+mn-cs"/>
-              </a:rPr>
-              <a:t>) 추가</a:t>
-            </a:r>
-          </a:p>
-          <a:p>
-            <a:pPr marL="0" indent="0" algn="l" defTabSz="914400" rtl="0" eaLnBrk="1" latinLnBrk="1" hangingPunct="1">
-              <a:spcBef>
-                <a:spcPct val="20000"/>
-              </a:spcBef>
-              <a:buFontTx/>
-              <a:buNone/>
-            </a:pPr>
-            <a:endParaRPr lang="ko-KR" altLang="en-US" sz="6000" dirty="0">
-              <a:solidFill>
-                <a:srgbClr val="0611F2"/>
-              </a:solidFill>
-              <a:latin typeface="맑은 고딕" charset="0"/>
-              <a:ea typeface="맑은 고딕" charset="0"/>
-              <a:cs typeface="+mn-cs"/>
-            </a:endParaRPr>
-          </a:p>
-          <a:p>
-            <a:pPr marL="0" indent="0" algn="l" defTabSz="914400" rtl="0" eaLnBrk="1" latinLnBrk="1" hangingPunct="1">
-              <a:spcBef>
-                <a:spcPct val="20000"/>
-              </a:spcBef>
-              <a:buFontTx/>
-              <a:buNone/>
-            </a:pPr>
-            <a:r>
-              <a:rPr lang="ko-KR" altLang="en-US" sz="6000" dirty="0">
-                <a:solidFill>
-                  <a:srgbClr val="0611F2"/>
-                </a:solidFill>
-                <a:latin typeface="맑은 고딕" charset="0"/>
-                <a:ea typeface="맑은 고딕" charset="0"/>
-                <a:cs typeface="+mn-cs"/>
-              </a:rPr>
-              <a:t>6차</a:t>
-            </a:r>
-          </a:p>
-          <a:p>
-            <a:pPr marL="0" indent="0" algn="l" defTabSz="914400" rtl="0" eaLnBrk="1" latinLnBrk="1" hangingPunct="1">
-              <a:spcBef>
-                <a:spcPct val="20000"/>
-              </a:spcBef>
-              <a:buFontTx/>
-              <a:buNone/>
-            </a:pPr>
-            <a:r>
-              <a:rPr lang="ko-KR" altLang="en-US" sz="6000" dirty="0">
-                <a:solidFill>
-                  <a:srgbClr val="0611F2"/>
-                </a:solidFill>
-                <a:latin typeface="맑은 고딕" charset="0"/>
-                <a:ea typeface="맑은 고딕" charset="0"/>
-                <a:cs typeface="+mn-cs"/>
-              </a:rPr>
-              <a:t>웹페이지들의 기능을 위한 요청을 추가한다.</a:t>
-            </a:r>
           </a:p>
           <a:p>
             <a:pPr marL="254000" indent="-254000" algn="l" rtl="0">
@@ -9100,7 +9191,7 @@
         </p:spPr>
         <p:txBody>
           <a:bodyPr vert="horz" wrap="square" lIns="91440" tIns="45720" rIns="91440" bIns="45720" numCol="1" anchor="t">
-            <a:normAutofit fontScale="25000" lnSpcReduction="20000"/>
+            <a:normAutofit fontScale="40000" lnSpcReduction="20000"/>
           </a:bodyPr>
           <a:lstStyle>
             <a:lvl1pPr marL="0" indent="0" algn="ctr">
@@ -9241,79 +9332,6 @@
                 <a:cs typeface="+mn-cs"/>
               </a:rPr>
               <a:t>유저 정보, 채널 관련 코드 작성</a:t>
-            </a:r>
-          </a:p>
-          <a:p>
-            <a:pPr marL="254000" indent="-254000" algn="l" defTabSz="914400" rtl="0" eaLnBrk="1" latinLnBrk="1" hangingPunct="1">
-              <a:spcBef>
-                <a:spcPct val="20000"/>
-              </a:spcBef>
-              <a:buFontTx/>
-              <a:buNone/>
-            </a:pPr>
-            <a:endParaRPr lang="en-US" altLang="ko-KR" sz="5600" dirty="0" smtClean="0">
-              <a:solidFill>
-                <a:srgbClr val="FF0000"/>
-              </a:solidFill>
-              <a:latin typeface="맑은 고딕" charset="0"/>
-              <a:ea typeface="맑은 고딕" charset="0"/>
-              <a:cs typeface="+mn-cs"/>
-            </a:endParaRPr>
-          </a:p>
-          <a:p>
-            <a:pPr marL="254000" indent="-254000" algn="l" rtl="0"/>
-            <a:r>
-              <a:rPr lang="en-US" altLang="ko-KR" sz="5600" dirty="0" smtClean="0">
-                <a:solidFill>
-                  <a:srgbClr val="FF0000"/>
-                </a:solidFill>
-                <a:latin typeface="맑은 고딕" charset="0"/>
-                <a:ea typeface="맑은 고딕" charset="0"/>
-              </a:rPr>
-              <a:t>2</a:t>
-            </a:r>
-            <a:r>
-              <a:rPr lang="ko-KR" altLang="en-US" sz="5600" dirty="0" smtClean="0">
-                <a:solidFill>
-                  <a:srgbClr val="FF0000"/>
-                </a:solidFill>
-                <a:latin typeface="맑은 고딕" charset="0"/>
-                <a:ea typeface="맑은 고딕" charset="0"/>
-              </a:rPr>
-              <a:t>차</a:t>
-            </a:r>
-            <a:endParaRPr lang="ko-KR" altLang="en-US" sz="5600" dirty="0">
-              <a:solidFill>
-                <a:srgbClr val="FF0000"/>
-              </a:solidFill>
-              <a:latin typeface="맑은 고딕" charset="0"/>
-              <a:ea typeface="맑은 고딕" charset="0"/>
-            </a:endParaRPr>
-          </a:p>
-          <a:p>
-            <a:pPr marL="254000" indent="-254000" algn="l" rtl="0"/>
-            <a:r>
-              <a:rPr lang="ko-KR" altLang="en-US" sz="5600" dirty="0">
-                <a:solidFill>
-                  <a:srgbClr val="FF0000"/>
-                </a:solidFill>
-                <a:latin typeface="맑은 고딕" charset="0"/>
-                <a:ea typeface="맑은 고딕" charset="0"/>
-              </a:rPr>
-              <a:t>쿼리에 따라 요구가 바뀔 경우, 혹은 부차적인 기능이 필요하면 경로를 재설정하고</a:t>
-            </a:r>
-          </a:p>
-          <a:p>
-            <a:pPr marL="254000" indent="-254000" algn="l" rtl="0"/>
-            <a:r>
-              <a:rPr lang="ko-KR" altLang="en-US" sz="5600" dirty="0">
-                <a:solidFill>
-                  <a:srgbClr val="FF0000"/>
-                </a:solidFill>
-                <a:latin typeface="맑은 고딕" charset="0"/>
-                <a:ea typeface="맑은 고딕" charset="0"/>
-              </a:rPr>
-              <a:t>코드를 수정한다. 관리자 기능의 코드들을 작성한다.</a:t>
             </a:r>
           </a:p>
           <a:p>
@@ -9342,17 +9360,7 @@
               <a:buNone/>
             </a:pPr>
             <a:r>
-              <a:rPr lang="en-US" altLang="ko-KR" sz="5600" dirty="0">
-                <a:solidFill>
-                  <a:srgbClr val="FF0000"/>
-                </a:solidFill>
-                <a:latin typeface="맑은 고딕" charset="0"/>
-                <a:ea typeface="맑은 고딕" charset="0"/>
-              </a:rPr>
-              <a:t>3</a:t>
-            </a:r>
-            <a:r>
-              <a:rPr lang="ko-KR" altLang="en-US" sz="5600" dirty="0" smtClean="0">
+              <a:rPr lang="ko-KR" altLang="en-US" sz="5600" dirty="0">
                 <a:solidFill>
                   <a:srgbClr val="FF0000"/>
                 </a:solidFill>
@@ -9360,8 +9368,48 @@
                 <a:ea typeface="맑은 고딕" charset="0"/>
                 <a:cs typeface="+mn-cs"/>
               </a:rPr>
-              <a:t>차</a:t>
-            </a:r>
+              <a:t>2차</a:t>
+            </a:r>
+          </a:p>
+          <a:p>
+            <a:pPr marL="254000" indent="-254000" algn="l" defTabSz="914400" rtl="0" eaLnBrk="1" latinLnBrk="1" hangingPunct="1">
+              <a:spcBef>
+                <a:spcPct val="20000"/>
+              </a:spcBef>
+              <a:buFontTx/>
+              <a:buNone/>
+            </a:pPr>
+            <a:r>
+              <a:rPr lang="ko-KR" altLang="en-US" sz="5600" dirty="0" err="1">
+                <a:solidFill>
+                  <a:srgbClr val="FF0000"/>
+                </a:solidFill>
+                <a:latin typeface="맑은 고딕" charset="0"/>
+                <a:ea typeface="맑은 고딕" charset="0"/>
+                <a:cs typeface="+mn-cs"/>
+              </a:rPr>
+              <a:t>게시글</a:t>
+            </a:r>
+            <a:r>
+              <a:rPr lang="ko-KR" altLang="en-US" sz="5600" dirty="0">
+                <a:solidFill>
+                  <a:srgbClr val="FF0000"/>
+                </a:solidFill>
+                <a:latin typeface="맑은 고딕" charset="0"/>
+                <a:ea typeface="맑은 고딕" charset="0"/>
+                <a:cs typeface="+mn-cs"/>
+              </a:rPr>
+              <a:t> 코드, 운영자 코드 작성</a:t>
+            </a:r>
+          </a:p>
+          <a:p>
+            <a:pPr marL="254000" indent="-254000" algn="l" defTabSz="914400" rtl="0" eaLnBrk="1" latinLnBrk="1" hangingPunct="1">
+              <a:spcBef>
+                <a:spcPct val="20000"/>
+              </a:spcBef>
+              <a:buFontTx/>
+              <a:buNone/>
+            </a:pPr>
             <a:endParaRPr lang="ko-KR" altLang="en-US" sz="5600" dirty="0">
               <a:solidFill>
                 <a:srgbClr val="FF0000"/>
@@ -9380,7 +9428,7 @@
               <a:buNone/>
             </a:pPr>
             <a:r>
-              <a:rPr lang="ko-KR" altLang="en-US" sz="5600" dirty="0" err="1">
+              <a:rPr lang="ko-KR" altLang="en-US" sz="5600" dirty="0">
                 <a:solidFill>
                   <a:srgbClr val="FF0000"/>
                 </a:solidFill>
@@ -9388,8 +9436,17 @@
                 <a:ea typeface="맑은 고딕" charset="0"/>
                 <a:cs typeface="+mn-cs"/>
               </a:rPr>
-              <a:t>게시글</a:t>
-            </a:r>
+              <a:t>3차</a:t>
+            </a:r>
+          </a:p>
+          <a:p>
+            <a:pPr marL="254000" indent="-254000" algn="l" defTabSz="914400" rtl="0" eaLnBrk="1" latinLnBrk="1" hangingPunct="1">
+              <a:spcBef>
+                <a:spcPct val="20000"/>
+              </a:spcBef>
+              <a:buFontTx/>
+              <a:buNone/>
+            </a:pPr>
             <a:r>
               <a:rPr lang="ko-KR" altLang="en-US" sz="5600" dirty="0">
                 <a:solidFill>
@@ -9399,36 +9456,23 @@
                 <a:ea typeface="맑은 고딕" charset="0"/>
                 <a:cs typeface="+mn-cs"/>
               </a:rPr>
-              <a:t> 코드, 운영자 코드 작성</a:t>
-            </a:r>
-          </a:p>
-          <a:p>
-            <a:pPr marL="254000" indent="-254000" algn="l" defTabSz="914400" rtl="0" eaLnBrk="1" latinLnBrk="1" hangingPunct="1">
-              <a:spcBef>
-                <a:spcPct val="20000"/>
-              </a:spcBef>
-              <a:buFontTx/>
-              <a:buNone/>
-            </a:pPr>
-            <a:endParaRPr lang="ko-KR" altLang="en-US" sz="5600" dirty="0">
+              <a:t>글쓰기 코드 작성</a:t>
+            </a:r>
+          </a:p>
+          <a:p>
+            <a:pPr marL="254000" indent="-254000" algn="l" rtl="0"/>
+            <a:endParaRPr lang="en-US" altLang="ko-KR" sz="5400" dirty="0" smtClean="0">
               <a:solidFill>
                 <a:srgbClr val="FF0000"/>
               </a:solidFill>
               <a:latin typeface="맑은 고딕" charset="0"/>
               <a:ea typeface="맑은 고딕" charset="0"/>
-              <a:cs typeface="+mn-cs"/>
             </a:endParaRPr>
           </a:p>
           <a:p>
-            <a:pPr marL="254000" indent="-254000" algn="l" defTabSz="914400" rtl="0" eaLnBrk="1" latinLnBrk="1" hangingPunct="1">
-              <a:spcBef>
-                <a:spcPct val="20000"/>
-              </a:spcBef>
-              <a:buFontTx/>
-              <a:buNone/>
-            </a:pPr>
-            <a:r>
-              <a:rPr lang="en-US" altLang="ko-KR" sz="5600" dirty="0">
+            <a:pPr marL="254000" indent="-254000" algn="l" rtl="0"/>
+            <a:r>
+              <a:rPr lang="en-US" altLang="ko-KR" sz="5400" dirty="0" smtClean="0">
                 <a:solidFill>
                   <a:srgbClr val="FF0000"/>
                 </a:solidFill>
@@ -9438,190 +9482,101 @@
               <a:t>4</a:t>
             </a:r>
             <a:r>
-              <a:rPr lang="ko-KR" altLang="en-US" sz="5600" dirty="0" smtClean="0">
+              <a:rPr lang="ko-KR" altLang="en-US" sz="5400" dirty="0" smtClean="0">
                 <a:solidFill>
                   <a:srgbClr val="FF0000"/>
                 </a:solidFill>
                 <a:latin typeface="맑은 고딕" charset="0"/>
                 <a:ea typeface="맑은 고딕" charset="0"/>
-                <a:cs typeface="+mn-cs"/>
               </a:rPr>
               <a:t>차</a:t>
             </a:r>
-            <a:endParaRPr lang="ko-KR" altLang="en-US" sz="5600" dirty="0">
+            <a:endParaRPr lang="en-US" altLang="ko-KR" sz="5400" dirty="0">
               <a:solidFill>
                 <a:srgbClr val="FF0000"/>
               </a:solidFill>
               <a:latin typeface="맑은 고딕" charset="0"/>
               <a:ea typeface="맑은 고딕" charset="0"/>
-              <a:cs typeface="+mn-cs"/>
             </a:endParaRPr>
           </a:p>
           <a:p>
-            <a:pPr marL="254000" indent="-254000" algn="l" defTabSz="914400" rtl="0" eaLnBrk="1" latinLnBrk="1" hangingPunct="1">
-              <a:spcBef>
-                <a:spcPct val="20000"/>
-              </a:spcBef>
-              <a:buFontTx/>
-              <a:buNone/>
-            </a:pPr>
-            <a:r>
-              <a:rPr lang="ko-KR" altLang="en-US" sz="5600" dirty="0">
-                <a:solidFill>
-                  <a:srgbClr val="FF0000"/>
-                </a:solidFill>
-                <a:latin typeface="맑은 고딕" charset="0"/>
-                <a:ea typeface="맑은 고딕" charset="0"/>
-                <a:cs typeface="+mn-cs"/>
-              </a:rPr>
-              <a:t>글쓰기 코드 작성</a:t>
-            </a:r>
-          </a:p>
-          <a:p>
-            <a:pPr marL="254000" indent="-254000" algn="l" defTabSz="914400" rtl="0" eaLnBrk="1" latinLnBrk="1" hangingPunct="1">
-              <a:spcBef>
-                <a:spcPct val="20000"/>
-              </a:spcBef>
-              <a:buFontTx/>
-              <a:buNone/>
-            </a:pPr>
-            <a:endParaRPr lang="ko-KR" altLang="en-US" sz="5600" dirty="0">
-              <a:solidFill>
-                <a:srgbClr val="FF0000"/>
-              </a:solidFill>
-              <a:latin typeface="맑은 고딕" charset="0"/>
-              <a:ea typeface="맑은 고딕" charset="0"/>
-              <a:cs typeface="+mn-cs"/>
-            </a:endParaRPr>
-          </a:p>
-          <a:p>
-            <a:pPr marL="254000" indent="-254000" algn="l" defTabSz="914400" rtl="0" eaLnBrk="1" latinLnBrk="1" hangingPunct="1">
-              <a:spcBef>
-                <a:spcPct val="20000"/>
-              </a:spcBef>
-              <a:buFontTx/>
-              <a:buNone/>
-            </a:pPr>
-            <a:r>
-              <a:rPr lang="en-US" altLang="ko-KR" sz="5600" dirty="0">
+            <a:pPr marL="254000" indent="-254000" algn="l" rtl="0"/>
+            <a:r>
+              <a:rPr lang="en-US" altLang="ko-KR" sz="5600" kern="1200" dirty="0" err="1" smtClean="0">
                 <a:solidFill>
                   <a:srgbClr val="FF0000"/>
                 </a:solidFill>
                 <a:latin typeface="맑은 고딕" charset="0"/>
                 <a:ea typeface="맑은 고딕" charset="0"/>
               </a:rPr>
-              <a:t>5</a:t>
-            </a:r>
-            <a:r>
-              <a:rPr lang="ko-KR" altLang="en-US" sz="5600" dirty="0" smtClean="0">
-                <a:solidFill>
-                  <a:srgbClr val="FF0000"/>
-                </a:solidFill>
-                <a:latin typeface="맑은 고딕" charset="0"/>
-                <a:ea typeface="맑은 고딕" charset="0"/>
-                <a:cs typeface="+mn-cs"/>
-              </a:rPr>
-              <a:t>차</a:t>
-            </a:r>
-            <a:endParaRPr lang="ko-KR" altLang="en-US" sz="5600" dirty="0">
-              <a:solidFill>
-                <a:srgbClr val="FF0000"/>
-              </a:solidFill>
-              <a:latin typeface="맑은 고딕" charset="0"/>
-              <a:ea typeface="맑은 고딕" charset="0"/>
-              <a:cs typeface="+mn-cs"/>
-            </a:endParaRPr>
-          </a:p>
-          <a:p>
-            <a:pPr marL="254000" indent="-254000" algn="l" defTabSz="914400" rtl="0" eaLnBrk="1" latinLnBrk="1" hangingPunct="1">
-              <a:spcBef>
-                <a:spcPct val="20000"/>
-              </a:spcBef>
-              <a:buFontTx/>
-              <a:buNone/>
-            </a:pPr>
-            <a:r>
-              <a:rPr lang="ko-KR" altLang="en-US" sz="5600" dirty="0">
-                <a:solidFill>
-                  <a:srgbClr val="FF0000"/>
-                </a:solidFill>
-                <a:latin typeface="맑은 고딕" charset="0"/>
-                <a:ea typeface="맑은 고딕" charset="0"/>
-                <a:cs typeface="+mn-cs"/>
-              </a:rPr>
-              <a:t>쿼리에 따라 요구가 바뀔 경우, 혹은 부차적인 기능이 필요하면 경로를 재설정하고</a:t>
-            </a:r>
-          </a:p>
-          <a:p>
-            <a:pPr marL="254000" indent="-254000" algn="l" defTabSz="914400" rtl="0" eaLnBrk="1" latinLnBrk="1" hangingPunct="1">
-              <a:spcBef>
-                <a:spcPct val="20000"/>
-              </a:spcBef>
-              <a:buFontTx/>
-              <a:buNone/>
-            </a:pPr>
-            <a:r>
-              <a:rPr lang="ko-KR" altLang="en-US" sz="5600" dirty="0" smtClean="0">
+              <a:t>api</a:t>
+            </a:r>
+            <a:r>
+              <a:rPr lang="en-US" altLang="ko-KR" sz="5600" kern="1200" dirty="0" smtClean="0">
                 <a:solidFill>
                   <a:srgbClr val="FF0000"/>
                 </a:solidFill>
                 <a:latin typeface="맑은 고딕" charset="0"/>
                 <a:ea typeface="맑은 고딕" charset="0"/>
               </a:rPr>
-              <a:t>다시 </a:t>
-            </a:r>
-            <a:r>
-              <a:rPr lang="ko-KR" altLang="en-US" sz="5600" dirty="0" smtClean="0">
+              <a:t> </a:t>
+            </a:r>
+            <a:r>
+              <a:rPr lang="ko-KR" altLang="en-US" sz="5600" kern="1200" dirty="0">
                 <a:solidFill>
                   <a:srgbClr val="FF0000"/>
                 </a:solidFill>
                 <a:latin typeface="맑은 고딕" charset="0"/>
                 <a:ea typeface="맑은 고딕" charset="0"/>
-                <a:cs typeface="+mn-cs"/>
               </a:rPr>
-              <a:t>코드를 </a:t>
-            </a:r>
-            <a:r>
-              <a:rPr lang="ko-KR" altLang="en-US" sz="5600" dirty="0">
+              <a:t>및 </a:t>
+            </a:r>
+            <a:r>
+              <a:rPr lang="en-US" altLang="ko-KR" sz="5600" kern="1200" dirty="0" err="1">
                 <a:solidFill>
                   <a:srgbClr val="FF0000"/>
                 </a:solidFill>
                 <a:latin typeface="맑은 고딕" charset="0"/>
                 <a:ea typeface="맑은 고딕" charset="0"/>
-                <a:cs typeface="+mn-cs"/>
               </a:rPr>
-              <a:t>수정한다. 관리자 기능의 코드들을 작성한다.</a:t>
-            </a:r>
-          </a:p>
-          <a:p>
-            <a:pPr marL="254000" indent="-254000" algn="l" defTabSz="914400" rtl="0" eaLnBrk="1" latinLnBrk="1" hangingPunct="1">
-              <a:spcBef>
-                <a:spcPct val="20000"/>
-              </a:spcBef>
-              <a:buFontTx/>
-              <a:buNone/>
-            </a:pPr>
-            <a:endParaRPr lang="ko-KR" altLang="en-US" sz="2000" dirty="0">
+              <a:t>erd</a:t>
+            </a:r>
+            <a:r>
+              <a:rPr lang="en-US" altLang="ko-KR" sz="5600" kern="1200" dirty="0">
+                <a:solidFill>
+                  <a:srgbClr val="FF0000"/>
+                </a:solidFill>
+                <a:latin typeface="맑은 고딕" charset="0"/>
+                <a:ea typeface="맑은 고딕" charset="0"/>
+              </a:rPr>
+              <a:t> </a:t>
+            </a:r>
+            <a:r>
+              <a:rPr lang="ko-KR" altLang="en-US" sz="5600" kern="1200" dirty="0">
+                <a:solidFill>
+                  <a:srgbClr val="FF0000"/>
+                </a:solidFill>
+                <a:latin typeface="맑은 고딕" charset="0"/>
+                <a:ea typeface="맑은 고딕" charset="0"/>
+              </a:rPr>
+              <a:t>점검 및 </a:t>
+            </a:r>
+            <a:r>
+              <a:rPr lang="ko-KR" altLang="en-US" sz="5600" kern="1200" dirty="0" smtClean="0">
+                <a:solidFill>
+                  <a:srgbClr val="FF0000"/>
+                </a:solidFill>
+                <a:latin typeface="맑은 고딕" charset="0"/>
+                <a:ea typeface="맑은 고딕" charset="0"/>
+              </a:rPr>
+              <a:t>수정</a:t>
+            </a:r>
+            <a:endParaRPr lang="ko-KR" altLang="en-US" sz="5600" dirty="0" smtClean="0">
               <a:solidFill>
                 <a:srgbClr val="0611F2"/>
               </a:solidFill>
               <a:latin typeface="맑은 고딕" charset="0"/>
               <a:ea typeface="맑은 고딕" charset="0"/>
-              <a:cs typeface="+mn-cs"/>
-            </a:endParaRPr>
-          </a:p>
-          <a:p>
-            <a:pPr marL="254000" indent="-254000" algn="l" rtl="0">
-              <a:buFont typeface="+mj-lt"/>
-              <a:buAutoNum type="arabicPeriod"/>
-            </a:pPr>
-            <a:endParaRPr lang="ko-KR" altLang="en-US" sz="2945" dirty="0">
-              <a:solidFill>
-                <a:srgbClr val="0611F2"/>
-              </a:solidFill>
-              <a:latin typeface="맑은 고딕" charset="0"/>
-              <a:ea typeface="맑은 고딕" charset="0"/>
-              <a:cs typeface="+mn-cs"/>
             </a:endParaRPr>
           </a:p>
           <a:p>
@@ -10843,7 +10798,7 @@
           <p:nvPr>
             <p:extLst>
               <p:ext uri="{D42A27DB-BD31-4B8C-83A1-F6EECF244321}">
-                <p14:modId xmlns:p14="http://schemas.microsoft.com/office/powerpoint/2010/main" val="2973302757"/>
+                <p14:modId xmlns:p14="http://schemas.microsoft.com/office/powerpoint/2010/main" val="4200546124"/>
               </p:ext>
             </p:extLst>
           </p:nvPr>
@@ -11780,7 +11735,7 @@
                         <a:buNone/>
                       </a:pPr>
                       <a:r>
-                        <a:rPr sz="1800" b="0" i="0" kern="1200" dirty="0" smtClean="0">
+                        <a:rPr sz="1800" b="0" i="0" kern="1200" dirty="0">
                           <a:solidFill>
                             <a:schemeClr val="dk1"/>
                           </a:solidFill>
@@ -11789,6 +11744,13 @@
                         </a:rPr>
                         <a:t>23</a:t>
                       </a:r>
+                      <a:endParaRPr lang="ko-KR" altLang="en-US" sz="1800" b="0" i="0" kern="1200" dirty="0">
+                        <a:solidFill>
+                          <a:schemeClr val="dk1"/>
+                        </a:solidFill>
+                        <a:latin typeface="맑은 고딕" charset="0"/>
+                        <a:ea typeface="맑은 고딕" charset="0"/>
+                      </a:endParaRPr>
                     </a:p>
                     <a:p>
                       <a:pPr marL="0" lvl="1" indent="0" hangingPunct="1">
@@ -11796,7 +11758,7 @@
                         <a:buNone/>
                       </a:pPr>
                       <a:r>
-                        <a:rPr lang="ko-KR" altLang="en-US" sz="1200" b="0" i="0" kern="1200" dirty="0" smtClean="0">
+                        <a:rPr sz="1200" b="0" i="0" kern="1200" dirty="0">
                           <a:solidFill>
                             <a:srgbClr val="0611F2"/>
                           </a:solidFill>
@@ -11805,6 +11767,13 @@
                         </a:rPr>
                         <a:t>템플릿 페이지</a:t>
                       </a:r>
+                      <a:endParaRPr lang="ko-KR" altLang="en-US" sz="1200" b="0" i="0" kern="1200" dirty="0">
+                        <a:solidFill>
+                          <a:srgbClr val="0611F2"/>
+                        </a:solidFill>
+                        <a:latin typeface="맑은 고딕" charset="0"/>
+                        <a:ea typeface="맑은 고딕" charset="0"/>
+                      </a:endParaRPr>
                     </a:p>
                     <a:p>
                       <a:pPr marL="0" lvl="1" indent="0" hangingPunct="1">
@@ -11899,6 +11868,13 @@
                         </a:rPr>
                         <a:t>24</a:t>
                       </a:r>
+                      <a:endParaRPr lang="ko-KR" altLang="en-US" sz="1800" b="0" i="0" kern="1200" dirty="0">
+                        <a:solidFill>
+                          <a:srgbClr val="000000"/>
+                        </a:solidFill>
+                        <a:latin typeface="맑은 고딕" charset="0"/>
+                        <a:ea typeface="맑은 고딕" charset="0"/>
+                      </a:endParaRPr>
                     </a:p>
                   </a:txBody>
                   <a:tcPr marL="90170" marR="90170" marT="46990" marB="46990">
@@ -11961,7 +11937,7 @@
                         <a:buNone/>
                       </a:pPr>
                       <a:r>
-                        <a:rPr sz="1800" b="0" i="0" kern="1200">
+                        <a:rPr sz="1800" b="0" i="0" kern="1200" dirty="0">
                           <a:solidFill>
                             <a:srgbClr val="0611F2"/>
                           </a:solidFill>
@@ -11970,7 +11946,7 @@
                         </a:rPr>
                         <a:t>25</a:t>
                       </a:r>
-                      <a:endParaRPr lang="ko-KR" altLang="en-US" sz="1800" b="0" i="0" kern="1200">
+                      <a:endParaRPr lang="ko-KR" altLang="en-US" sz="1800" b="0" i="0" kern="1200" dirty="0">
                         <a:solidFill>
                           <a:srgbClr val="0611F2"/>
                         </a:solidFill>
@@ -11984,7 +11960,7 @@
                         <a:buNone/>
                       </a:pPr>
                       <a:r>
-                        <a:rPr sz="1200" b="0" i="0" kern="1200">
+                        <a:rPr sz="1200" b="0" i="0" kern="1200" dirty="0">
                           <a:solidFill>
                             <a:srgbClr val="0611F2"/>
                           </a:solidFill>
@@ -11993,7 +11969,7 @@
                         </a:rPr>
                         <a:t>템플릿 페이지</a:t>
                       </a:r>
-                      <a:endParaRPr lang="ko-KR" altLang="en-US" sz="1200" b="0" i="0" kern="1200">
+                      <a:endParaRPr lang="ko-KR" altLang="en-US" sz="1200" b="0" i="0" kern="1200" dirty="0">
                         <a:solidFill>
                           <a:srgbClr val="0611F2"/>
                         </a:solidFill>
@@ -12007,16 +11983,36 @@
                         <a:buNone/>
                       </a:pPr>
                       <a:r>
-                        <a:rPr sz="1200" b="0" i="0" kern="1200">
+                        <a:rPr lang="en-US" sz="1200" b="0" i="0" kern="1200" dirty="0" smtClean="0">
                           <a:solidFill>
                             <a:srgbClr val="0611F2"/>
                           </a:solidFill>
                           <a:latin typeface="맑은 고딕" charset="0"/>
                           <a:ea typeface="맑은 고딕" charset="0"/>
                         </a:rPr>
-                        <a:t>body</a:t>
+                        <a:t>B</a:t>
                       </a:r>
-                      <a:endParaRPr lang="ko-KR" altLang="en-US" sz="1200" b="0" i="0" kern="1200">
+                      <a:r>
+                        <a:rPr sz="1200" b="0" i="0" kern="1200" dirty="0" err="1" smtClean="0">
+                          <a:solidFill>
+                            <a:srgbClr val="0611F2"/>
+                          </a:solidFill>
+                          <a:latin typeface="맑은 고딕" charset="0"/>
+                          <a:ea typeface="맑은 고딕" charset="0"/>
+                        </a:rPr>
+                        <a:t>ody</a:t>
+                      </a:r>
+                      <a:r>
+                        <a:rPr lang="en-US" sz="1200" b="0" i="0" kern="1200" dirty="0" smtClean="0">
+                          <a:solidFill>
+                            <a:srgbClr val="0611F2"/>
+                          </a:solidFill>
+                          <a:latin typeface="맑은 고딕" charset="0"/>
+                          <a:ea typeface="맑은 고딕" charset="0"/>
+                        </a:rPr>
+                        <a:t>, footer</a:t>
+                      </a:r>
+                      <a:endParaRPr lang="ko-KR" altLang="en-US" sz="1200" b="0" i="0" kern="1200" dirty="0">
                         <a:solidFill>
                           <a:srgbClr val="0611F2"/>
                         </a:solidFill>
@@ -12030,7 +12026,7 @@
                         <a:buNone/>
                       </a:pPr>
                       <a:r>
-                        <a:rPr sz="1200" b="0" i="0" kern="1200">
+                        <a:rPr sz="1200" b="0" i="0" kern="1200" dirty="0">
                           <a:solidFill>
                             <a:srgbClr val="0611F2"/>
                           </a:solidFill>
@@ -12039,7 +12035,7 @@
                         </a:rPr>
                         <a:t>구조 작성</a:t>
                       </a:r>
-                      <a:endParaRPr lang="ko-KR" altLang="en-US" sz="1800" b="0" i="0" kern="1200">
+                      <a:endParaRPr lang="ko-KR" altLang="en-US" sz="1800" b="0" i="0" kern="1200" dirty="0">
                         <a:solidFill>
                           <a:srgbClr val="0611F2"/>
                         </a:solidFill>
@@ -12229,47 +12225,24 @@
                         <a:buNone/>
                       </a:pPr>
                       <a:r>
-                        <a:rPr sz="1200" b="0" i="0" kern="1200" dirty="0">
+                        <a:rPr lang="ko-KR" altLang="en-US" sz="1200" b="0" i="0" kern="1200" dirty="0" err="1" smtClean="0">
                           <a:solidFill>
                             <a:srgbClr val="0611F2"/>
                           </a:solidFill>
                           <a:latin typeface="맑은 고딕" charset="0"/>
                           <a:ea typeface="맑은 고딕" charset="0"/>
                         </a:rPr>
-                        <a:t>데이터 삽입 </a:t>
+                        <a:t>게시글</a:t>
                       </a:r>
                       <a:r>
-                        <a:rPr sz="1200" b="0" i="0" kern="1200" dirty="0" err="1">
+                        <a:rPr lang="ko-KR" altLang="en-US" sz="1200" b="0" i="0" kern="1200" dirty="0" smtClean="0">
                           <a:solidFill>
                             <a:srgbClr val="0611F2"/>
                           </a:solidFill>
                           <a:latin typeface="맑은 고딕" charset="0"/>
                           <a:ea typeface="맑은 고딕" charset="0"/>
                         </a:rPr>
-                        <a:t>js</a:t>
-                      </a:r>
-                      <a:endParaRPr lang="ko-KR" altLang="en-US" sz="1200" b="0" i="0" kern="1200" dirty="0">
-                        <a:solidFill>
-                          <a:srgbClr val="0611F2"/>
-                        </a:solidFill>
-                        <a:latin typeface="맑은 고딕" charset="0"/>
-                        <a:ea typeface="맑은 고딕" charset="0"/>
-                      </a:endParaRPr>
-                    </a:p>
-                    <a:p>
-                      <a:pPr marL="0" lvl="1" indent="0" hangingPunct="1">
-                        <a:buFontTx/>
-                        <a:buNone/>
-                      </a:pPr>
-                      <a:r>
-                        <a:rPr sz="1200" b="0" i="0" kern="1200" dirty="0">
-                          <a:solidFill>
-                            <a:srgbClr val="0611F2"/>
-                          </a:solidFill>
-                          <a:latin typeface="맑은 고딕" charset="0"/>
-                          <a:ea typeface="맑은 고딕" charset="0"/>
-                        </a:rPr>
-                        <a:t>작성</a:t>
+                        <a:t> 페이지 작성</a:t>
                       </a:r>
                       <a:endParaRPr lang="ko-KR" altLang="en-US" sz="1200" b="0" i="0" kern="1200" dirty="0">
                         <a:solidFill>
@@ -12349,290 +12322,6 @@
                         </a:rPr>
                         <a:t>28</a:t>
                       </a:r>
-                      <a:endParaRPr lang="en-US" sz="1800" b="0" i="0" kern="1200" dirty="0" smtClean="0">
-                        <a:solidFill>
-                          <a:schemeClr val="dk1"/>
-                        </a:solidFill>
-                        <a:latin typeface="맑은 고딕" charset="0"/>
-                        <a:ea typeface="맑은 고딕" charset="0"/>
-                      </a:endParaRPr>
-                    </a:p>
-                    <a:p>
-                      <a:pPr marL="0" marR="0" lvl="1" indent="0" defTabSz="914400" eaLnBrk="1" fontAlgn="auto" latinLnBrk="1" hangingPunct="1">
-                        <a:lnSpc>
-                          <a:spcPct val="100000"/>
-                        </a:lnSpc>
-                        <a:spcBef>
-                          <a:spcPts val="0"/>
-                        </a:spcBef>
-                        <a:spcAft>
-                          <a:spcPts val="0"/>
-                        </a:spcAft>
-                        <a:buClrTx/>
-                        <a:buSzTx/>
-                        <a:buFontTx/>
-                        <a:buNone/>
-                        <a:tabLst/>
-                        <a:defRPr/>
-                      </a:pPr>
-                      <a:r>
-                        <a:rPr lang="ko-KR" altLang="en-US" sz="1200" b="0" i="0" kern="1200" dirty="0" err="1" smtClean="0">
-                          <a:solidFill>
-                            <a:srgbClr val="0611F2"/>
-                          </a:solidFill>
-                          <a:latin typeface="맑은 고딕" charset="0"/>
-                          <a:ea typeface="맑은 고딕" charset="0"/>
-                        </a:rPr>
-                        <a:t>백엔드와의</a:t>
-                      </a:r>
-                      <a:r>
-                        <a:rPr lang="ko-KR" altLang="en-US" sz="1200" b="0" i="0" kern="1200" dirty="0" smtClean="0">
-                          <a:solidFill>
-                            <a:srgbClr val="0611F2"/>
-                          </a:solidFill>
-                          <a:latin typeface="맑은 고딕" charset="0"/>
-                          <a:ea typeface="맑은 고딕" charset="0"/>
-                        </a:rPr>
-                        <a:t> 협의</a:t>
-                      </a:r>
-                    </a:p>
-                  </a:txBody>
-                  <a:tcPr marL="90170" marR="90170" marT="46990" marB="46990">
-                    <a:lnL w="12700" cap="flat" cmpd="sng" algn="ctr">
-                      <a:solidFill>
-                        <a:srgbClr val="000000">
-                          <a:alpha val="100000"/>
-                        </a:srgbClr>
-                      </a:solidFill>
-                      <a:prstDash val="solid"/>
-                      <a:round/>
-                      <a:headEnd type="none" w="med" len="med"/>
-                      <a:tailEnd type="none" w="med" len="med"/>
-                    </a:lnL>
-                    <a:lnR w="12700" cap="flat" cmpd="sng" algn="ctr">
-                      <a:solidFill>
-                        <a:srgbClr val="000000">
-                          <a:alpha val="100000"/>
-                        </a:srgbClr>
-                      </a:solidFill>
-                      <a:prstDash val="solid"/>
-                      <a:round/>
-                      <a:headEnd type="none" w="med" len="med"/>
-                      <a:tailEnd type="none" w="med" len="med"/>
-                    </a:lnR>
-                    <a:lnT w="12700" cap="flat" cmpd="sng" algn="ctr">
-                      <a:solidFill>
-                        <a:srgbClr val="000000">
-                          <a:alpha val="100000"/>
-                        </a:srgbClr>
-                      </a:solidFill>
-                      <a:prstDash val="solid"/>
-                      <a:round/>
-                      <a:headEnd type="none" w="med" len="med"/>
-                      <a:tailEnd type="none" w="med" len="med"/>
-                    </a:lnT>
-                    <a:lnB w="12700" cap="flat" cmpd="sng" algn="ctr">
-                      <a:solidFill>
-                        <a:srgbClr val="000000">
-                          <a:alpha val="100000"/>
-                        </a:srgbClr>
-                      </a:solidFill>
-                      <a:prstDash val="solid"/>
-                      <a:round/>
-                      <a:headEnd type="none" w="med" len="med"/>
-                      <a:tailEnd type="none" w="med" len="med"/>
-                    </a:lnB>
-                    <a:solidFill>
-                      <a:srgbClr val="FFFFFF"/>
-                    </a:solidFill>
-                  </a:tcPr>
-                </a:tc>
-                <a:tc>
-                  <a:txBody>
-                    <a:bodyPr/>
-                    <a:lstStyle/>
-                    <a:p>
-                      <a:pPr marL="0" lvl="1" indent="0" hangingPunct="1">
-                        <a:buFontTx/>
-                        <a:buNone/>
-                      </a:pPr>
-                      <a:r>
-                        <a:rPr sz="1800" b="0" i="0" kern="1200" dirty="0" smtClean="0">
-                          <a:solidFill>
-                            <a:schemeClr val="dk1"/>
-                          </a:solidFill>
-                          <a:latin typeface="맑은 고딕" charset="0"/>
-                          <a:ea typeface="맑은 고딕" charset="0"/>
-                        </a:rPr>
-                        <a:t>29</a:t>
-                      </a:r>
-                      <a:endParaRPr lang="en-US" sz="1800" b="0" i="0" kern="1200" dirty="0" smtClean="0">
-                        <a:solidFill>
-                          <a:schemeClr val="dk1"/>
-                        </a:solidFill>
-                        <a:latin typeface="맑은 고딕" charset="0"/>
-                        <a:ea typeface="맑은 고딕" charset="0"/>
-                      </a:endParaRPr>
-                    </a:p>
-                    <a:p>
-                      <a:pPr marL="0" lvl="1" indent="0" hangingPunct="1">
-                        <a:buFontTx/>
-                        <a:buNone/>
-                      </a:pPr>
-                      <a:r>
-                        <a:rPr lang="ko-KR" altLang="en-US" sz="1200" b="0" i="0" kern="1200" dirty="0" err="1" smtClean="0">
-                          <a:solidFill>
-                            <a:srgbClr val="0611F2"/>
-                          </a:solidFill>
-                          <a:latin typeface="맑은 고딕" charset="0"/>
-                          <a:ea typeface="맑은 고딕" charset="0"/>
-                        </a:rPr>
-                        <a:t>게시글</a:t>
-                      </a:r>
-                      <a:r>
-                        <a:rPr lang="ko-KR" altLang="en-US" sz="1200" b="0" i="0" kern="1200" dirty="0" smtClean="0">
-                          <a:solidFill>
-                            <a:srgbClr val="0611F2"/>
-                          </a:solidFill>
-                          <a:latin typeface="맑은 고딕" charset="0"/>
-                          <a:ea typeface="맑은 고딕" charset="0"/>
-                        </a:rPr>
-                        <a:t> 페이지 작성</a:t>
-                      </a:r>
-                    </a:p>
-                    <a:p>
-                      <a:pPr marL="0" lvl="1" indent="0" hangingPunct="1">
-                        <a:buFontTx/>
-                        <a:buNone/>
-                      </a:pPr>
-                      <a:r>
-                        <a:rPr lang="en-US" altLang="ko-KR" sz="1200" b="0" i="0" kern="1200" dirty="0" smtClean="0">
-                          <a:solidFill>
-                            <a:srgbClr val="0611F2"/>
-                          </a:solidFill>
-                          <a:latin typeface="맑은 고딕" charset="0"/>
-                          <a:ea typeface="맑은 고딕" charset="0"/>
-                        </a:rPr>
-                        <a:t>(</a:t>
-                      </a:r>
-                      <a:r>
-                        <a:rPr lang="ko-KR" altLang="en-US" sz="1200" b="0" i="0" kern="1200" dirty="0" smtClean="0">
-                          <a:solidFill>
-                            <a:srgbClr val="0611F2"/>
-                          </a:solidFill>
-                          <a:latin typeface="맑은 고딕" charset="0"/>
-                          <a:ea typeface="맑은 고딕" charset="0"/>
-                        </a:rPr>
-                        <a:t>템플릿</a:t>
-                      </a:r>
-                      <a:r>
-                        <a:rPr lang="en-US" altLang="ko-KR" sz="1200" b="0" i="0" kern="1200" dirty="0" smtClean="0">
-                          <a:solidFill>
-                            <a:srgbClr val="0611F2"/>
-                          </a:solidFill>
-                          <a:latin typeface="맑은 고딕" charset="0"/>
-                          <a:ea typeface="맑은 고딕" charset="0"/>
-                        </a:rPr>
-                        <a:t>)</a:t>
-                      </a:r>
-                      <a:endParaRPr lang="ko-KR" altLang="en-US" sz="1200" b="0" i="0" kern="1200" dirty="0" smtClean="0">
-                        <a:solidFill>
-                          <a:srgbClr val="0611F2"/>
-                        </a:solidFill>
-                        <a:latin typeface="맑은 고딕" charset="0"/>
-                        <a:ea typeface="맑은 고딕" charset="0"/>
-                      </a:endParaRPr>
-                    </a:p>
-                    <a:p>
-                      <a:pPr marL="0" lvl="1" indent="0" hangingPunct="1">
-                        <a:buFontTx/>
-                        <a:buNone/>
-                      </a:pPr>
-                      <a:endParaRPr sz="1800" b="0" i="0" kern="1200" dirty="0" smtClean="0">
-                        <a:solidFill>
-                          <a:schemeClr val="dk1"/>
-                        </a:solidFill>
-                        <a:latin typeface="맑은 고딕" charset="0"/>
-                        <a:ea typeface="맑은 고딕" charset="0"/>
-                      </a:endParaRPr>
-                    </a:p>
-                  </a:txBody>
-                  <a:tcPr marL="90170" marR="90170" marT="46990" marB="46990">
-                    <a:lnL w="12700" cap="flat" cmpd="sng" algn="ctr">
-                      <a:solidFill>
-                        <a:srgbClr val="000000">
-                          <a:alpha val="100000"/>
-                        </a:srgbClr>
-                      </a:solidFill>
-                      <a:prstDash val="solid"/>
-                      <a:round/>
-                      <a:headEnd type="none" w="med" len="med"/>
-                      <a:tailEnd type="none" w="med" len="med"/>
-                    </a:lnL>
-                    <a:lnR w="12700" cap="flat" cmpd="sng" algn="ctr">
-                      <a:solidFill>
-                        <a:srgbClr val="000000">
-                          <a:alpha val="100000"/>
-                        </a:srgbClr>
-                      </a:solidFill>
-                      <a:prstDash val="solid"/>
-                      <a:round/>
-                      <a:headEnd type="none" w="med" len="med"/>
-                      <a:tailEnd type="none" w="med" len="med"/>
-                    </a:lnR>
-                    <a:lnT w="12700" cap="flat" cmpd="sng" algn="ctr">
-                      <a:solidFill>
-                        <a:srgbClr val="000000">
-                          <a:alpha val="100000"/>
-                        </a:srgbClr>
-                      </a:solidFill>
-                      <a:prstDash val="solid"/>
-                      <a:round/>
-                      <a:headEnd type="none" w="med" len="med"/>
-                      <a:tailEnd type="none" w="med" len="med"/>
-                    </a:lnT>
-                    <a:lnB w="12700" cap="flat" cmpd="sng" algn="ctr">
-                      <a:solidFill>
-                        <a:srgbClr val="000000">
-                          <a:alpha val="100000"/>
-                        </a:srgbClr>
-                      </a:solidFill>
-                      <a:prstDash val="solid"/>
-                      <a:round/>
-                      <a:headEnd type="none" w="med" len="med"/>
-                      <a:tailEnd type="none" w="med" len="med"/>
-                    </a:lnB>
-                    <a:solidFill>
-                      <a:srgbClr val="FFFFFF"/>
-                    </a:solidFill>
-                  </a:tcPr>
-                </a:tc>
-                <a:tc>
-                  <a:txBody>
-                    <a:bodyPr/>
-                    <a:lstStyle/>
-                    <a:p>
-                      <a:pPr marL="0" lvl="1" indent="0" hangingPunct="1">
-                        <a:buFontTx/>
-                        <a:buNone/>
-                      </a:pPr>
-                      <a:r>
-                        <a:rPr sz="1800" b="0" i="0" kern="1200" dirty="0" smtClean="0">
-                          <a:solidFill>
-                            <a:schemeClr val="dk1"/>
-                          </a:solidFill>
-                          <a:latin typeface="맑은 고딕" charset="0"/>
-                          <a:ea typeface="맑은 고딕" charset="0"/>
-                        </a:rPr>
-                        <a:t>30</a:t>
-                      </a:r>
-                      <a:endParaRPr lang="en-US" sz="1800" b="0" i="0" kern="1200" dirty="0" smtClean="0">
-                        <a:solidFill>
-                          <a:schemeClr val="dk1"/>
-                        </a:solidFill>
-                        <a:latin typeface="맑은 고딕" charset="0"/>
-                        <a:ea typeface="맑은 고딕" charset="0"/>
-                      </a:endParaRPr>
                     </a:p>
                     <a:p>
                       <a:pPr marL="0" lvl="1" indent="0" hangingPunct="1">
@@ -12685,22 +12374,9 @@
                         </a:rPr>
                         <a:t>)</a:t>
                       </a:r>
-                      <a:endParaRPr lang="ko-KR" altLang="en-US" sz="1200" b="0" i="0" kern="1200" dirty="0" smtClean="0">
+                      <a:endParaRPr lang="ko-KR" altLang="en-US" sz="1200" b="0" i="0" kern="1200" dirty="0">
                         <a:solidFill>
                           <a:srgbClr val="0611F2"/>
-                        </a:solidFill>
-                        <a:latin typeface="맑은 고딕" charset="0"/>
-                        <a:ea typeface="맑은 고딕" charset="0"/>
-                      </a:endParaRPr>
-                    </a:p>
-                    <a:p>
-                      <a:pPr marL="0" lvl="1" indent="0" hangingPunct="1">
-                        <a:buFontTx/>
-                        <a:buNone/>
-                      </a:pPr>
-                      <a:endParaRPr lang="ko-KR" altLang="en-US" sz="1800" b="0" i="0" kern="1200" dirty="0">
-                        <a:solidFill>
-                          <a:schemeClr val="dk1"/>
                         </a:solidFill>
                         <a:latin typeface="맑은 고딕" charset="0"/>
                         <a:ea typeface="맑은 고딕" charset="0"/>
@@ -12767,64 +12443,18 @@
                         <a:buNone/>
                       </a:pPr>
                       <a:r>
-                        <a:rPr sz="1800" b="0" i="0" kern="1200">
+                        <a:rPr sz="1800" b="0" i="0" kern="1200" dirty="0" smtClean="0">
                           <a:solidFill>
-                            <a:srgbClr val="000000"/>
+                            <a:schemeClr val="dk1"/>
                           </a:solidFill>
                           <a:latin typeface="맑은 고딕" charset="0"/>
                           <a:ea typeface="맑은 고딕" charset="0"/>
                         </a:rPr>
-                        <a:t>31</a:t>
+                        <a:t>29</a:t>
                       </a:r>
-                      <a:endParaRPr lang="ko-KR" altLang="en-US" sz="1800" b="0" i="0" kern="1200">
+                      <a:endParaRPr lang="ko-KR" altLang="en-US" sz="1800" b="0" i="0" kern="1200" dirty="0">
                         <a:solidFill>
-                          <a:srgbClr val="000000"/>
-                        </a:solidFill>
-                        <a:latin typeface="맑은 고딕" charset="0"/>
-                        <a:ea typeface="맑은 고딕" charset="0"/>
-                      </a:endParaRPr>
-                    </a:p>
-                    <a:p>
-                      <a:pPr marL="0" lvl="1" indent="0" hangingPunct="1">
-                        <a:buFontTx/>
-                        <a:buNone/>
-                      </a:pPr>
-                      <a:r>
-                        <a:rPr sz="1200" b="0" i="0" kern="1200">
-                          <a:solidFill>
-                            <a:srgbClr val="0611F2"/>
-                          </a:solidFill>
-                          <a:latin typeface="맑은 고딕" charset="0"/>
-                          <a:ea typeface="맑은 고딕" charset="0"/>
-                        </a:rPr>
-                        <a:t>데이터 요청 코드</a:t>
-                      </a:r>
-                      <a:endParaRPr lang="ko-KR" altLang="en-US" sz="1200" b="0" i="0" kern="1200">
-                        <a:solidFill>
-                          <a:srgbClr val="0611F2"/>
-                        </a:solidFill>
-                        <a:latin typeface="맑은 고딕" charset="0"/>
-                        <a:ea typeface="맑은 고딕" charset="0"/>
-                      </a:endParaRPr>
-                    </a:p>
-                    <a:p>
-                      <a:pPr marL="0" lvl="1" indent="0" hangingPunct="1">
-                        <a:buFontTx/>
-                        <a:buNone/>
-                      </a:pPr>
-                      <a:r>
-                        <a:rPr sz="1200" b="0" i="0" kern="1200">
-                          <a:solidFill>
-                            <a:srgbClr val="0611F2"/>
-                          </a:solidFill>
-                          <a:latin typeface="맑은 고딕" charset="0"/>
-                          <a:ea typeface="맑은 고딕" charset="0"/>
-                        </a:rPr>
-                        <a:t>작성</a:t>
-                      </a:r>
-                      <a:endParaRPr lang="ko-KR" altLang="en-US" sz="1200" b="0" i="0" kern="1200">
-                        <a:solidFill>
-                          <a:srgbClr val="0611F2"/>
+                          <a:schemeClr val="dk1"/>
                         </a:solidFill>
                         <a:latin typeface="맑은 고딕" charset="0"/>
                         <a:ea typeface="맑은 고딕" charset="0"/>
@@ -12891,7 +12521,301 @@
                         <a:buNone/>
                       </a:pPr>
                       <a:r>
-                        <a:rPr sz="1800" b="0" i="0" kern="1200">
+                        <a:rPr sz="1800" b="0" i="0" kern="1200" dirty="0" smtClean="0">
+                          <a:solidFill>
+                            <a:schemeClr val="dk1"/>
+                          </a:solidFill>
+                          <a:latin typeface="맑은 고딕" charset="0"/>
+                          <a:ea typeface="맑은 고딕" charset="0"/>
+                        </a:rPr>
+                        <a:t>30</a:t>
+                      </a:r>
+                    </a:p>
+                    <a:p>
+                      <a:pPr marL="0" lvl="1" indent="0" hangingPunct="1">
+                        <a:buFontTx/>
+                        <a:buNone/>
+                      </a:pPr>
+                      <a:r>
+                        <a:rPr lang="en-US" altLang="ko-KR" sz="1200" b="0" i="0" kern="1200" dirty="0" err="1" smtClean="0">
+                          <a:solidFill>
+                            <a:srgbClr val="0611F2"/>
+                          </a:solidFill>
+                          <a:latin typeface="맑은 고딕" charset="0"/>
+                          <a:ea typeface="맑은 고딕" charset="0"/>
+                        </a:rPr>
+                        <a:t>Js</a:t>
+                      </a:r>
+                      <a:r>
+                        <a:rPr lang="en-US" altLang="ko-KR" sz="1200" b="0" i="0" kern="1200" baseline="0" dirty="0" smtClean="0">
+                          <a:solidFill>
+                            <a:srgbClr val="0611F2"/>
+                          </a:solidFill>
+                          <a:latin typeface="맑은 고딕" charset="0"/>
+                          <a:ea typeface="맑은 고딕" charset="0"/>
+                        </a:rPr>
+                        <a:t> </a:t>
+                      </a:r>
+                      <a:r>
+                        <a:rPr lang="ko-KR" altLang="en-US" sz="1200" b="0" i="0" kern="1200" baseline="0" dirty="0" smtClean="0">
+                          <a:solidFill>
+                            <a:srgbClr val="0611F2"/>
+                          </a:solidFill>
+                          <a:latin typeface="맑은 고딕" charset="0"/>
+                          <a:ea typeface="맑은 고딕" charset="0"/>
+                        </a:rPr>
+                        <a:t>코드 삽입하기</a:t>
+                      </a:r>
+                      <a:endParaRPr lang="ko-KR" altLang="en-US" sz="1200" b="0" i="0" kern="1200" dirty="0" smtClean="0">
+                        <a:solidFill>
+                          <a:srgbClr val="0611F2"/>
+                        </a:solidFill>
+                        <a:latin typeface="맑은 고딕" charset="0"/>
+                        <a:ea typeface="맑은 고딕" charset="0"/>
+                      </a:endParaRPr>
+                    </a:p>
+                  </a:txBody>
+                  <a:tcPr marL="90170" marR="90170" marT="46990" marB="46990">
+                    <a:lnL w="12700" cap="flat" cmpd="sng" algn="ctr">
+                      <a:solidFill>
+                        <a:srgbClr val="000000">
+                          <a:alpha val="100000"/>
+                        </a:srgbClr>
+                      </a:solidFill>
+                      <a:prstDash val="solid"/>
+                      <a:round/>
+                      <a:headEnd type="none" w="med" len="med"/>
+                      <a:tailEnd type="none" w="med" len="med"/>
+                    </a:lnL>
+                    <a:lnR w="12700" cap="flat" cmpd="sng" algn="ctr">
+                      <a:solidFill>
+                        <a:srgbClr val="000000">
+                          <a:alpha val="100000"/>
+                        </a:srgbClr>
+                      </a:solidFill>
+                      <a:prstDash val="solid"/>
+                      <a:round/>
+                      <a:headEnd type="none" w="med" len="med"/>
+                      <a:tailEnd type="none" w="med" len="med"/>
+                    </a:lnR>
+                    <a:lnT w="12700" cap="flat" cmpd="sng" algn="ctr">
+                      <a:solidFill>
+                        <a:srgbClr val="000000">
+                          <a:alpha val="100000"/>
+                        </a:srgbClr>
+                      </a:solidFill>
+                      <a:prstDash val="solid"/>
+                      <a:round/>
+                      <a:headEnd type="none" w="med" len="med"/>
+                      <a:tailEnd type="none" w="med" len="med"/>
+                    </a:lnT>
+                    <a:lnB w="12700" cap="flat" cmpd="sng" algn="ctr">
+                      <a:solidFill>
+                        <a:srgbClr val="000000">
+                          <a:alpha val="100000"/>
+                        </a:srgbClr>
+                      </a:solidFill>
+                      <a:prstDash val="solid"/>
+                      <a:round/>
+                      <a:headEnd type="none" w="med" len="med"/>
+                      <a:tailEnd type="none" w="med" len="med"/>
+                    </a:lnB>
+                    <a:solidFill>
+                      <a:srgbClr val="FFFFFF"/>
+                    </a:solidFill>
+                  </a:tcPr>
+                </a:tc>
+                <a:tc>
+                  <a:txBody>
+                    <a:bodyPr/>
+                    <a:lstStyle/>
+                    <a:p>
+                      <a:pPr marL="0" lvl="1" indent="0" hangingPunct="1">
+                        <a:buFontTx/>
+                        <a:buNone/>
+                      </a:pPr>
+                      <a:r>
+                        <a:rPr sz="1800" b="0" i="0" kern="1200" dirty="0">
+                          <a:solidFill>
+                            <a:srgbClr val="000000"/>
+                          </a:solidFill>
+                          <a:latin typeface="맑은 고딕" charset="0"/>
+                          <a:ea typeface="맑은 고딕" charset="0"/>
+                        </a:rPr>
+                        <a:t>31</a:t>
+                      </a:r>
+                      <a:endParaRPr lang="ko-KR" altLang="en-US" sz="1800" b="0" i="0" kern="1200" dirty="0">
+                        <a:solidFill>
+                          <a:srgbClr val="000000"/>
+                        </a:solidFill>
+                        <a:latin typeface="맑은 고딕" charset="0"/>
+                        <a:ea typeface="맑은 고딕" charset="0"/>
+                      </a:endParaRPr>
+                    </a:p>
+                    <a:p>
+                      <a:pPr marL="0" marR="0" lvl="1" indent="0" defTabSz="914400" eaLnBrk="1" fontAlgn="auto" latinLnBrk="1" hangingPunct="1">
+                        <a:lnSpc>
+                          <a:spcPct val="100000"/>
+                        </a:lnSpc>
+                        <a:spcBef>
+                          <a:spcPts val="0"/>
+                        </a:spcBef>
+                        <a:spcAft>
+                          <a:spcPts val="0"/>
+                        </a:spcAft>
+                        <a:buClrTx/>
+                        <a:buSzTx/>
+                        <a:buFontTx/>
+                        <a:buNone/>
+                        <a:tabLst/>
+                        <a:defRPr/>
+                      </a:pPr>
+                      <a:r>
+                        <a:rPr lang="ko-KR" altLang="en-US" sz="1200" b="0" i="0" kern="1200" dirty="0" err="1" smtClean="0">
+                          <a:solidFill>
+                            <a:srgbClr val="0611F2"/>
+                          </a:solidFill>
+                          <a:latin typeface="맑은 고딕" charset="0"/>
+                          <a:ea typeface="맑은 고딕" charset="0"/>
+                        </a:rPr>
+                        <a:t>게시글</a:t>
+                      </a:r>
+                      <a:r>
+                        <a:rPr lang="ko-KR" altLang="en-US" sz="1200" b="0" i="0" kern="1200" dirty="0" smtClean="0">
+                          <a:solidFill>
+                            <a:srgbClr val="0611F2"/>
+                          </a:solidFill>
+                          <a:latin typeface="맑은 고딕" charset="0"/>
+                          <a:ea typeface="맑은 고딕" charset="0"/>
+                        </a:rPr>
+                        <a:t> 페이지 작성</a:t>
+                      </a:r>
+                      <a:endParaRPr lang="en-US" altLang="ko-KR" sz="1200" b="0" i="0" kern="1200" dirty="0" smtClean="0">
+                        <a:solidFill>
+                          <a:srgbClr val="0611F2"/>
+                        </a:solidFill>
+                        <a:latin typeface="맑은 고딕" charset="0"/>
+                        <a:ea typeface="맑은 고딕" charset="0"/>
+                      </a:endParaRPr>
+                    </a:p>
+                    <a:p>
+                      <a:pPr marL="0" marR="0" lvl="1" indent="0" defTabSz="914400" eaLnBrk="1" fontAlgn="auto" latinLnBrk="1" hangingPunct="1">
+                        <a:lnSpc>
+                          <a:spcPct val="100000"/>
+                        </a:lnSpc>
+                        <a:spcBef>
+                          <a:spcPts val="0"/>
+                        </a:spcBef>
+                        <a:spcAft>
+                          <a:spcPts val="0"/>
+                        </a:spcAft>
+                        <a:buClrTx/>
+                        <a:buSzTx/>
+                        <a:buFontTx/>
+                        <a:buNone/>
+                        <a:tabLst/>
+                        <a:defRPr/>
+                      </a:pPr>
+                      <a:r>
+                        <a:rPr lang="en-US" altLang="ko-KR" sz="1200" b="0" i="0" kern="1200" dirty="0" smtClean="0">
+                          <a:solidFill>
+                            <a:srgbClr val="0611F2"/>
+                          </a:solidFill>
+                          <a:latin typeface="맑은 고딕" charset="0"/>
+                          <a:ea typeface="맑은 고딕" charset="0"/>
+                        </a:rPr>
+                        <a:t>(</a:t>
+                      </a:r>
+                      <a:r>
+                        <a:rPr lang="ko-KR" altLang="en-US" sz="1200" b="0" i="0" kern="1200" dirty="0" smtClean="0">
+                          <a:solidFill>
+                            <a:srgbClr val="0611F2"/>
+                          </a:solidFill>
+                          <a:latin typeface="맑은 고딕" charset="0"/>
+                          <a:ea typeface="맑은 고딕" charset="0"/>
+                        </a:rPr>
+                        <a:t>템플릿</a:t>
+                      </a:r>
+                      <a:r>
+                        <a:rPr lang="en-US" altLang="ko-KR" sz="1200" b="0" i="0" kern="1200" dirty="0" smtClean="0">
+                          <a:solidFill>
+                            <a:srgbClr val="0611F2"/>
+                          </a:solidFill>
+                          <a:latin typeface="맑은 고딕" charset="0"/>
+                          <a:ea typeface="맑은 고딕" charset="0"/>
+                        </a:rPr>
+                        <a:t>)</a:t>
+                      </a:r>
+                      <a:endParaRPr lang="ko-KR" altLang="en-US" sz="1200" b="0" i="0" kern="1200" dirty="0" smtClean="0">
+                        <a:solidFill>
+                          <a:srgbClr val="0611F2"/>
+                        </a:solidFill>
+                        <a:latin typeface="맑은 고딕" charset="0"/>
+                        <a:ea typeface="맑은 고딕" charset="0"/>
+                      </a:endParaRPr>
+                    </a:p>
+                  </a:txBody>
+                  <a:tcPr marL="90170" marR="90170" marT="46990" marB="46990">
+                    <a:lnL w="12700" cap="flat" cmpd="sng" algn="ctr">
+                      <a:solidFill>
+                        <a:srgbClr val="000000">
+                          <a:alpha val="100000"/>
+                        </a:srgbClr>
+                      </a:solidFill>
+                      <a:prstDash val="solid"/>
+                      <a:round/>
+                      <a:headEnd type="none" w="med" len="med"/>
+                      <a:tailEnd type="none" w="med" len="med"/>
+                    </a:lnL>
+                    <a:lnR w="12700" cap="flat" cmpd="sng" algn="ctr">
+                      <a:solidFill>
+                        <a:srgbClr val="000000">
+                          <a:alpha val="100000"/>
+                        </a:srgbClr>
+                      </a:solidFill>
+                      <a:prstDash val="solid"/>
+                      <a:round/>
+                      <a:headEnd type="none" w="med" len="med"/>
+                      <a:tailEnd type="none" w="med" len="med"/>
+                    </a:lnR>
+                    <a:lnT w="12700" cap="flat" cmpd="sng" algn="ctr">
+                      <a:solidFill>
+                        <a:srgbClr val="000000">
+                          <a:alpha val="100000"/>
+                        </a:srgbClr>
+                      </a:solidFill>
+                      <a:prstDash val="solid"/>
+                      <a:round/>
+                      <a:headEnd type="none" w="med" len="med"/>
+                      <a:tailEnd type="none" w="med" len="med"/>
+                    </a:lnT>
+                    <a:lnB w="12700" cap="flat" cmpd="sng" algn="ctr">
+                      <a:solidFill>
+                        <a:srgbClr val="000000">
+                          <a:alpha val="100000"/>
+                        </a:srgbClr>
+                      </a:solidFill>
+                      <a:prstDash val="solid"/>
+                      <a:round/>
+                      <a:headEnd type="none" w="med" len="med"/>
+                      <a:tailEnd type="none" w="med" len="med"/>
+                    </a:lnB>
+                    <a:solidFill>
+                      <a:srgbClr val="FFFFFF"/>
+                    </a:solidFill>
+                  </a:tcPr>
+                </a:tc>
+                <a:tc>
+                  <a:txBody>
+                    <a:bodyPr/>
+                    <a:lstStyle/>
+                    <a:p>
+                      <a:pPr marL="0" lvl="1" indent="0" hangingPunct="1">
+                        <a:buFontTx/>
+                        <a:buNone/>
+                      </a:pPr>
+                      <a:r>
+                        <a:rPr sz="1800" b="0" i="0" kern="1200" dirty="0" smtClean="0">
                           <a:solidFill>
                             <a:srgbClr val="0611F2"/>
                           </a:solidFill>
@@ -12900,30 +12824,36 @@
                         </a:rPr>
                         <a:t>1</a:t>
                       </a:r>
-                      <a:endParaRPr lang="ko-KR" altLang="en-US" sz="1800" b="0" i="0" kern="1200">
-                        <a:solidFill>
-                          <a:srgbClr val="0611F2"/>
-                        </a:solidFill>
-                        <a:latin typeface="맑은 고딕" charset="0"/>
-                        <a:ea typeface="맑은 고딕" charset="0"/>
-                      </a:endParaRPr>
                     </a:p>
                     <a:p>
-                      <a:pPr marL="0" lvl="1" indent="0" hangingPunct="1">
+                      <a:pPr marL="0" marR="0" lvl="1" indent="0" defTabSz="914400" eaLnBrk="1" fontAlgn="auto" latinLnBrk="1" hangingPunct="1">
+                        <a:lnSpc>
+                          <a:spcPct val="100000"/>
+                        </a:lnSpc>
+                        <a:spcBef>
+                          <a:spcPts val="0"/>
+                        </a:spcBef>
+                        <a:spcAft>
+                          <a:spcPts val="0"/>
+                        </a:spcAft>
+                        <a:buClrTx/>
+                        <a:buSzTx/>
                         <a:buFontTx/>
                         <a:buNone/>
+                        <a:tabLst/>
+                        <a:defRPr/>
                       </a:pPr>
                       <a:r>
-                        <a:rPr sz="1200" b="0" i="0" kern="1200">
+                        <a:rPr lang="ko-KR" altLang="en-US" sz="1200" b="0" i="0" kern="1200" dirty="0" smtClean="0">
                           <a:solidFill>
                             <a:srgbClr val="0611F2"/>
                           </a:solidFill>
                           <a:latin typeface="맑은 고딕" charset="0"/>
                           <a:ea typeface="맑은 고딕" charset="0"/>
                         </a:rPr>
-                        <a:t>웹페이지 기능 요청</a:t>
+                        <a:t>데이터 요청 코드 작성</a:t>
                       </a:r>
-                      <a:endParaRPr lang="ko-KR" altLang="en-US" sz="1200" b="0" i="0" kern="1200">
+                      <a:endParaRPr lang="ko-KR" altLang="en-US" sz="1200" b="0" i="0" kern="1200" dirty="0" smtClean="0">
                         <a:solidFill>
                           <a:srgbClr val="0611F2"/>
                         </a:solidFill>
@@ -12994,12 +12924,25 @@
                     <a:bodyPr/>
                     <a:lstStyle/>
                     <a:p>
-                      <a:pPr marL="0" lvl="1" indent="0" hangingPunct="1">
+                      <a:pPr marL="0" marR="0" lvl="1" indent="0" defTabSz="914400" eaLnBrk="1" fontAlgn="auto" latinLnBrk="1" hangingPunct="1">
+                        <a:lnSpc>
+                          <a:spcPct val="100000"/>
+                        </a:lnSpc>
+                        <a:spcBef>
+                          <a:spcPts val="0"/>
+                        </a:spcBef>
+                        <a:spcAft>
+                          <a:spcPts val="0"/>
+                        </a:spcAft>
+                        <a:buClrTx/>
+                        <a:buSzTx/>
                         <a:buFontTx/>
                         <a:buNone/>
+                        <a:tabLst/>
+                        <a:defRPr/>
                       </a:pPr>
                       <a:r>
-                        <a:rPr sz="1800" b="0" i="0" kern="1200">
+                        <a:rPr sz="1800" b="0" i="0" kern="1200" dirty="0" smtClean="0">
                           <a:solidFill>
                             <a:srgbClr val="FF0000"/>
                           </a:solidFill>
@@ -13008,7 +12951,79 @@
                         </a:rPr>
                         <a:t>2</a:t>
                       </a:r>
-                      <a:endParaRPr lang="ko-KR" altLang="en-US" sz="1800" b="0" i="0" kern="1200">
+                      <a:endParaRPr lang="en-US" sz="1800" b="0" i="0" kern="1200" dirty="0" smtClean="0">
+                        <a:solidFill>
+                          <a:srgbClr val="FF0000"/>
+                        </a:solidFill>
+                        <a:latin typeface="맑은 고딕" charset="0"/>
+                        <a:ea typeface="맑은 고딕" charset="0"/>
+                      </a:endParaRPr>
+                    </a:p>
+                    <a:p>
+                      <a:pPr marL="0" marR="0" lvl="1" indent="0" defTabSz="914400" eaLnBrk="1" fontAlgn="auto" latinLnBrk="1" hangingPunct="1">
+                        <a:lnSpc>
+                          <a:spcPct val="100000"/>
+                        </a:lnSpc>
+                        <a:spcBef>
+                          <a:spcPts val="0"/>
+                        </a:spcBef>
+                        <a:spcAft>
+                          <a:spcPts val="0"/>
+                        </a:spcAft>
+                        <a:buClrTx/>
+                        <a:buSzTx/>
+                        <a:buFontTx/>
+                        <a:buNone/>
+                        <a:tabLst/>
+                        <a:defRPr/>
+                      </a:pPr>
+                      <a:r>
+                        <a:rPr lang="ko-KR" altLang="en-US" sz="1200" b="0" i="0" kern="1200" dirty="0" err="1" smtClean="0">
+                          <a:solidFill>
+                            <a:srgbClr val="0611F2"/>
+                          </a:solidFill>
+                          <a:latin typeface="맑은 고딕" charset="0"/>
+                          <a:ea typeface="맑은 고딕" charset="0"/>
+                        </a:rPr>
+                        <a:t>웹페이지</a:t>
+                      </a:r>
+                      <a:r>
+                        <a:rPr lang="ko-KR" altLang="en-US" sz="1200" b="0" i="0" kern="1200" dirty="0" smtClean="0">
+                          <a:solidFill>
+                            <a:srgbClr val="0611F2"/>
+                          </a:solidFill>
+                          <a:latin typeface="맑은 고딕" charset="0"/>
+                          <a:ea typeface="맑은 고딕" charset="0"/>
+                        </a:rPr>
+                        <a:t> </a:t>
+                      </a:r>
+                      <a:r>
+                        <a:rPr lang="ko-KR" altLang="en-US" sz="1200" b="0" i="0" kern="1200" dirty="0" err="1" smtClean="0">
+                          <a:solidFill>
+                            <a:srgbClr val="0611F2"/>
+                          </a:solidFill>
+                          <a:latin typeface="맑은 고딕" charset="0"/>
+                          <a:ea typeface="맑은 고딕" charset="0"/>
+                        </a:rPr>
+                        <a:t>요청기능</a:t>
+                      </a:r>
+                      <a:r>
+                        <a:rPr lang="ko-KR" altLang="en-US" sz="1200" b="0" i="0" kern="1200" dirty="0" smtClean="0">
+                          <a:solidFill>
+                            <a:srgbClr val="0611F2"/>
+                          </a:solidFill>
+                          <a:latin typeface="맑은 고딕" charset="0"/>
+                          <a:ea typeface="맑은 고딕" charset="0"/>
+                        </a:rPr>
+                        <a:t> 작성</a:t>
+                      </a:r>
+                    </a:p>
+                    <a:p>
+                      <a:pPr marL="0" lvl="1" indent="0" hangingPunct="1">
+                        <a:buFontTx/>
+                        <a:buNone/>
+                      </a:pPr>
+                      <a:endParaRPr lang="ko-KR" altLang="en-US" sz="1800" b="0" i="0" kern="1200" dirty="0">
                         <a:solidFill>
                           <a:srgbClr val="FF0000"/>
                         </a:solidFill>
@@ -13460,7 +13475,7 @@
                         <a:buFontTx/>
                         <a:buNone/>
                       </a:pPr>
-                      <a:endParaRPr lang="ko-KR" altLang="en-US" sz="1800" b="0" i="0" kern="1200">
+                      <a:endParaRPr lang="ko-KR" altLang="en-US" sz="1800" b="0" i="0" kern="1200" dirty="0">
                         <a:solidFill>
                           <a:srgbClr val="000000"/>
                         </a:solidFill>
@@ -13967,69 +13982,6 @@
       </p:sp>
       <p:sp>
         <p:nvSpPr>
-          <p:cNvPr id="21" name="도형 50"/>
-          <p:cNvSpPr>
-            <a:spLocks/>
-          </p:cNvSpPr>
-          <p:nvPr/>
-        </p:nvSpPr>
-        <p:spPr>
-          <a:xfrm>
-            <a:off x="5326062" y="3888739"/>
-            <a:ext cx="1527810" cy="579755"/>
-          </a:xfrm>
-          <a:prstGeom prst="rightArrow">
-            <a:avLst/>
-          </a:prstGeom>
-          <a:solidFill>
-            <a:srgbClr val="4472C4"/>
-          </a:solidFill>
-        </p:spPr>
-        <p:style>
-          <a:lnRef idx="2">
-            <a:schemeClr val="accent1">
-              <a:shade val="50000"/>
-            </a:schemeClr>
-          </a:lnRef>
-          <a:fillRef idx="1">
-            <a:schemeClr val="accent1"/>
-          </a:fillRef>
-          <a:effectRef idx="0">
-            <a:schemeClr val="accent1"/>
-          </a:effectRef>
-          <a:fontRef idx="minor">
-            <a:schemeClr val="lt1"/>
-          </a:fontRef>
-        </p:style>
-        <p:txBody>
-          <a:bodyPr vert="horz" wrap="square" lIns="91440" tIns="45720" rIns="91440" bIns="45720" anchor="ctr">
-            <a:noAutofit/>
-          </a:bodyPr>
-          <a:lstStyle/>
-          <a:p>
-            <a:pPr marL="0" indent="0" algn="ctr" hangingPunct="1"/>
-            <a:r>
-              <a:rPr sz="1800">
-                <a:solidFill>
-                  <a:srgbClr val="FFFFFF"/>
-                </a:solidFill>
-                <a:latin typeface="맑은 고딕" charset="0"/>
-                <a:ea typeface="맑은 고딕" charset="0"/>
-              </a:rPr>
-              <a:t>3차</a:t>
-            </a:r>
-            <a:endParaRPr lang="ko-KR" altLang="en-US" sz="1800">
-              <a:solidFill>
-                <a:srgbClr val="FFFFFF"/>
-              </a:solidFill>
-              <a:latin typeface="맑은 고딕" charset="0"/>
-              <a:ea typeface="맑은 고딕" charset="0"/>
-            </a:endParaRPr>
-          </a:p>
-        </p:txBody>
-      </p:sp>
-      <p:sp>
-        <p:nvSpPr>
           <p:cNvPr id="22" name="도형 51"/>
           <p:cNvSpPr>
             <a:spLocks/>
@@ -14038,7 +13990,7 @@
         </p:nvSpPr>
         <p:spPr>
           <a:xfrm>
-            <a:off x="6906578" y="3888740"/>
+            <a:off x="6879590" y="3879215"/>
             <a:ext cx="1528445" cy="579755"/>
           </a:xfrm>
           <a:prstGeom prst="rightArrow">
@@ -14072,16 +14024,26 @@
           <a:p>
             <a:pPr marL="0" indent="0" algn="ctr" hangingPunct="1"/>
             <a:r>
-              <a:rPr sz="1800">
+              <a:rPr lang="en-US" dirty="0">
                 <a:solidFill>
                   <a:srgbClr val="FFFFFF"/>
                 </a:solidFill>
                 <a:latin typeface="맑은 고딕" charset="0"/>
                 <a:ea typeface="맑은 고딕" charset="0"/>
               </a:rPr>
-              <a:t>4차</a:t>
-            </a:r>
-            <a:endParaRPr lang="ko-KR" altLang="en-US" sz="1800">
+              <a:t>3</a:t>
+            </a:r>
+            <a:r>
+              <a:rPr sz="1800" dirty="0" smtClean="0">
+                <a:solidFill>
+                  <a:srgbClr val="FFFFFF"/>
+                </a:solidFill>
+                <a:latin typeface="맑은 고딕" charset="0"/>
+                <a:ea typeface="맑은 고딕" charset="0"/>
+              </a:rPr>
+              <a:t>차</a:t>
+            </a:r>
+            <a:endParaRPr lang="ko-KR" altLang="en-US" sz="1800" dirty="0">
               <a:solidFill>
                 <a:srgbClr val="FFFFFF"/>
               </a:solidFill>
@@ -14135,16 +14097,26 @@
           <a:p>
             <a:pPr marL="0" indent="0" algn="ctr" hangingPunct="1"/>
             <a:r>
-              <a:rPr sz="1800">
+              <a:rPr lang="en-US" dirty="0">
                 <a:solidFill>
                   <a:srgbClr val="FFFFFF"/>
                 </a:solidFill>
                 <a:latin typeface="맑은 고딕" charset="0"/>
                 <a:ea typeface="맑은 고딕" charset="0"/>
               </a:rPr>
-              <a:t>5차</a:t>
-            </a:r>
-            <a:endParaRPr lang="ko-KR" altLang="en-US" sz="1800">
+              <a:t>4</a:t>
+            </a:r>
+            <a:r>
+              <a:rPr sz="1800" dirty="0" smtClean="0">
+                <a:solidFill>
+                  <a:srgbClr val="FFFFFF"/>
+                </a:solidFill>
+                <a:latin typeface="맑은 고딕" charset="0"/>
+                <a:ea typeface="맑은 고딕" charset="0"/>
+              </a:rPr>
+              <a:t>차</a:t>
+            </a:r>
+            <a:endParaRPr lang="ko-KR" altLang="en-US" sz="1800" dirty="0">
               <a:solidFill>
                 <a:srgbClr val="FFFFFF"/>
               </a:solidFill>
@@ -14198,16 +14170,26 @@
           <a:p>
             <a:pPr marL="0" indent="0" algn="ctr" hangingPunct="1"/>
             <a:r>
-              <a:rPr sz="1800">
+              <a:rPr lang="en-US" dirty="0">
                 <a:solidFill>
                   <a:srgbClr val="FFFFFF"/>
                 </a:solidFill>
                 <a:latin typeface="맑은 고딕" charset="0"/>
                 <a:ea typeface="맑은 고딕" charset="0"/>
               </a:rPr>
-              <a:t>6차</a:t>
-            </a:r>
-            <a:endParaRPr lang="ko-KR" altLang="en-US" sz="1800">
+              <a:t>5</a:t>
+            </a:r>
+            <a:r>
+              <a:rPr sz="1800" dirty="0" smtClean="0">
+                <a:solidFill>
+                  <a:srgbClr val="FFFFFF"/>
+                </a:solidFill>
+                <a:latin typeface="맑은 고딕" charset="0"/>
+                <a:ea typeface="맑은 고딕" charset="0"/>
+              </a:rPr>
+              <a:t>차</a:t>
+            </a:r>
+            <a:endParaRPr lang="ko-KR" altLang="en-US" sz="1800" dirty="0">
               <a:solidFill>
                 <a:srgbClr val="FFFFFF"/>
               </a:solidFill>
@@ -14353,8 +14335,8 @@
         </p:nvSpPr>
         <p:spPr>
           <a:xfrm>
-            <a:off x="3791585" y="3911600"/>
-            <a:ext cx="1527810" cy="579755"/>
+            <a:off x="3791584" y="3911600"/>
+            <a:ext cx="3056255" cy="579755"/>
           </a:xfrm>
           <a:prstGeom prst="rightArrow">
             <a:avLst/>
@@ -14397,6 +14379,79 @@
               <a:t>2차</a:t>
             </a:r>
             <a:endParaRPr lang="ko-KR" altLang="en-US" sz="1800">
+              <a:solidFill>
+                <a:srgbClr val="FFFFFF"/>
+              </a:solidFill>
+              <a:latin typeface="맑은 고딕" charset="0"/>
+              <a:ea typeface="맑은 고딕" charset="0"/>
+            </a:endParaRPr>
+          </a:p>
+        </p:txBody>
+      </p:sp>
+      <p:sp>
+        <p:nvSpPr>
+          <p:cNvPr id="28" name="도형 53"/>
+          <p:cNvSpPr>
+            <a:spLocks/>
+          </p:cNvSpPr>
+          <p:nvPr/>
+        </p:nvSpPr>
+        <p:spPr>
+          <a:xfrm>
+            <a:off x="711835" y="5763259"/>
+            <a:ext cx="1498600" cy="579755"/>
+          </a:xfrm>
+          <a:prstGeom prst="rightArrow">
+            <a:avLst/>
+          </a:prstGeom>
+          <a:solidFill>
+            <a:srgbClr val="4472C4"/>
+          </a:solidFill>
+        </p:spPr>
+        <p:style>
+          <a:lnRef idx="2">
+            <a:schemeClr val="accent1">
+              <a:shade val="50000"/>
+            </a:schemeClr>
+          </a:lnRef>
+          <a:fillRef idx="1">
+            <a:schemeClr val="accent1"/>
+          </a:fillRef>
+          <a:effectRef idx="0">
+            <a:schemeClr val="accent1"/>
+          </a:effectRef>
+          <a:fontRef idx="minor">
+            <a:schemeClr val="lt1"/>
+          </a:fontRef>
+        </p:style>
+        <p:txBody>
+          <a:bodyPr vert="horz" wrap="square" lIns="91440" tIns="45720" rIns="91440" bIns="45720" anchor="ctr">
+            <a:noAutofit/>
+          </a:bodyPr>
+          <a:lstStyle/>
+          <a:p>
+            <a:pPr marL="0" indent="0" algn="ctr" hangingPunct="1"/>
+            <a:r>
+              <a:rPr lang="en-US" dirty="0">
+                <a:solidFill>
+                  <a:srgbClr val="FFFFFF"/>
+                </a:solidFill>
+                <a:latin typeface="맑은 고딕" charset="0"/>
+                <a:ea typeface="맑은 고딕" charset="0"/>
+              </a:rPr>
+              <a:t>6</a:t>
+            </a:r>
+            <a:r>
+              <a:rPr sz="1800" dirty="0" smtClean="0">
+                <a:solidFill>
+                  <a:srgbClr val="FFFFFF"/>
+                </a:solidFill>
+                <a:latin typeface="맑은 고딕" charset="0"/>
+                <a:ea typeface="맑은 고딕" charset="0"/>
+              </a:rPr>
+              <a:t>차</a:t>
+            </a:r>
+            <a:endParaRPr lang="ko-KR" altLang="en-US" sz="1800" dirty="0">
               <a:solidFill>
                 <a:srgbClr val="FFFFFF"/>
               </a:solidFill>
@@ -14475,7 +14530,7 @@
           <p:nvPr>
             <p:extLst>
               <p:ext uri="{D42A27DB-BD31-4B8C-83A1-F6EECF244321}">
-                <p14:modId xmlns:p14="http://schemas.microsoft.com/office/powerpoint/2010/main" val="498315646"/>
+                <p14:modId xmlns:p14="http://schemas.microsoft.com/office/powerpoint/2010/main" val="213218631"/>
               </p:ext>
             </p:extLst>
           </p:nvPr>
@@ -15219,7 +15274,7 @@
                         <a:buFontTx/>
                         <a:buNone/>
                       </a:pPr>
-                      <a:endParaRPr lang="ko-KR" altLang="en-US" sz="1800" b="0" i="0" kern="1200">
+                      <a:endParaRPr lang="ko-KR" altLang="en-US" sz="1800" b="0" i="0" kern="1200" dirty="0">
                         <a:solidFill>
                           <a:schemeClr val="dk1"/>
                         </a:solidFill>
@@ -15288,7 +15343,7 @@
                         <a:buNone/>
                       </a:pPr>
                       <a:r>
-                        <a:rPr sz="1800" b="0" i="0" kern="1200">
+                        <a:rPr sz="1800" b="0" i="0" kern="1200" dirty="0">
                           <a:solidFill>
                             <a:schemeClr val="dk1"/>
                           </a:solidFill>
@@ -15297,7 +15352,7 @@
                         </a:rPr>
                         <a:t>22</a:t>
                       </a:r>
-                      <a:endParaRPr lang="ko-KR" altLang="en-US" sz="1800" b="0" i="0" kern="1200">
+                      <a:endParaRPr lang="ko-KR" altLang="en-US" sz="1800" b="0" i="0" kern="1200" dirty="0">
                         <a:solidFill>
                           <a:schemeClr val="dk1"/>
                         </a:solidFill>
@@ -15311,16 +15366,26 @@
                         <a:buNone/>
                       </a:pPr>
                       <a:r>
-                        <a:rPr sz="1200" b="0" i="0" kern="1200">
+                        <a:rPr sz="1200" b="0" i="0" kern="1200" dirty="0" err="1">
                           <a:solidFill>
                             <a:srgbClr val="0611F2"/>
                           </a:solidFill>
                           <a:latin typeface="맑은 고딕" charset="0"/>
                           <a:ea typeface="맑은 고딕" charset="0"/>
                         </a:rPr>
-                        <a:t>게시글  필요</a:t>
+                        <a:t>게시글</a:t>
                       </a:r>
-                      <a:endParaRPr lang="ko-KR" altLang="en-US" sz="1200" b="0" i="0" kern="1200">
+                      <a:r>
+                        <a:rPr sz="1200" b="0" i="0" kern="1200" dirty="0">
+                          <a:solidFill>
+                            <a:srgbClr val="0611F2"/>
+                          </a:solidFill>
+                          <a:latin typeface="맑은 고딕" charset="0"/>
+                          <a:ea typeface="맑은 고딕" charset="0"/>
+                        </a:rPr>
+                        <a:t>  필요</a:t>
+                      </a:r>
+                      <a:endParaRPr lang="ko-KR" altLang="en-US" sz="1200" b="0" i="0" kern="1200" dirty="0">
                         <a:solidFill>
                           <a:srgbClr val="0611F2"/>
                         </a:solidFill>
@@ -15334,7 +15399,7 @@
                         <a:buNone/>
                       </a:pPr>
                       <a:r>
-                        <a:rPr sz="1200" b="0" i="0" kern="1200">
+                        <a:rPr sz="1200" b="0" i="0" kern="1200" dirty="0">
                           <a:solidFill>
                             <a:srgbClr val="0611F2"/>
                           </a:solidFill>
@@ -15343,7 +15408,7 @@
                         </a:rPr>
                         <a:t>데이터 목록 작성</a:t>
                       </a:r>
-                      <a:endParaRPr lang="ko-KR" altLang="en-US" sz="1200" b="0" i="0" kern="1200">
+                      <a:endParaRPr lang="ko-KR" altLang="en-US" sz="1200" b="0" i="0" kern="1200" dirty="0">
                         <a:solidFill>
                           <a:srgbClr val="0611F2"/>
                         </a:solidFill>
@@ -15412,7 +15477,7 @@
                         <a:buNone/>
                       </a:pPr>
                       <a:r>
-                        <a:rPr sz="1800" b="0" i="0" kern="1200">
+                        <a:rPr sz="1800" b="0" i="0" kern="1200" dirty="0">
                           <a:solidFill>
                             <a:schemeClr val="dk1"/>
                           </a:solidFill>
@@ -15421,7 +15486,7 @@
                         </a:rPr>
                         <a:t>23</a:t>
                       </a:r>
-                      <a:endParaRPr lang="ko-KR" altLang="en-US" sz="1800" b="0" i="0" kern="1200">
+                      <a:endParaRPr lang="ko-KR" altLang="en-US" sz="1800" b="0" i="0" kern="1200" dirty="0">
                         <a:solidFill>
                           <a:schemeClr val="dk1"/>
                         </a:solidFill>
@@ -15435,7 +15500,7 @@
                         <a:buNone/>
                       </a:pPr>
                       <a:r>
-                        <a:rPr sz="1200" b="0" i="0" kern="1200">
+                        <a:rPr sz="1200" b="0" i="0" kern="1200" dirty="0">
                           <a:solidFill>
                             <a:srgbClr val="0611F2"/>
                           </a:solidFill>
@@ -15444,7 +15509,7 @@
                         </a:rPr>
                         <a:t>템플릿 페이지</a:t>
                       </a:r>
-                      <a:endParaRPr lang="ko-KR" altLang="en-US" sz="1200" b="0" i="0" kern="1200">
+                      <a:endParaRPr lang="ko-KR" altLang="en-US" sz="1200" b="0" i="0" kern="1200" dirty="0">
                         <a:solidFill>
                           <a:srgbClr val="0611F2"/>
                         </a:solidFill>
@@ -15458,7 +15523,7 @@
                         <a:buNone/>
                       </a:pPr>
                       <a:r>
-                        <a:rPr sz="1200" b="0" i="0" kern="1200">
+                        <a:rPr sz="1200" b="0" i="0" kern="1200" dirty="0">
                           <a:solidFill>
                             <a:srgbClr val="0611F2"/>
                           </a:solidFill>
@@ -15467,7 +15532,7 @@
                         </a:rPr>
                         <a:t>구조 작성</a:t>
                       </a:r>
-                      <a:endParaRPr lang="ko-KR" altLang="en-US" sz="1200" b="0" i="0" kern="1200">
+                      <a:endParaRPr lang="ko-KR" altLang="en-US" sz="1200" b="0" i="0" kern="1200" dirty="0">
                         <a:solidFill>
                           <a:srgbClr val="0611F2"/>
                         </a:solidFill>
@@ -15882,7 +15947,7 @@
                         <a:buNone/>
                       </a:pPr>
                       <a:r>
-                        <a:rPr sz="1800" b="0" i="0" kern="1200">
+                        <a:rPr sz="1800" b="0" i="0" kern="1200" dirty="0">
                           <a:solidFill>
                             <a:schemeClr val="dk1"/>
                           </a:solidFill>
@@ -15891,7 +15956,7 @@
                         </a:rPr>
                         <a:t>27</a:t>
                       </a:r>
-                      <a:endParaRPr lang="ko-KR" altLang="en-US" sz="1800" b="0" i="0" kern="1200">
+                      <a:endParaRPr lang="ko-KR" altLang="en-US" sz="1800" b="0" i="0" kern="1200" dirty="0">
                         <a:solidFill>
                           <a:schemeClr val="dk1"/>
                         </a:solidFill>
@@ -15905,7 +15970,7 @@
                         <a:buNone/>
                       </a:pPr>
                       <a:r>
-                        <a:rPr sz="1200" b="0" i="0" kern="1200">
+                        <a:rPr sz="1200" b="0" i="0" kern="1200" dirty="0">
                           <a:solidFill>
                             <a:srgbClr val="0611F2"/>
                           </a:solidFill>
@@ -15914,7 +15979,7 @@
                         </a:rPr>
                         <a:t>관리자 페이지</a:t>
                       </a:r>
-                      <a:endParaRPr lang="ko-KR" altLang="en-US" sz="1200" b="0" i="0" kern="1200">
+                      <a:endParaRPr lang="ko-KR" altLang="en-US" sz="1200" b="0" i="0" kern="1200" dirty="0">
                         <a:solidFill>
                           <a:srgbClr val="0611F2"/>
                         </a:solidFill>
@@ -15983,7 +16048,7 @@
                         <a:buNone/>
                       </a:pPr>
                       <a:r>
-                        <a:rPr sz="1800" b="0" i="0" kern="1200" dirty="0">
+                        <a:rPr sz="1800" b="0" i="0" kern="1200" dirty="0" smtClean="0">
                           <a:solidFill>
                             <a:schemeClr val="dk1"/>
                           </a:solidFill>
@@ -15995,49 +16060,6 @@
                       <a:endParaRPr lang="ko-KR" altLang="en-US" sz="1800" b="0" i="0" kern="1200" dirty="0">
                         <a:solidFill>
                           <a:schemeClr val="dk1"/>
-                        </a:solidFill>
-                        <a:latin typeface="맑은 고딕" charset="0"/>
-                        <a:ea typeface="맑은 고딕" charset="0"/>
-                      </a:endParaRPr>
-                    </a:p>
-                    <a:p>
-                      <a:pPr marL="0" lvl="1" indent="0" hangingPunct="1">
-                        <a:buFontTx/>
-                        <a:buNone/>
-                      </a:pPr>
-                      <a:r>
-                        <a:rPr sz="1200" b="0" i="0" kern="1200" dirty="0" err="1" smtClean="0">
-                          <a:solidFill>
-                            <a:srgbClr val="0611F2"/>
-                          </a:solidFill>
-                          <a:latin typeface="맑은 고딕" charset="0"/>
-                          <a:ea typeface="맑은 고딕" charset="0"/>
-                        </a:rPr>
-                        <a:t>백엔</a:t>
-                      </a:r>
-                      <a:r>
-                        <a:rPr lang="ko-KR" altLang="en-US" sz="1200" b="0" i="0" kern="1200" dirty="0" err="1" smtClean="0">
-                          <a:solidFill>
-                            <a:srgbClr val="0611F2"/>
-                          </a:solidFill>
-                          <a:latin typeface="맑은 고딕" charset="0"/>
-                          <a:ea typeface="맑은 고딕" charset="0"/>
-                        </a:rPr>
-                        <a:t>드와의</a:t>
-                      </a:r>
-                      <a:r>
-                        <a:rPr lang="ko-KR" altLang="en-US" sz="1200" b="0" i="0" kern="1200" dirty="0" smtClean="0">
-                          <a:solidFill>
-                            <a:srgbClr val="0611F2"/>
-                          </a:solidFill>
-                          <a:latin typeface="맑은 고딕" charset="0"/>
-                          <a:ea typeface="맑은 고딕" charset="0"/>
-                        </a:rPr>
-                        <a:t> 협의</a:t>
-                      </a:r>
-                      <a:endParaRPr lang="ko-KR" altLang="en-US" sz="1200" b="0" i="0" kern="1200" dirty="0">
-                        <a:solidFill>
-                          <a:srgbClr val="0611F2"/>
                         </a:solidFill>
                         <a:latin typeface="맑은 고딕" charset="0"/>
                         <a:ea typeface="맑은 고딕" charset="0"/>
@@ -16150,14 +16172,14 @@
                         <a:buNone/>
                       </a:pPr>
                       <a:r>
-                        <a:rPr lang="ko-KR" altLang="en-US" sz="1200" b="0" i="0" kern="1200" dirty="0" smtClean="0">
+                        <a:rPr sz="1200" b="0" i="0" kern="1200" dirty="0" err="1">
                           <a:solidFill>
                             <a:srgbClr val="0611F2"/>
                           </a:solidFill>
                           <a:latin typeface="맑은 고딕" charset="0"/>
                           <a:ea typeface="맑은 고딕" charset="0"/>
                         </a:rPr>
-                        <a:t>작성</a:t>
+                        <a:t>js</a:t>
                       </a:r>
                       <a:endParaRPr lang="ko-KR" altLang="en-US" sz="1200" b="0" i="0" kern="1200" dirty="0">
                         <a:solidFill>
@@ -16319,7 +16341,7 @@
                         <a:buNone/>
                       </a:pPr>
                       <a:r>
-                        <a:rPr sz="1800" b="0" i="0" kern="1200">
+                        <a:rPr sz="1800" b="0" i="0" kern="1200" dirty="0">
                           <a:solidFill>
                             <a:srgbClr val="000000"/>
                           </a:solidFill>
@@ -16328,7 +16350,7 @@
                         </a:rPr>
                         <a:t>31</a:t>
                       </a:r>
-                      <a:endParaRPr lang="ko-KR" altLang="en-US" sz="1800" b="0" i="0" kern="1200">
+                      <a:endParaRPr lang="ko-KR" altLang="en-US" sz="1800" b="0" i="0" kern="1200" dirty="0">
                         <a:solidFill>
                           <a:srgbClr val="000000"/>
                         </a:solidFill>
@@ -16342,7 +16364,7 @@
                         <a:buNone/>
                       </a:pPr>
                       <a:r>
-                        <a:rPr sz="1200" b="0" i="0" kern="1200">
+                        <a:rPr sz="1200" b="0" i="0" kern="1200" dirty="0">
                           <a:solidFill>
                             <a:srgbClr val="0611F2"/>
                           </a:solidFill>
@@ -16351,7 +16373,7 @@
                         </a:rPr>
                         <a:t>회원가입 페이지</a:t>
                       </a:r>
-                      <a:endParaRPr lang="ko-KR" altLang="en-US" sz="1200" b="0" i="0" kern="1200">
+                      <a:endParaRPr lang="ko-KR" altLang="en-US" sz="1200" b="0" i="0" kern="1200" dirty="0">
                         <a:solidFill>
                           <a:srgbClr val="0611F2"/>
                         </a:solidFill>
@@ -16365,7 +16387,7 @@
                         <a:buNone/>
                       </a:pPr>
                       <a:r>
-                        <a:rPr sz="1200" b="0" i="0" kern="1200">
+                        <a:rPr sz="1200" b="0" i="0" kern="1200" dirty="0">
                           <a:solidFill>
                             <a:srgbClr val="0611F2"/>
                           </a:solidFill>
@@ -16375,7 +16397,7 @@
                         <a:t>내부 작성</a:t>
                       </a:r>
                       <a:br>
-                        <a:rPr sz="1200" b="0" i="0" kern="1200">
+                        <a:rPr sz="1200" b="0" i="0" kern="1200" dirty="0">
                           <a:solidFill>
                             <a:srgbClr val="0611F2"/>
                           </a:solidFill>
@@ -16384,16 +16406,36 @@
                         </a:rPr>
                       </a:br>
                       <a:r>
-                        <a:rPr sz="1200" b="0" i="0" kern="1200">
+                        <a:rPr sz="1200" b="0" i="0" kern="1200" dirty="0" err="1">
                           <a:solidFill>
                             <a:srgbClr val="0611F2"/>
                           </a:solidFill>
                           <a:latin typeface="맑은 고딕" charset="0"/>
                           <a:ea typeface="맑은 고딕" charset="0"/>
                         </a:rPr>
-                        <a:t>css, html</a:t>
+                        <a:t>css</a:t>
                       </a:r>
-                      <a:endParaRPr lang="ko-KR" altLang="en-US" sz="1200" b="0" i="0" kern="1200">
+                      <a:r>
+                        <a:rPr sz="1200" b="0" i="0" kern="1200" dirty="0">
+                          <a:solidFill>
+                            <a:srgbClr val="0611F2"/>
+                          </a:solidFill>
+                          <a:latin typeface="맑은 고딕" charset="0"/>
+                          <a:ea typeface="맑은 고딕" charset="0"/>
+                        </a:rPr>
+                        <a:t>, </a:t>
+                      </a:r>
+                      <a:r>
+                        <a:rPr sz="1200" b="0" i="0" kern="1200" dirty="0" err="1">
+                          <a:solidFill>
+                            <a:srgbClr val="0611F2"/>
+                          </a:solidFill>
+                          <a:latin typeface="맑은 고딕" charset="0"/>
+                          <a:ea typeface="맑은 고딕" charset="0"/>
+                        </a:rPr>
+                        <a:t>html</a:t>
+                      </a:r>
+                      <a:endParaRPr lang="ko-KR" altLang="en-US" sz="1200" b="0" i="0" kern="1200" dirty="0">
                         <a:solidFill>
                           <a:srgbClr val="0611F2"/>
                         </a:solidFill>
@@ -17336,16 +17378,26 @@
               <a:buNone/>
             </a:pPr>
             <a:r>
-              <a:rPr sz="1800">
+              <a:rPr lang="en-US" dirty="0">
                 <a:solidFill>
                   <a:srgbClr val="FFFFFF"/>
                 </a:solidFill>
                 <a:latin typeface="맑은 고딕" charset="0"/>
                 <a:ea typeface="맑은 고딕" charset="0"/>
               </a:rPr>
-              <a:t>3차</a:t>
-            </a:r>
-            <a:endParaRPr lang="ko-KR" altLang="en-US" sz="1800">
+              <a:t>2</a:t>
+            </a:r>
+            <a:r>
+              <a:rPr sz="1800" dirty="0" smtClean="0">
+                <a:solidFill>
+                  <a:srgbClr val="FFFFFF"/>
+                </a:solidFill>
+                <a:latin typeface="맑은 고딕" charset="0"/>
+                <a:ea typeface="맑은 고딕" charset="0"/>
+              </a:rPr>
+              <a:t>차</a:t>
+            </a:r>
+            <a:endParaRPr lang="ko-KR" altLang="en-US" sz="1800" dirty="0">
               <a:solidFill>
                 <a:srgbClr val="FFFFFF"/>
               </a:solidFill>
@@ -17483,72 +17535,6 @@
       </p:sp>
       <p:sp>
         <p:nvSpPr>
-          <p:cNvPr id="27" name="Rect 0"/>
-          <p:cNvSpPr>
-            <a:spLocks/>
-          </p:cNvSpPr>
-          <p:nvPr/>
-        </p:nvSpPr>
-        <p:spPr>
-          <a:xfrm>
-            <a:off x="3806189" y="3983990"/>
-            <a:ext cx="1518920" cy="580390"/>
-          </a:xfrm>
-          <a:prstGeom prst="rightArrow">
-            <a:avLst/>
-          </a:prstGeom>
-          <a:solidFill>
-            <a:srgbClr val="4472C4"/>
-          </a:solidFill>
-        </p:spPr>
-        <p:style>
-          <a:lnRef idx="2">
-            <a:schemeClr val="accent1">
-              <a:shade val="50000"/>
-            </a:schemeClr>
-          </a:lnRef>
-          <a:fillRef idx="1">
-            <a:schemeClr val="accent1"/>
-          </a:fillRef>
-          <a:effectRef idx="0">
-            <a:schemeClr val="accent1"/>
-          </a:effectRef>
-          <a:fontRef idx="minor">
-            <a:schemeClr val="lt1"/>
-          </a:fontRef>
-        </p:style>
-        <p:txBody>
-          <a:bodyPr vert="horz" wrap="square" lIns="91440" tIns="45720" rIns="91440" bIns="45720" numCol="1" anchor="ctr">
-            <a:noAutofit/>
-          </a:bodyPr>
-          <a:lstStyle/>
-          <a:p>
-            <a:pPr marL="0" indent="0" algn="ctr" hangingPunct="1">
-              <a:buFontTx/>
-              <a:buNone/>
-            </a:pPr>
-            <a:r>
-              <a:rPr sz="1800">
-                <a:solidFill>
-                  <a:srgbClr val="FFFFFF"/>
-                </a:solidFill>
-                <a:latin typeface="맑은 고딕" charset="0"/>
-                <a:ea typeface="맑은 고딕" charset="0"/>
-              </a:rPr>
-              <a:t>2차</a:t>
-            </a:r>
-            <a:endParaRPr lang="ko-KR" altLang="en-US" sz="1800">
-              <a:solidFill>
-                <a:srgbClr val="FFFFFF"/>
-              </a:solidFill>
-              <a:latin typeface="맑은 고딕" charset="0"/>
-              <a:ea typeface="맑은 고딕" charset="0"/>
-            </a:endParaRPr>
-          </a:p>
-        </p:txBody>
-      </p:sp>
-      <p:sp>
-        <p:nvSpPr>
           <p:cNvPr id="28" name="도형 4"/>
           <p:cNvSpPr>
             <a:spLocks/>
@@ -17594,16 +17580,26 @@
               <a:buNone/>
             </a:pPr>
             <a:r>
-              <a:rPr sz="1800">
+              <a:rPr lang="en-US" dirty="0">
                 <a:solidFill>
                   <a:srgbClr val="FFFFFF"/>
                 </a:solidFill>
                 <a:latin typeface="맑은 고딕" charset="0"/>
                 <a:ea typeface="맑은 고딕" charset="0"/>
               </a:rPr>
-              <a:t>4차</a:t>
-            </a:r>
-            <a:endParaRPr lang="ko-KR" altLang="en-US" sz="1800">
+              <a:t>3</a:t>
+            </a:r>
+            <a:r>
+              <a:rPr sz="1800" dirty="0" smtClean="0">
+                <a:solidFill>
+                  <a:srgbClr val="FFFFFF"/>
+                </a:solidFill>
+                <a:latin typeface="맑은 고딕" charset="0"/>
+                <a:ea typeface="맑은 고딕" charset="0"/>
+              </a:rPr>
+              <a:t>차</a:t>
+            </a:r>
+            <a:endParaRPr lang="ko-KR" altLang="en-US" sz="1800" dirty="0">
               <a:solidFill>
                 <a:srgbClr val="FFFFFF"/>
               </a:solidFill>
@@ -17623,7 +17619,7 @@
         </p:nvSpPr>
         <p:spPr>
           <a:xfrm>
-            <a:off x="699135" y="3950335"/>
+            <a:off x="699135" y="3881754"/>
             <a:ext cx="1518285" cy="580390"/>
           </a:xfrm>
           <a:prstGeom prst="rightArrow">
@@ -17794,7 +17790,7 @@
         <p:spPr>
           <a:xfrm>
             <a:off x="2238375" y="3944620"/>
-            <a:ext cx="1518920" cy="580390"/>
+            <a:ext cx="3053080" cy="580390"/>
           </a:xfrm>
           <a:prstGeom prst="rightArrow">
             <a:avLst/>
@@ -17918,7 +17914,7 @@
           <p:nvPr>
             <p:extLst>
               <p:ext uri="{D42A27DB-BD31-4B8C-83A1-F6EECF244321}">
-                <p14:modId xmlns:p14="http://schemas.microsoft.com/office/powerpoint/2010/main" val="1269546987"/>
+                <p14:modId xmlns:p14="http://schemas.microsoft.com/office/powerpoint/2010/main" val="1829848429"/>
               </p:ext>
             </p:extLst>
           </p:nvPr>
@@ -18956,7 +18952,7 @@
                         <a:buNone/>
                       </a:pPr>
                       <a:r>
-                        <a:rPr sz="1800" b="0" i="0" kern="1200">
+                        <a:rPr sz="1800" b="0" i="0" kern="1200" dirty="0">
                           <a:solidFill>
                             <a:srgbClr val="000000"/>
                           </a:solidFill>
@@ -18965,7 +18961,7 @@
                         </a:rPr>
                         <a:t>24</a:t>
                       </a:r>
-                      <a:endParaRPr lang="ko-KR" altLang="en-US" sz="1800" b="0" i="0" kern="1200">
+                      <a:endParaRPr lang="ko-KR" altLang="en-US" sz="1800" b="0" i="0" kern="1200" dirty="0">
                         <a:solidFill>
                           <a:srgbClr val="000000"/>
                         </a:solidFill>
@@ -18979,16 +18975,26 @@
                         <a:buNone/>
                       </a:pPr>
                       <a:r>
-                        <a:rPr sz="1200" b="0" i="0" kern="1200">
+                        <a:rPr sz="1200" b="0" i="0" kern="1200" dirty="0" err="1">
                           <a:solidFill>
                             <a:srgbClr val="FF0000"/>
                           </a:solidFill>
                           <a:latin typeface="맑은 고딕" charset="0"/>
                           <a:ea typeface="맑은 고딕" charset="0"/>
                         </a:rPr>
-                        <a:t>Test 데이터 삽입,</a:t>
+                        <a:t>Test</a:t>
                       </a:r>
-                      <a:endParaRPr lang="ko-KR" altLang="en-US" sz="1200" b="0" i="0" kern="1200">
+                      <a:r>
+                        <a:rPr sz="1200" b="0" i="0" kern="1200" dirty="0">
+                          <a:solidFill>
+                            <a:srgbClr val="FF0000"/>
+                          </a:solidFill>
+                          <a:latin typeface="맑은 고딕" charset="0"/>
+                          <a:ea typeface="맑은 고딕" charset="0"/>
+                        </a:rPr>
+                        <a:t> 데이터 삽입,</a:t>
+                      </a:r>
+                      <a:endParaRPr lang="ko-KR" altLang="en-US" sz="1200" b="0" i="0" kern="1200" dirty="0">
                         <a:solidFill>
                           <a:srgbClr val="FF0000"/>
                         </a:solidFill>
@@ -19002,16 +19008,26 @@
                         <a:buNone/>
                       </a:pPr>
                       <a:r>
-                        <a:rPr sz="1200" b="0" i="0" kern="1200">
+                        <a:rPr sz="1200" b="0" i="0" kern="1200" dirty="0" err="1">
                           <a:solidFill>
                             <a:srgbClr val="FF0000"/>
                           </a:solidFill>
                           <a:latin typeface="맑은 고딕" charset="0"/>
                           <a:ea typeface="맑은 고딕" charset="0"/>
                         </a:rPr>
-                        <a:t>controllers 경로</a:t>
+                        <a:t>controllers</a:t>
                       </a:r>
-                      <a:endParaRPr lang="ko-KR" altLang="en-US" sz="1200" b="0" i="0" kern="1200">
+                      <a:r>
+                        <a:rPr sz="1200" b="0" i="0" kern="1200" dirty="0">
+                          <a:solidFill>
+                            <a:srgbClr val="FF0000"/>
+                          </a:solidFill>
+                          <a:latin typeface="맑은 고딕" charset="0"/>
+                          <a:ea typeface="맑은 고딕" charset="0"/>
+                        </a:rPr>
+                        <a:t> 경로</a:t>
+                      </a:r>
+                      <a:endParaRPr lang="ko-KR" altLang="en-US" sz="1200" b="0" i="0" kern="1200" dirty="0">
                         <a:solidFill>
                           <a:srgbClr val="FF0000"/>
                         </a:solidFill>
@@ -19025,7 +19041,7 @@
                         <a:buNone/>
                       </a:pPr>
                       <a:r>
-                        <a:rPr sz="1200" b="0" i="0" kern="1200">
+                        <a:rPr sz="1200" b="0" i="0" kern="1200" dirty="0">
                           <a:solidFill>
                             <a:srgbClr val="FF0000"/>
                           </a:solidFill>
@@ -19034,7 +19050,7 @@
                         </a:rPr>
                         <a:t>추가</a:t>
                       </a:r>
-                      <a:endParaRPr lang="ko-KR" altLang="en-US" sz="1200" b="0" i="0" kern="1200">
+                      <a:endParaRPr lang="ko-KR" altLang="en-US" sz="1200" b="0" i="0" kern="1200" dirty="0">
                         <a:solidFill>
                           <a:srgbClr val="0611F2"/>
                         </a:solidFill>
@@ -19103,7 +19119,7 @@
                         <a:buNone/>
                       </a:pPr>
                       <a:r>
-                        <a:rPr sz="1800" b="0" i="0" kern="1200">
+                        <a:rPr sz="1800" b="0" i="0" kern="1200" dirty="0">
                           <a:solidFill>
                             <a:srgbClr val="0611F2"/>
                           </a:solidFill>
@@ -19112,7 +19128,7 @@
                         </a:rPr>
                         <a:t>25</a:t>
                       </a:r>
-                      <a:endParaRPr lang="ko-KR" altLang="en-US" sz="1800" b="0" i="0" kern="1200">
+                      <a:endParaRPr lang="ko-KR" altLang="en-US" sz="1800" b="0" i="0" kern="1200" dirty="0">
                         <a:solidFill>
                           <a:srgbClr val="0611F2"/>
                         </a:solidFill>
@@ -19126,7 +19142,7 @@
                         <a:buNone/>
                       </a:pPr>
                       <a:r>
-                        <a:rPr sz="1200" b="0" i="0" kern="1200">
+                        <a:rPr sz="1200" b="0" i="0" kern="1200" dirty="0">
                           <a:solidFill>
                             <a:srgbClr val="FF0000"/>
                           </a:solidFill>
@@ -19135,7 +19151,7 @@
                         </a:rPr>
                         <a:t>로그인 페이지 및</a:t>
                       </a:r>
-                      <a:endParaRPr lang="ko-KR" altLang="en-US" sz="1200" b="0" i="0" kern="1200">
+                      <a:endParaRPr lang="ko-KR" altLang="en-US" sz="1200" b="0" i="0" kern="1200" dirty="0">
                         <a:solidFill>
                           <a:srgbClr val="FF0000"/>
                         </a:solidFill>
@@ -19149,7 +19165,7 @@
                         <a:buNone/>
                       </a:pPr>
                       <a:r>
-                        <a:rPr sz="1200" b="0" i="0" kern="1200">
+                        <a:rPr sz="1200" b="0" i="0" kern="1200" dirty="0">
                           <a:solidFill>
                             <a:srgbClr val="FF0000"/>
                           </a:solidFill>
@@ -19158,7 +19174,7 @@
                         </a:rPr>
                         <a:t>회원가입 페이지</a:t>
                       </a:r>
-                      <a:endParaRPr lang="ko-KR" altLang="en-US" sz="1200" b="0" i="0" kern="1200">
+                      <a:endParaRPr lang="ko-KR" altLang="en-US" sz="1200" b="0" i="0" kern="1200" dirty="0">
                         <a:solidFill>
                           <a:srgbClr val="FF0000"/>
                         </a:solidFill>
@@ -19172,7 +19188,7 @@
                         <a:buNone/>
                       </a:pPr>
                       <a:r>
-                        <a:rPr sz="1200" b="0" i="0" kern="1200">
+                        <a:rPr sz="1200" b="0" i="0" kern="1200" dirty="0">
                           <a:solidFill>
                             <a:srgbClr val="FF0000"/>
                           </a:solidFill>
@@ -19181,7 +19197,7 @@
                         </a:rPr>
                         <a:t>기능 작성</a:t>
                       </a:r>
-                      <a:endParaRPr lang="ko-KR" altLang="en-US" sz="1200" b="0" i="0" kern="1200">
+                      <a:endParaRPr lang="ko-KR" altLang="en-US" sz="1200" b="0" i="0" kern="1200" dirty="0">
                         <a:solidFill>
                           <a:srgbClr val="FF0000"/>
                         </a:solidFill>
@@ -19348,7 +19364,7 @@
                         <a:buNone/>
                       </a:pPr>
                       <a:r>
-                        <a:rPr sz="1800" b="0" i="0" kern="1200">
+                        <a:rPr sz="1800" b="0" i="0" kern="1200" dirty="0">
                           <a:solidFill>
                             <a:schemeClr val="dk1"/>
                           </a:solidFill>
@@ -19357,7 +19373,7 @@
                         </a:rPr>
                         <a:t>27</a:t>
                       </a:r>
-                      <a:endParaRPr lang="ko-KR" altLang="en-US" sz="1800" b="0" i="0" kern="1200">
+                      <a:endParaRPr lang="ko-KR" altLang="en-US" sz="1800" b="0" i="0" kern="1200" dirty="0">
                         <a:solidFill>
                           <a:schemeClr val="dk1"/>
                         </a:solidFill>
@@ -19371,7 +19387,7 @@
                         <a:buNone/>
                       </a:pPr>
                       <a:r>
-                        <a:rPr sz="1200" b="0" i="0" kern="1200">
+                        <a:rPr sz="1200" b="0" i="0" kern="1200" dirty="0">
                           <a:solidFill>
                             <a:srgbClr val="FF0000"/>
                           </a:solidFill>
@@ -19380,7 +19396,7 @@
                         </a:rPr>
                         <a:t>유저 정보 및 채널</a:t>
                       </a:r>
-                      <a:endParaRPr lang="ko-KR" altLang="en-US" sz="1200" b="0" i="0" kern="1200">
+                      <a:endParaRPr lang="ko-KR" altLang="en-US" sz="1200" b="0" i="0" kern="1200" dirty="0">
                         <a:solidFill>
                           <a:srgbClr val="FF0000"/>
                         </a:solidFill>
@@ -19394,7 +19410,7 @@
                         <a:buNone/>
                       </a:pPr>
                       <a:r>
-                        <a:rPr sz="1200" b="0" i="0" kern="1200">
+                        <a:rPr sz="1200" b="0" i="0" kern="1200" dirty="0">
                           <a:solidFill>
                             <a:srgbClr val="FF0000"/>
                           </a:solidFill>
@@ -19403,7 +19419,7 @@
                         </a:rPr>
                         <a:t>페이지</a:t>
                       </a:r>
-                      <a:endParaRPr lang="ko-KR" altLang="en-US" sz="1200" b="0" i="0" kern="1200">
+                      <a:endParaRPr lang="ko-KR" altLang="en-US" sz="1200" b="0" i="0" kern="1200" dirty="0">
                         <a:solidFill>
                           <a:srgbClr val="FF0000"/>
                         </a:solidFill>
@@ -19417,7 +19433,7 @@
                         <a:buNone/>
                       </a:pPr>
                       <a:r>
-                        <a:rPr sz="1200" b="0" i="0" kern="1200">
+                        <a:rPr sz="1200" b="0" i="0" kern="1200" dirty="0">
                           <a:solidFill>
                             <a:srgbClr val="FF0000"/>
                           </a:solidFill>
@@ -19426,7 +19442,7 @@
                         </a:rPr>
                         <a:t>기능 코드 작성</a:t>
                       </a:r>
-                      <a:endParaRPr lang="ko-KR" altLang="en-US" sz="1200" b="0" i="0" kern="1200">
+                      <a:endParaRPr lang="ko-KR" altLang="en-US" sz="1200" b="0" i="0" kern="1200" dirty="0">
                         <a:solidFill>
                           <a:srgbClr val="FF0000"/>
                         </a:solidFill>
@@ -19495,7 +19511,7 @@
                         <a:buNone/>
                       </a:pPr>
                       <a:r>
-                        <a:rPr sz="1800" b="0" i="0" kern="1200" dirty="0" smtClean="0">
+                        <a:rPr sz="1800" b="0" i="0" kern="1200" dirty="0">
                           <a:solidFill>
                             <a:schemeClr val="dk1"/>
                           </a:solidFill>
@@ -19504,9 +19520,9 @@
                         </a:rPr>
                         <a:t>28</a:t>
                       </a:r>
-                      <a:endParaRPr lang="en-US" sz="1800" b="0" i="0" kern="1200" dirty="0" smtClean="0">
+                      <a:endParaRPr lang="ko-KR" altLang="en-US" sz="1200" b="0" i="0" kern="1200" dirty="0">
                         <a:solidFill>
-                          <a:schemeClr val="dk1"/>
+                          <a:srgbClr val="767171"/>
                         </a:solidFill>
                         <a:latin typeface="맑은 고딕" charset="0"/>
                         <a:ea typeface="맑은 고딕" charset="0"/>
@@ -19518,26 +19534,26 @@
                         <a:buNone/>
                       </a:pPr>
                       <a:r>
-                        <a:rPr lang="ko-KR" altLang="en-US" sz="1200" b="0" i="0" kern="1200" dirty="0" smtClean="0">
+                        <a:rPr sz="1200" b="0" i="0" kern="1200" dirty="0" err="1">
                           <a:solidFill>
                             <a:srgbClr val="FF0000"/>
                           </a:solidFill>
                           <a:latin typeface="맑은 고딕" charset="0"/>
                           <a:ea typeface="맑은 고딕" charset="0"/>
                         </a:rPr>
-                        <a:t>프런트 </a:t>
+                        <a:t>게시글</a:t>
                       </a:r>
                       <a:r>
-                        <a:rPr lang="ko-KR" altLang="en-US" sz="1200" b="0" i="0" kern="1200" dirty="0" err="1" smtClean="0">
+                        <a:rPr sz="1200" b="0" i="0" kern="1200" dirty="0">
                           <a:solidFill>
                             <a:srgbClr val="FF0000"/>
                           </a:solidFill>
                           <a:latin typeface="맑은 고딕" charset="0"/>
                           <a:ea typeface="맑은 고딕" charset="0"/>
                         </a:rPr>
-                        <a:t>엔드와의</a:t>
+                        <a:t> 및 운영자</a:t>
                       </a:r>
-                      <a:endParaRPr lang="en-US" altLang="ko-KR" sz="1200" b="0" i="0" kern="1200" dirty="0" smtClean="0">
+                      <a:endParaRPr lang="ko-KR" altLang="en-US" sz="1200" b="0" i="0" kern="1200" dirty="0">
                         <a:solidFill>
                           <a:srgbClr val="FF0000"/>
                         </a:solidFill>
@@ -19551,18 +19567,41 @@
                         <a:buNone/>
                       </a:pPr>
                       <a:r>
-                        <a:rPr lang="ko-KR" altLang="en-US" sz="1200" b="0" i="0" kern="1200" dirty="0" smtClean="0">
+                        <a:rPr sz="1200" b="0" i="0" kern="1200" dirty="0">
                           <a:solidFill>
                             <a:srgbClr val="FF0000"/>
                           </a:solidFill>
                           <a:latin typeface="맑은 고딕" charset="0"/>
                           <a:ea typeface="맑은 고딕" charset="0"/>
                         </a:rPr>
-                        <a:t>협의</a:t>
+                        <a:t>페이지</a:t>
                       </a:r>
                       <a:endParaRPr lang="ko-KR" altLang="en-US" sz="1200" b="0" i="0" kern="1200" dirty="0">
                         <a:solidFill>
-                          <a:srgbClr val="767171"/>
+                          <a:srgbClr val="FF0000"/>
+                        </a:solidFill>
+                        <a:latin typeface="맑은 고딕" charset="0"/>
+                        <a:ea typeface="맑은 고딕" charset="0"/>
+                      </a:endParaRPr>
+                    </a:p>
+                    <a:p>
+                      <a:pPr marL="0" lvl="1" indent="0" hangingPunct="1">
+                        <a:buFontTx/>
+                        <a:buNone/>
+                      </a:pPr>
+                      <a:r>
+                        <a:rPr sz="1200" b="0" i="0" kern="1200" dirty="0">
+                          <a:solidFill>
+                            <a:srgbClr val="FF0000"/>
+                          </a:solidFill>
+                          <a:latin typeface="맑은 고딕" charset="0"/>
+                          <a:ea typeface="맑은 고딕" charset="0"/>
+                        </a:rPr>
+                        <a:t>기능 코드 작성</a:t>
+                      </a:r>
+                      <a:endParaRPr lang="ko-KR" altLang="en-US" sz="1200" b="0" i="0" kern="1200" dirty="0">
+                        <a:solidFill>
+                          <a:srgbClr val="FF0000"/>
                         </a:solidFill>
                         <a:latin typeface="맑은 고딕" charset="0"/>
                         <a:ea typeface="맑은 고딕" charset="0"/>
@@ -19629,7 +19668,7 @@
                         <a:buNone/>
                       </a:pPr>
                       <a:r>
-                        <a:rPr sz="1800" b="0" i="0" kern="1200" dirty="0" smtClean="0">
+                        <a:rPr sz="1800" b="0" i="0" kern="1200" dirty="0">
                           <a:solidFill>
                             <a:schemeClr val="dk1"/>
                           </a:solidFill>
@@ -19638,7 +19677,7 @@
                         </a:rPr>
                         <a:t>29</a:t>
                       </a:r>
-                      <a:endParaRPr lang="en-US" sz="1800" b="0" i="0" kern="1200" dirty="0" smtClean="0">
+                      <a:endParaRPr lang="ko-KR" altLang="en-US" sz="1800" b="0" i="0" kern="1200" dirty="0">
                         <a:solidFill>
                           <a:schemeClr val="dk1"/>
                         </a:solidFill>
@@ -19652,25 +19691,22 @@
                         <a:buNone/>
                       </a:pPr>
                       <a:r>
-                        <a:rPr lang="ko-KR" altLang="en-US" sz="1200" b="0" i="0" kern="1200" dirty="0" err="1" smtClean="0">
+                        <a:rPr sz="1200" b="0" i="0" kern="1200" dirty="0">
                           <a:solidFill>
                             <a:srgbClr val="FF0000"/>
                           </a:solidFill>
                           <a:latin typeface="맑은 고딕" charset="0"/>
                           <a:ea typeface="맑은 고딕" charset="0"/>
                         </a:rPr>
-                        <a:t>게시글</a:t>
+                        <a:t>글쓰기</a:t>
                       </a:r>
-                      <a:r>
-                        <a:rPr lang="ko-KR" altLang="en-US" sz="1200" b="0" i="0" kern="1200" dirty="0" smtClean="0">
-                          <a:solidFill>
-                            <a:srgbClr val="FF0000"/>
-                          </a:solidFill>
-                          <a:latin typeface="맑은 고딕" charset="0"/>
-                          <a:ea typeface="맑은 고딕" charset="0"/>
-                        </a:rPr>
-                        <a:t> 및 운영자</a:t>
-                      </a:r>
+                      <a:endParaRPr lang="ko-KR" altLang="en-US" sz="1200" b="0" i="0" kern="1200" dirty="0">
+                        <a:solidFill>
+                          <a:srgbClr val="FF0000"/>
+                        </a:solidFill>
+                        <a:latin typeface="맑은 고딕" charset="0"/>
+                        <a:ea typeface="맑은 고딕" charset="0"/>
+                      </a:endParaRPr>
                     </a:p>
                     <a:p>
                       <a:pPr marL="0" lvl="1" indent="0" hangingPunct="1">
@@ -19678,7 +19714,7 @@
                         <a:buNone/>
                       </a:pPr>
                       <a:r>
-                        <a:rPr lang="ko-KR" altLang="en-US" sz="1200" b="0" i="0" kern="1200" dirty="0" smtClean="0">
+                        <a:rPr sz="1200" b="0" i="0" kern="1200" dirty="0">
                           <a:solidFill>
                             <a:srgbClr val="FF0000"/>
                           </a:solidFill>
@@ -19687,6 +19723,13 @@
                         </a:rPr>
                         <a:t>페이지</a:t>
                       </a:r>
+                      <a:endParaRPr lang="ko-KR" altLang="en-US" sz="1200" b="0" i="0" kern="1200" dirty="0">
+                        <a:solidFill>
+                          <a:srgbClr val="FF0000"/>
+                        </a:solidFill>
+                        <a:latin typeface="맑은 고딕" charset="0"/>
+                        <a:ea typeface="맑은 고딕" charset="0"/>
+                      </a:endParaRPr>
                     </a:p>
                     <a:p>
                       <a:pPr marL="0" lvl="1" indent="0" hangingPunct="1">
@@ -19694,24 +19737,18 @@
                         <a:buNone/>
                       </a:pPr>
                       <a:r>
-                        <a:rPr lang="ko-KR" altLang="en-US" sz="1200" b="0" i="0" kern="1200" dirty="0" smtClean="0">
+                        <a:rPr sz="1200" b="0" i="0" kern="1200" dirty="0">
                           <a:solidFill>
                             <a:srgbClr val="FF0000"/>
                           </a:solidFill>
                           <a:latin typeface="맑은 고딕" charset="0"/>
                           <a:ea typeface="맑은 고딕" charset="0"/>
                         </a:rPr>
-                        <a:t>기능 코드 작성</a:t>
+                        <a:t>기능 작성</a:t>
                       </a:r>
-                    </a:p>
-                    <a:p>
-                      <a:pPr marL="0" lvl="1" indent="0" hangingPunct="1">
-                        <a:buFontTx/>
-                        <a:buNone/>
-                      </a:pPr>
-                      <a:endParaRPr sz="1800" b="0" i="0" kern="1200" dirty="0" smtClean="0">
+                      <a:endParaRPr lang="ko-KR" altLang="en-US" sz="1200" b="0" i="0" kern="1200" dirty="0">
                         <a:solidFill>
-                          <a:schemeClr val="dk1"/>
+                          <a:srgbClr val="0611F2"/>
                         </a:solidFill>
                         <a:latin typeface="맑은 고딕" charset="0"/>
                         <a:ea typeface="맑은 고딕" charset="0"/>
@@ -19796,55 +19833,86 @@
                       </a:endParaRPr>
                     </a:p>
                     <a:p>
-                      <a:pPr marL="0" lvl="1" indent="0" hangingPunct="1">
+                      <a:pPr marL="0" marR="0" lvl="1" indent="0" defTabSz="914400" eaLnBrk="1" fontAlgn="auto" latinLnBrk="1" hangingPunct="1">
+                        <a:lnSpc>
+                          <a:spcPct val="100000"/>
+                        </a:lnSpc>
+                        <a:spcBef>
+                          <a:spcPts val="0"/>
+                        </a:spcBef>
+                        <a:spcAft>
+                          <a:spcPts val="0"/>
+                        </a:spcAft>
+                        <a:buClrTx/>
+                        <a:buSzTx/>
                         <a:buFontTx/>
                         <a:buNone/>
+                        <a:tabLst/>
+                        <a:defRPr/>
                       </a:pPr>
                       <a:r>
-                        <a:rPr lang="ko-KR" altLang="en-US" sz="1200" b="0" i="0" kern="1200" dirty="0" smtClean="0">
+                        <a:rPr lang="en-US" altLang="ko-KR" sz="1200" b="0" i="0" kern="1200" dirty="0" err="1" smtClean="0">
                           <a:solidFill>
                             <a:srgbClr val="FF0000"/>
                           </a:solidFill>
                           <a:latin typeface="맑은 고딕" charset="0"/>
                           <a:ea typeface="맑은 고딕" charset="0"/>
                         </a:rPr>
-                        <a:t>글쓰기</a:t>
+                        <a:t>api</a:t>
                       </a:r>
-                    </a:p>
-                    <a:p>
-                      <a:pPr marL="0" lvl="1" indent="0" hangingPunct="1">
-                        <a:buFontTx/>
-                        <a:buNone/>
-                      </a:pPr>
                       <a:r>
-                        <a:rPr lang="ko-KR" altLang="en-US" sz="1200" b="0" i="0" kern="1200" dirty="0" smtClean="0">
+                        <a:rPr lang="en-US" altLang="ko-KR" sz="1200" b="0" i="0" kern="1200" baseline="0" dirty="0" smtClean="0">
                           <a:solidFill>
                             <a:srgbClr val="FF0000"/>
                           </a:solidFill>
                           <a:latin typeface="맑은 고딕" charset="0"/>
                           <a:ea typeface="맑은 고딕" charset="0"/>
                         </a:rPr>
-                        <a:t>페이지</a:t>
+                        <a:t> </a:t>
                       </a:r>
-                    </a:p>
-                    <a:p>
-                      <a:pPr marL="0" lvl="1" indent="0" hangingPunct="1">
-                        <a:buFontTx/>
-                        <a:buNone/>
-                      </a:pPr>
                       <a:r>
-                        <a:rPr lang="ko-KR" altLang="en-US" sz="1200" b="0" i="0" kern="1200" dirty="0" smtClean="0">
+                        <a:rPr lang="ko-KR" altLang="en-US" sz="1200" b="0" i="0" kern="1200" baseline="0" dirty="0" smtClean="0">
                           <a:solidFill>
                             <a:srgbClr val="FF0000"/>
                           </a:solidFill>
                           <a:latin typeface="맑은 고딕" charset="0"/>
                           <a:ea typeface="맑은 고딕" charset="0"/>
                         </a:rPr>
-                        <a:t>기능 작성</a:t>
+                        <a:t>및 </a:t>
+                      </a:r>
+                      <a:r>
+                        <a:rPr lang="en-US" altLang="ko-KR" sz="1200" b="0" i="0" kern="1200" baseline="0" dirty="0" err="1" smtClean="0">
+                          <a:solidFill>
+                            <a:srgbClr val="FF0000"/>
+                          </a:solidFill>
+                          <a:latin typeface="맑은 고딕" charset="0"/>
+                          <a:ea typeface="맑은 고딕" charset="0"/>
+                        </a:rPr>
+                        <a:t>erd</a:t>
+                      </a:r>
+                      <a:r>
+                        <a:rPr lang="en-US" altLang="ko-KR" sz="1200" b="0" i="0" kern="1200" baseline="0" dirty="0" smtClean="0">
+                          <a:solidFill>
+                            <a:srgbClr val="FF0000"/>
+                          </a:solidFill>
+                          <a:latin typeface="맑은 고딕" charset="0"/>
+                          <a:ea typeface="맑은 고딕" charset="0"/>
+                        </a:rPr>
+                        <a:t> </a:t>
+                      </a:r>
+                      <a:r>
+                        <a:rPr lang="ko-KR" altLang="en-US" sz="1200" b="0" i="0" kern="1200" baseline="0" dirty="0" smtClean="0">
+                          <a:solidFill>
+                            <a:srgbClr val="FF0000"/>
+                          </a:solidFill>
+                          <a:latin typeface="맑은 고딕" charset="0"/>
+                          <a:ea typeface="맑은 고딕" charset="0"/>
+                        </a:rPr>
+                        <a:t>점검 및 수정</a:t>
                       </a:r>
                       <a:endParaRPr lang="ko-KR" altLang="en-US" sz="1200" b="0" i="0" kern="1200" dirty="0" smtClean="0">
                         <a:solidFill>
-                          <a:srgbClr val="0611F2"/>
+                          <a:srgbClr val="FF0000"/>
                         </a:solidFill>
                         <a:latin typeface="맑은 고딕" charset="0"/>
                         <a:ea typeface="맑은 고딕" charset="0"/>
@@ -20015,7 +20083,7 @@
                         <a:buNone/>
                       </a:pPr>
                       <a:r>
-                        <a:rPr sz="1800" b="0" i="0" kern="1200" dirty="0">
+                        <a:rPr sz="1800" b="0" i="0" kern="1200" dirty="0" smtClean="0">
                           <a:solidFill>
                             <a:srgbClr val="0611F2"/>
                           </a:solidFill>
@@ -20024,56 +20092,6 @@
                         </a:rPr>
                         <a:t>1</a:t>
                       </a:r>
-                      <a:endParaRPr lang="ko-KR" altLang="en-US" sz="1800" b="0" i="0" kern="1200" dirty="0">
-                        <a:solidFill>
-                          <a:srgbClr val="0611F2"/>
-                        </a:solidFill>
-                        <a:latin typeface="맑은 고딕" charset="0"/>
-                        <a:ea typeface="맑은 고딕" charset="0"/>
-                      </a:endParaRPr>
-                    </a:p>
-                    <a:p>
-                      <a:pPr marL="0" lvl="1" indent="0" hangingPunct="1">
-                        <a:buFontTx/>
-                        <a:buNone/>
-                      </a:pPr>
-                      <a:r>
-                        <a:rPr sz="1200" b="0" i="0" kern="1200" dirty="0">
-                          <a:solidFill>
-                            <a:srgbClr val="FF0000"/>
-                          </a:solidFill>
-                          <a:latin typeface="맑은 고딕" charset="0"/>
-                          <a:ea typeface="맑은 고딕" charset="0"/>
-                        </a:rPr>
-                        <a:t>프런트 </a:t>
-                      </a:r>
-                      <a:r>
-                        <a:rPr sz="1200" b="0" i="0" kern="1200" dirty="0" err="1" smtClean="0">
-                          <a:solidFill>
-                            <a:srgbClr val="FF0000"/>
-                          </a:solidFill>
-                          <a:latin typeface="맑은 고딕" charset="0"/>
-                          <a:ea typeface="맑은 고딕" charset="0"/>
-                        </a:rPr>
-                        <a:t>엔드</a:t>
-                      </a:r>
-                      <a:r>
-                        <a:rPr lang="ko-KR" altLang="en-US" sz="1200" b="0" i="0" kern="1200" dirty="0" err="1" smtClean="0">
-                          <a:solidFill>
-                            <a:srgbClr val="FF0000"/>
-                          </a:solidFill>
-                          <a:latin typeface="맑은 고딕" charset="0"/>
-                          <a:ea typeface="맑은 고딕" charset="0"/>
-                        </a:rPr>
-                        <a:t>와의</a:t>
-                      </a:r>
-                      <a:endParaRPr lang="ko-KR" altLang="en-US" sz="1200" b="0" i="0" kern="1200" dirty="0">
-                        <a:solidFill>
-                          <a:srgbClr val="FF0000"/>
-                        </a:solidFill>
-                        <a:latin typeface="맑은 고딕" charset="0"/>
-                        <a:ea typeface="맑은 고딕" charset="0"/>
-                      </a:endParaRPr>
                     </a:p>
                   </a:txBody>
                   <a:tcPr marL="90170" marR="90170" marT="46990" marB="46990">
@@ -21172,8 +21190,8 @@
         </p:nvSpPr>
         <p:spPr>
           <a:xfrm>
-            <a:off x="6893560" y="3899191"/>
-            <a:ext cx="3042920" cy="579755"/>
+            <a:off x="5339080" y="3879215"/>
+            <a:ext cx="1530985" cy="579755"/>
           </a:xfrm>
           <a:prstGeom prst="rightArrow">
             <a:avLst/>
@@ -21206,26 +21224,16 @@
           <a:p>
             <a:pPr marL="0" indent="0" algn="ctr" hangingPunct="1"/>
             <a:r>
-              <a:rPr lang="en-US" dirty="0">
+              <a:rPr sz="1800">
                 <a:solidFill>
                   <a:srgbClr val="FFFFFF"/>
                 </a:solidFill>
                 <a:latin typeface="맑은 고딕" charset="0"/>
                 <a:ea typeface="맑은 고딕" charset="0"/>
               </a:rPr>
-              <a:t>4</a:t>
-            </a:r>
-            <a:r>
-              <a:rPr sz="1800" dirty="0" smtClean="0">
-                <a:solidFill>
-                  <a:srgbClr val="FFFFFF"/>
-                </a:solidFill>
-                <a:latin typeface="맑은 고딕" charset="0"/>
-                <a:ea typeface="맑은 고딕" charset="0"/>
-              </a:rPr>
-              <a:t>차</a:t>
-            </a:r>
-            <a:endParaRPr lang="ko-KR" altLang="en-US" sz="1800" dirty="0">
+              <a:t>3차</a:t>
+            </a:r>
+            <a:endParaRPr lang="ko-KR" altLang="en-US" sz="1800">
               <a:solidFill>
                 <a:srgbClr val="FFFFFF"/>
               </a:solidFill>
@@ -21245,8 +21253,8 @@
         </p:nvSpPr>
         <p:spPr>
           <a:xfrm>
-            <a:off x="9971405" y="3888740"/>
-            <a:ext cx="1498600" cy="579755"/>
+            <a:off x="6869429" y="3888740"/>
+            <a:ext cx="3100705" cy="579755"/>
           </a:xfrm>
           <a:prstGeom prst="rightArrow">
             <a:avLst/>
@@ -21279,26 +21287,16 @@
           <a:p>
             <a:pPr marL="0" indent="0" algn="ctr" hangingPunct="1"/>
             <a:r>
-              <a:rPr lang="en-US" dirty="0">
+              <a:rPr sz="1800">
                 <a:solidFill>
                   <a:srgbClr val="FFFFFF"/>
                 </a:solidFill>
                 <a:latin typeface="맑은 고딕" charset="0"/>
                 <a:ea typeface="맑은 고딕" charset="0"/>
               </a:rPr>
-              <a:t>5</a:t>
-            </a:r>
-            <a:r>
-              <a:rPr sz="1800" dirty="0" smtClean="0">
-                <a:solidFill>
-                  <a:srgbClr val="FFFFFF"/>
-                </a:solidFill>
-                <a:latin typeface="맑은 고딕" charset="0"/>
-                <a:ea typeface="맑은 고딕" charset="0"/>
-              </a:rPr>
-              <a:t>차</a:t>
-            </a:r>
-            <a:endParaRPr lang="ko-KR" altLang="en-US" sz="1800" dirty="0">
+              <a:t>4차</a:t>
+            </a:r>
+            <a:endParaRPr lang="ko-KR" altLang="en-US" sz="1800">
               <a:solidFill>
                 <a:srgbClr val="FFFFFF"/>
               </a:solidFill>
@@ -21444,7 +21442,7 @@
         </p:nvSpPr>
         <p:spPr>
           <a:xfrm>
-            <a:off x="5319395" y="3915410"/>
+            <a:off x="3791585" y="3911600"/>
             <a:ext cx="1527810" cy="579755"/>
           </a:xfrm>
           <a:prstGeom prst="rightArrow">
@@ -21478,80 +21476,7 @@
           <a:p>
             <a:pPr marL="0" indent="0" algn="ctr" hangingPunct="1"/>
             <a:r>
-              <a:rPr lang="en-US" dirty="0">
-                <a:solidFill>
-                  <a:srgbClr val="FFFFFF"/>
-                </a:solidFill>
-                <a:latin typeface="맑은 고딕" charset="0"/>
-                <a:ea typeface="맑은 고딕" charset="0"/>
-              </a:rPr>
-              <a:t>3</a:t>
-            </a:r>
-            <a:r>
-              <a:rPr sz="1800" dirty="0" smtClean="0">
-                <a:solidFill>
-                  <a:srgbClr val="FFFFFF"/>
-                </a:solidFill>
-                <a:latin typeface="맑은 고딕" charset="0"/>
-                <a:ea typeface="맑은 고딕" charset="0"/>
-              </a:rPr>
-              <a:t>차</a:t>
-            </a:r>
-            <a:endParaRPr lang="ko-KR" altLang="en-US" sz="1800" dirty="0">
-              <a:solidFill>
-                <a:srgbClr val="FFFFFF"/>
-              </a:solidFill>
-              <a:latin typeface="맑은 고딕" charset="0"/>
-              <a:ea typeface="맑은 고딕" charset="0"/>
-            </a:endParaRPr>
-          </a:p>
-        </p:txBody>
-      </p:sp>
-      <p:sp>
-        <p:nvSpPr>
-          <p:cNvPr id="22" name="Rect 0"/>
-          <p:cNvSpPr>
-            <a:spLocks/>
-          </p:cNvSpPr>
-          <p:nvPr/>
-        </p:nvSpPr>
-        <p:spPr>
-          <a:xfrm>
-            <a:off x="3775710" y="3912234"/>
-            <a:ext cx="1527810" cy="579755"/>
-          </a:xfrm>
-          <a:prstGeom prst="rightArrow">
-            <a:avLst/>
-          </a:prstGeom>
-          <a:solidFill>
-            <a:srgbClr val="4472C4"/>
-          </a:solidFill>
-        </p:spPr>
-        <p:style>
-          <a:lnRef idx="2">
-            <a:schemeClr val="accent1">
-              <a:shade val="50000"/>
-            </a:schemeClr>
-          </a:lnRef>
-          <a:fillRef idx="1">
-            <a:schemeClr val="accent1"/>
-          </a:fillRef>
-          <a:effectRef idx="0">
-            <a:schemeClr val="accent1"/>
-          </a:effectRef>
-          <a:fontRef idx="minor">
-            <a:schemeClr val="lt1"/>
-          </a:fontRef>
-        </p:style>
-        <p:txBody>
-          <a:bodyPr vert="horz" wrap="square" lIns="91440" tIns="45720" rIns="91440" bIns="45720" anchor="ctr">
-            <a:noAutofit/>
-          </a:bodyPr>
-          <a:lstStyle/>
-          <a:p>
-            <a:pPr marL="0" indent="0" algn="ctr" hangingPunct="1"/>
-            <a:r>
-              <a:rPr sz="1800" dirty="0">
+              <a:rPr sz="1800">
                 <a:solidFill>
                   <a:srgbClr val="FFFFFF"/>
                 </a:solidFill>
@@ -21560,7 +21485,7 @@
               </a:rPr>
               <a:t>2차</a:t>
             </a:r>
-            <a:endParaRPr lang="ko-KR" altLang="en-US" sz="1800" dirty="0">
+            <a:endParaRPr lang="ko-KR" altLang="en-US" sz="1800">
               <a:solidFill>
                 <a:srgbClr val="FFFFFF"/>
               </a:solidFill>

--- a/스케줄표.pptx
+++ b/스케줄표.pptx
@@ -7582,7 +7582,7 @@
           <a:p>
             <a:pPr algn="l" rtl="0"/>
             <a:r>
-              <a:rPr lang="en-US" altLang="ko-KR" sz="6000" dirty="0">
+              <a:rPr lang="en-US" altLang="ko-KR" sz="6000" smtClean="0">
                 <a:solidFill>
                   <a:srgbClr val="0611F2"/>
                 </a:solidFill>
@@ -7592,14 +7592,34 @@
               <a:t>Html</a:t>
             </a:r>
             <a:r>
-              <a:rPr lang="ko-KR" altLang="en-US" sz="6000" dirty="0">
+              <a:rPr lang="ko-KR" altLang="en-US" sz="6000">
                 <a:solidFill>
                   <a:srgbClr val="0611F2"/>
                 </a:solidFill>
                 <a:latin typeface="맑은 고딕" charset="0"/>
                 <a:ea typeface="맑은 고딕" charset="0"/>
               </a:rPr>
-              <a:t>에 삽입하는 </a:t>
+              <a:t>를</a:t>
+            </a:r>
+            <a:r>
+              <a:rPr lang="ko-KR" altLang="en-US" sz="6000" smtClean="0">
+                <a:solidFill>
+                  <a:srgbClr val="0611F2"/>
+                </a:solidFill>
+                <a:latin typeface="맑은 고딕" charset="0"/>
+                <a:ea typeface="맑은 고딕" charset="0"/>
+              </a:rPr>
+              <a:t> </a:t>
+            </a:r>
+            <a:r>
+              <a:rPr lang="ko-KR" altLang="en-US" sz="6000" dirty="0">
+                <a:solidFill>
+                  <a:srgbClr val="0611F2"/>
+                </a:solidFill>
+                <a:latin typeface="맑은 고딕" charset="0"/>
+                <a:ea typeface="맑은 고딕" charset="0"/>
+              </a:rPr>
+              <a:t>삽입하는 </a:t>
             </a:r>
             <a:r>
               <a:rPr lang="en-US" altLang="ko-KR" sz="6000" dirty="0" err="1">
@@ -12853,13 +12873,6 @@
                         </a:rPr>
                         <a:t>데이터 요청 코드 작성</a:t>
                       </a:r>
-                      <a:endParaRPr lang="ko-KR" altLang="en-US" sz="1200" b="0" i="0" kern="1200" dirty="0" smtClean="0">
-                        <a:solidFill>
-                          <a:srgbClr val="0611F2"/>
-                        </a:solidFill>
-                        <a:latin typeface="맑은 고딕" charset="0"/>
-                        <a:ea typeface="맑은 고딕" charset="0"/>
-                      </a:endParaRPr>
                     </a:p>
                   </a:txBody>
                   <a:tcPr marL="90170" marR="90170" marT="46990" marB="46990">

--- a/스케줄표.pptx
+++ b/스케줄표.pptx
@@ -226,7 +226,7 @@
           <a:p>
             <a:fld id="{4E9214C1-2863-45BA-A7C5-D5EA3C3D4C30}" type="datetimeFigureOut">
               <a:rPr lang="ko-KR" altLang="en-US" smtClean="0"/>
-              <a:t>2024-05-27</a:t>
+              <a:t>2024-05-28</a:t>
             </a:fld>
             <a:endParaRPr lang="ko-KR" altLang="en-US"/>
           </a:p>
@@ -391,7 +391,7 @@
           <a:p>
             <a:fld id="{8F563C85-90F6-445D-9B5B-8ABB00FB3043}" type="datetimeFigureOut">
               <a:rPr lang="ko-KR" altLang="en-US" smtClean="0"/>
-              <a:t>2024-05-27</a:t>
+              <a:t>2024-05-28</a:t>
             </a:fld>
             <a:endParaRPr lang="ko-KR" altLang="en-US"/>
           </a:p>
@@ -963,7 +963,7 @@
             </a:pPr>
             <a:fld id="{B9320F77-B9A0-41C5-862A-B4B631284C64}" type="datetime1">
               <a:rPr lang="ko-KR" altLang="en-US"/>
-              <a:t>2024-05-27</a:t>
+              <a:t>2024-05-28</a:t>
             </a:fld>
             <a:endParaRPr lang="ko-KR" altLang="en-US"/>
           </a:p>
@@ -1222,7 +1222,7 @@
             </a:pPr>
             <a:fld id="{B9320F77-B9A0-41C5-862A-B4B631284C64}" type="datetime1">
               <a:rPr lang="ko-KR" altLang="en-US"/>
-              <a:t>2024-05-27</a:t>
+              <a:t>2024-05-28</a:t>
             </a:fld>
             <a:endParaRPr lang="ko-KR" altLang="en-US"/>
           </a:p>
@@ -1481,7 +1481,7 @@
             </a:pPr>
             <a:fld id="{B9320F77-B9A0-41C5-862A-B4B631284C64}" type="datetime1">
               <a:rPr lang="ko-KR" altLang="en-US"/>
-              <a:t>2024-05-27</a:t>
+              <a:t>2024-05-28</a:t>
             </a:fld>
             <a:endParaRPr lang="ko-KR" altLang="en-US"/>
           </a:p>
@@ -1740,7 +1740,7 @@
             </a:pPr>
             <a:fld id="{B9320F77-B9A0-41C5-862A-B4B631284C64}" type="datetime1">
               <a:rPr lang="ko-KR" altLang="en-US"/>
-              <a:t>2024-05-27</a:t>
+              <a:t>2024-05-28</a:t>
             </a:fld>
             <a:endParaRPr lang="ko-KR" altLang="en-US"/>
           </a:p>
@@ -2065,7 +2065,7 @@
             </a:pPr>
             <a:fld id="{B9320F77-B9A0-41C5-862A-B4B631284C64}" type="datetime1">
               <a:rPr lang="ko-KR" altLang="en-US"/>
-              <a:t>2024-05-27</a:t>
+              <a:t>2024-05-28</a:t>
             </a:fld>
             <a:endParaRPr lang="ko-KR" altLang="en-US"/>
           </a:p>
@@ -2492,7 +2492,7 @@
             </a:pPr>
             <a:fld id="{B9320F77-B9A0-41C5-862A-B4B631284C64}" type="datetime1">
               <a:rPr lang="ko-KR" altLang="en-US"/>
-              <a:t>2024-05-27</a:t>
+              <a:t>2024-05-28</a:t>
             </a:fld>
             <a:endParaRPr lang="ko-KR" altLang="en-US"/>
           </a:p>
@@ -3089,7 +3089,7 @@
             </a:pPr>
             <a:fld id="{B9320F77-B9A0-41C5-862A-B4B631284C64}" type="datetime1">
               <a:rPr lang="ko-KR" altLang="en-US"/>
-              <a:t>2024-05-27</a:t>
+              <a:t>2024-05-28</a:t>
             </a:fld>
             <a:endParaRPr lang="ko-KR" altLang="en-US"/>
           </a:p>
@@ -3272,7 +3272,7 @@
             </a:pPr>
             <a:fld id="{B9320F77-B9A0-41C5-862A-B4B631284C64}" type="datetime1">
               <a:rPr lang="ko-KR" altLang="en-US"/>
-              <a:t>2024-05-27</a:t>
+              <a:t>2024-05-28</a:t>
             </a:fld>
             <a:endParaRPr lang="ko-KR" altLang="en-US"/>
           </a:p>
@@ -3419,7 +3419,7 @@
             </a:pPr>
             <a:fld id="{B9320F77-B9A0-41C5-862A-B4B631284C64}" type="datetime1">
               <a:rPr lang="ko-KR" altLang="en-US"/>
-              <a:t>2024-05-27</a:t>
+              <a:t>2024-05-28</a:t>
             </a:fld>
             <a:endParaRPr lang="ko-KR" altLang="en-US"/>
           </a:p>
@@ -3812,7 +3812,7 @@
             </a:pPr>
             <a:fld id="{B9320F77-B9A0-41C5-862A-B4B631284C64}" type="datetime1">
               <a:rPr lang="ko-KR" altLang="en-US"/>
-              <a:t>2024-05-27</a:t>
+              <a:t>2024-05-28</a:t>
             </a:fld>
             <a:endParaRPr lang="ko-KR" altLang="en-US"/>
           </a:p>
@@ -4103,7 +4103,7 @@
             </a:pPr>
             <a:fld id="{B9320F77-B9A0-41C5-862A-B4B631284C64}" type="datetime1">
               <a:rPr lang="ko-KR" altLang="en-US"/>
-              <a:t>2024-05-27</a:t>
+              <a:t>2024-05-28</a:t>
             </a:fld>
             <a:endParaRPr lang="ko-KR" altLang="en-US"/>
           </a:p>
@@ -4461,7 +4461,7 @@
             </a:pPr>
             <a:fld id="{B9320F77-B9A0-41C5-862A-B4B631284C64}" type="datetime1">
               <a:rPr lang="ko-KR" altLang="en-US"/>
-              <a:t>2024-05-27</a:t>
+              <a:t>2024-05-28</a:t>
             </a:fld>
             <a:endParaRPr lang="ko-KR" altLang="en-US"/>
           </a:p>
@@ -7369,24 +7369,14 @@
           <a:p>
             <a:pPr algn="l" rtl="0"/>
             <a:r>
-              <a:rPr lang="ko-KR" altLang="en-US" sz="6000" dirty="0" err="1" smtClean="0">
+              <a:rPr lang="ko-KR" altLang="en-US" sz="6000" dirty="0" smtClean="0">
                 <a:solidFill>
                   <a:srgbClr val="0611F2"/>
                 </a:solidFill>
                 <a:latin typeface="맑은 고딕" charset="0"/>
                 <a:ea typeface="맑은 고딕" charset="0"/>
               </a:rPr>
-              <a:t>게시글</a:t>
-            </a:r>
-            <a:r>
-              <a:rPr lang="ko-KR" altLang="en-US" sz="6000" dirty="0" smtClean="0">
-                <a:solidFill>
-                  <a:srgbClr val="0611F2"/>
-                </a:solidFill>
-                <a:latin typeface="맑은 고딕" charset="0"/>
-                <a:ea typeface="맑은 고딕" charset="0"/>
-              </a:rPr>
-              <a:t> </a:t>
+              <a:t>게시판 </a:t>
             </a:r>
             <a:r>
               <a:rPr lang="ko-KR" altLang="en-US" sz="6000" dirty="0">
@@ -7492,54 +7482,74 @@
           <a:p>
             <a:pPr algn="l" rtl="0"/>
             <a:r>
-              <a:rPr lang="ko-KR" altLang="en-US" sz="6000" dirty="0">
+              <a:rPr lang="ko-KR" altLang="en-US" sz="6000" dirty="0" err="1">
                 <a:solidFill>
                   <a:srgbClr val="0611F2"/>
                 </a:solidFill>
                 <a:latin typeface="맑은 고딕" charset="0"/>
                 <a:ea typeface="맑은 고딕" charset="0"/>
               </a:rPr>
-              <a:t>글쓰기 </a:t>
-            </a:r>
-            <a:r>
-              <a:rPr lang="ko-KR" altLang="en-US" sz="6000" dirty="0" err="1">
+              <a:t>게시글</a:t>
+            </a:r>
+            <a:r>
+              <a:rPr lang="ko-KR" altLang="en-US" sz="6000" dirty="0">
                 <a:solidFill>
                   <a:srgbClr val="0611F2"/>
                 </a:solidFill>
                 <a:latin typeface="맑은 고딕" charset="0"/>
                 <a:ea typeface="맑은 고딕" charset="0"/>
               </a:rPr>
-              <a:t>html</a:t>
-            </a:r>
-            <a:r>
-              <a:rPr lang="ko-KR" altLang="en-US" sz="6000" dirty="0">
+              <a:t> </a:t>
+            </a:r>
+            <a:r>
+              <a:rPr lang="en-US" altLang="ko-KR" sz="6000" dirty="0">
                 <a:solidFill>
                   <a:srgbClr val="0611F2"/>
                 </a:solidFill>
                 <a:latin typeface="맑은 고딕" charset="0"/>
                 <a:ea typeface="맑은 고딕" charset="0"/>
               </a:rPr>
-              <a:t>, </a:t>
-            </a:r>
-            <a:r>
-              <a:rPr lang="ko-KR" altLang="en-US" sz="6000" dirty="0" err="1">
+              <a:t>html, ccs </a:t>
+            </a:r>
+            <a:r>
+              <a:rPr lang="ko-KR" altLang="en-US" sz="6000" dirty="0">
                 <a:solidFill>
                   <a:srgbClr val="0611F2"/>
                 </a:solidFill>
                 <a:latin typeface="맑은 고딕" charset="0"/>
                 <a:ea typeface="맑은 고딕" charset="0"/>
               </a:rPr>
-              <a:t>css</a:t>
-            </a:r>
-            <a:r>
-              <a:rPr lang="ko-KR" altLang="en-US" sz="6000" dirty="0">
+              <a:t>작성</a:t>
+            </a:r>
+            <a:r>
+              <a:rPr lang="en-US" altLang="ko-KR" sz="6000" dirty="0">
                 <a:solidFill>
                   <a:srgbClr val="0611F2"/>
                 </a:solidFill>
                 <a:latin typeface="맑은 고딕" charset="0"/>
                 <a:ea typeface="맑은 고딕" charset="0"/>
               </a:rPr>
-              <a:t> 작성(템플릿 페이지 이용)</a:t>
+              <a:t>(</a:t>
+            </a:r>
+            <a:r>
+              <a:rPr lang="ko-KR" altLang="en-US" sz="6000" dirty="0">
+                <a:solidFill>
+                  <a:srgbClr val="0611F2"/>
+                </a:solidFill>
+                <a:latin typeface="맑은 고딕" charset="0"/>
+                <a:ea typeface="맑은 고딕" charset="0"/>
+              </a:rPr>
+              <a:t>템플릿 페이지 이용</a:t>
+            </a:r>
+            <a:r>
+              <a:rPr lang="en-US" altLang="ko-KR" sz="6000" dirty="0">
+                <a:solidFill>
+                  <a:srgbClr val="0611F2"/>
+                </a:solidFill>
+                <a:latin typeface="맑은 고딕" charset="0"/>
+                <a:ea typeface="맑은 고딕" charset="0"/>
+              </a:rPr>
+              <a:t>)</a:t>
             </a:r>
           </a:p>
           <a:p>
@@ -7580,29 +7590,46 @@
             </a:r>
           </a:p>
           <a:p>
-            <a:pPr algn="l" rtl="0"/>
-            <a:r>
-              <a:rPr lang="en-US" altLang="ko-KR" sz="6000" smtClean="0">
+            <a:pPr marL="0" indent="0" algn="l" defTabSz="914400" rtl="0" eaLnBrk="1" latinLnBrk="1" hangingPunct="1">
+              <a:spcBef>
+                <a:spcPct val="20000"/>
+              </a:spcBef>
+              <a:buFontTx/>
+              <a:buNone/>
+            </a:pPr>
+            <a:r>
+              <a:rPr lang="ko-KR" altLang="en-US" sz="6000" dirty="0" smtClean="0">
+                <a:solidFill>
+                  <a:srgbClr val="0611F2"/>
+                </a:solidFill>
+                <a:latin typeface="맑은 고딕" charset="0"/>
+                <a:ea typeface="맑은 고딕" charset="0"/>
+                <a:cs typeface="+mn-cs"/>
+              </a:rPr>
+              <a:t>글쓰기 페이지 </a:t>
+            </a:r>
+            <a:r>
+              <a:rPr lang="en-US" altLang="ko-KR" sz="6000" dirty="0" smtClean="0">
                 <a:solidFill>
                   <a:srgbClr val="0611F2"/>
                 </a:solidFill>
                 <a:latin typeface="맑은 고딕" charset="0"/>
                 <a:ea typeface="맑은 고딕" charset="0"/>
               </a:rPr>
-              <a:t>Html</a:t>
-            </a:r>
-            <a:r>
-              <a:rPr lang="ko-KR" altLang="en-US" sz="6000">
+              <a:t>html, </a:t>
+            </a:r>
+            <a:r>
+              <a:rPr lang="en-US" altLang="ko-KR" sz="6000" dirty="0" err="1" smtClean="0">
                 <a:solidFill>
                   <a:srgbClr val="0611F2"/>
                 </a:solidFill>
                 <a:latin typeface="맑은 고딕" charset="0"/>
                 <a:ea typeface="맑은 고딕" charset="0"/>
               </a:rPr>
-              <a:t>를</a:t>
-            </a:r>
-            <a:r>
-              <a:rPr lang="ko-KR" altLang="en-US" sz="6000" smtClean="0">
+              <a:t>css</a:t>
+            </a:r>
+            <a:r>
+              <a:rPr lang="en-US" altLang="ko-KR" sz="6000" dirty="0" smtClean="0">
                 <a:solidFill>
                   <a:srgbClr val="0611F2"/>
                 </a:solidFill>
@@ -7612,37 +7639,7 @@
               <a:t> </a:t>
             </a:r>
             <a:r>
-              <a:rPr lang="ko-KR" altLang="en-US" sz="6000" dirty="0">
-                <a:solidFill>
-                  <a:srgbClr val="0611F2"/>
-                </a:solidFill>
-                <a:latin typeface="맑은 고딕" charset="0"/>
-                <a:ea typeface="맑은 고딕" charset="0"/>
-              </a:rPr>
-              <a:t>삽입하는 </a:t>
-            </a:r>
-            <a:r>
-              <a:rPr lang="en-US" altLang="ko-KR" sz="6000" dirty="0" err="1">
-                <a:solidFill>
-                  <a:srgbClr val="0611F2"/>
-                </a:solidFill>
-                <a:latin typeface="맑은 고딕" charset="0"/>
-                <a:ea typeface="맑은 고딕" charset="0"/>
-              </a:rPr>
-              <a:t>js</a:t>
-            </a:r>
-            <a:r>
-              <a:rPr lang="en-US" altLang="ko-KR" sz="6000" dirty="0">
-                <a:solidFill>
-                  <a:srgbClr val="0611F2"/>
-                </a:solidFill>
-                <a:latin typeface="맑은 고딕" charset="0"/>
-                <a:ea typeface="맑은 고딕" charset="0"/>
-              </a:rPr>
-              <a:t> </a:t>
-            </a:r>
-            <a:r>
-              <a:rPr lang="ko-KR" altLang="en-US" sz="6000" dirty="0">
+              <a:rPr lang="ko-KR" altLang="en-US" sz="6000" dirty="0" smtClean="0">
                 <a:solidFill>
                   <a:srgbClr val="0611F2"/>
                 </a:solidFill>
@@ -7651,6 +7648,13 @@
               </a:rPr>
               <a:t>작성</a:t>
             </a:r>
+            <a:endParaRPr lang="en-US" altLang="ko-KR" sz="6000" dirty="0" smtClean="0">
+              <a:solidFill>
+                <a:srgbClr val="0611F2"/>
+              </a:solidFill>
+              <a:latin typeface="맑은 고딕" charset="0"/>
+              <a:ea typeface="맑은 고딕" charset="0"/>
+            </a:endParaRPr>
           </a:p>
           <a:p>
             <a:pPr marL="0" indent="0" algn="l" defTabSz="914400" rtl="0" eaLnBrk="1" latinLnBrk="1" hangingPunct="1">
@@ -7708,76 +7712,56 @@
             </a:endParaRPr>
           </a:p>
           <a:p>
-            <a:pPr algn="l" rtl="0"/>
-            <a:r>
-              <a:rPr lang="ko-KR" altLang="en-US" sz="6000" dirty="0" err="1" smtClean="0">
+            <a:pPr marL="0" indent="0" algn="l" defTabSz="914400" rtl="0" eaLnBrk="1" latinLnBrk="1" hangingPunct="1">
+              <a:spcBef>
+                <a:spcPct val="20000"/>
+              </a:spcBef>
+              <a:buFontTx/>
+              <a:buNone/>
+            </a:pPr>
+            <a:r>
+              <a:rPr lang="ko-KR" altLang="en-US" sz="6000" dirty="0" smtClean="0">
                 <a:solidFill>
                   <a:srgbClr val="0611F2"/>
                 </a:solidFill>
                 <a:latin typeface="맑은 고딕" charset="0"/>
                 <a:ea typeface="맑은 고딕" charset="0"/>
+                <a:cs typeface="+mn-cs"/>
               </a:rPr>
-              <a:t>게시글</a:t>
-            </a:r>
-            <a:r>
-              <a:rPr lang="ko-KR" altLang="en-US" sz="6000" dirty="0" smtClean="0">
+              <a:t>데이터를 삽입하는 </a:t>
+            </a:r>
+            <a:r>
+              <a:rPr lang="en-US" altLang="ko-KR" sz="6000" dirty="0" err="1" smtClean="0">
                 <a:solidFill>
                   <a:srgbClr val="0611F2"/>
                 </a:solidFill>
                 <a:latin typeface="맑은 고딕" charset="0"/>
                 <a:ea typeface="맑은 고딕" charset="0"/>
+                <a:cs typeface="+mn-cs"/>
               </a:rPr>
-              <a:t> </a:t>
-            </a:r>
-            <a:r>
-              <a:rPr lang="en-US" altLang="ko-KR" sz="6000" dirty="0" smtClean="0">
+              <a:t>js</a:t>
+            </a:r>
+            <a:r>
+              <a:rPr lang="ko-KR" altLang="en-US" sz="6000" dirty="0" smtClean="0">
                 <a:solidFill>
                   <a:srgbClr val="0611F2"/>
                 </a:solidFill>
                 <a:latin typeface="맑은 고딕" charset="0"/>
                 <a:ea typeface="맑은 고딕" charset="0"/>
+                <a:cs typeface="+mn-cs"/>
               </a:rPr>
-              <a:t>html, ccs </a:t>
-            </a:r>
-            <a:r>
-              <a:rPr lang="ko-KR" altLang="en-US" sz="6000" dirty="0" smtClean="0">
+              <a:t>를 완성시킨다</a:t>
+            </a:r>
+            <a:r>
+              <a:rPr lang="en-US" altLang="ko-KR" sz="6000" dirty="0" smtClean="0">
                 <a:solidFill>
                   <a:srgbClr val="0611F2"/>
                 </a:solidFill>
                 <a:latin typeface="맑은 고딕" charset="0"/>
                 <a:ea typeface="맑은 고딕" charset="0"/>
+                <a:cs typeface="+mn-cs"/>
               </a:rPr>
-              <a:t>작성</a:t>
-            </a:r>
-            <a:r>
-              <a:rPr lang="en-US" altLang="ko-KR" sz="6000" dirty="0" smtClean="0">
-                <a:solidFill>
-                  <a:srgbClr val="0611F2"/>
-                </a:solidFill>
-                <a:latin typeface="맑은 고딕" charset="0"/>
-                <a:ea typeface="맑은 고딕" charset="0"/>
-              </a:rPr>
-              <a:t>(</a:t>
-            </a:r>
-            <a:r>
-              <a:rPr lang="ko-KR" altLang="en-US" sz="6000" dirty="0" smtClean="0">
-                <a:solidFill>
-                  <a:srgbClr val="0611F2"/>
-                </a:solidFill>
-                <a:latin typeface="맑은 고딕" charset="0"/>
-                <a:ea typeface="맑은 고딕" charset="0"/>
-              </a:rPr>
-              <a:t>템플릿 페이지 이용</a:t>
-            </a:r>
-            <a:r>
-              <a:rPr lang="en-US" altLang="ko-KR" sz="6000" dirty="0" smtClean="0">
-                <a:solidFill>
-                  <a:srgbClr val="0611F2"/>
-                </a:solidFill>
-                <a:latin typeface="맑은 고딕" charset="0"/>
-                <a:ea typeface="맑은 고딕" charset="0"/>
-              </a:rPr>
-              <a:t>)</a:t>
+              <a:t>.</a:t>
             </a:r>
           </a:p>
           <a:p>
@@ -7937,97 +7921,17 @@
           <a:p>
             <a:pPr algn="l" rtl="0"/>
             <a:r>
-              <a:rPr lang="ko-KR" altLang="en-US" sz="6000" dirty="0">
+              <a:rPr lang="ko-KR" altLang="en-US" sz="6000" dirty="0" smtClean="0">
                 <a:solidFill>
                   <a:srgbClr val="0611F2"/>
                 </a:solidFill>
                 <a:latin typeface="맑은 고딕" charset="0"/>
                 <a:ea typeface="맑은 고딕" charset="0"/>
               </a:rPr>
-              <a:t>웹페이지들의 기능을 </a:t>
-            </a:r>
-            <a:r>
-              <a:rPr lang="ko-KR" altLang="en-US" sz="6000" dirty="0" smtClean="0">
-                <a:solidFill>
-                  <a:srgbClr val="0611F2"/>
-                </a:solidFill>
-                <a:latin typeface="맑은 고딕" charset="0"/>
-                <a:ea typeface="맑은 고딕" charset="0"/>
-              </a:rPr>
-              <a:t>위한 페이지 모양과 </a:t>
-            </a:r>
-            <a:r>
-              <a:rPr lang="ko-KR" altLang="en-US" sz="6000" dirty="0" err="1" smtClean="0">
-                <a:solidFill>
-                  <a:srgbClr val="0611F2"/>
-                </a:solidFill>
-                <a:latin typeface="맑은 고딕" charset="0"/>
-                <a:ea typeface="맑은 고딕" charset="0"/>
-              </a:rPr>
-              <a:t>관련없는</a:t>
-            </a:r>
-            <a:r>
-              <a:rPr lang="ko-KR" altLang="en-US" sz="6000" dirty="0" smtClean="0">
-                <a:solidFill>
-                  <a:srgbClr val="0611F2"/>
-                </a:solidFill>
-                <a:latin typeface="맑은 고딕" charset="0"/>
-                <a:ea typeface="맑은 고딕" charset="0"/>
-              </a:rPr>
-              <a:t> </a:t>
+              <a:t>페이지의 자체적인 기능들을 구현한다</a:t>
             </a:r>
             <a:r>
               <a:rPr lang="en-US" altLang="ko-KR" sz="6000" dirty="0" smtClean="0">
-                <a:solidFill>
-                  <a:srgbClr val="0611F2"/>
-                </a:solidFill>
-                <a:latin typeface="맑은 고딕" charset="0"/>
-                <a:ea typeface="맑은 고딕" charset="0"/>
-              </a:rPr>
-              <a:t>post</a:t>
-            </a:r>
-            <a:r>
-              <a:rPr lang="ko-KR" altLang="en-US" sz="6000" dirty="0" smtClean="0">
-                <a:solidFill>
-                  <a:srgbClr val="0611F2"/>
-                </a:solidFill>
-                <a:latin typeface="맑은 고딕" charset="0"/>
-                <a:ea typeface="맑은 고딕" charset="0"/>
-              </a:rPr>
-              <a:t> 요청</a:t>
-            </a:r>
-            <a:r>
-              <a:rPr lang="ko-KR" altLang="en-US" sz="6000" dirty="0">
-                <a:solidFill>
-                  <a:srgbClr val="0611F2"/>
-                </a:solidFill>
-                <a:latin typeface="맑은 고딕" charset="0"/>
-                <a:ea typeface="맑은 고딕" charset="0"/>
-              </a:rPr>
-              <a:t>들</a:t>
-            </a:r>
-            <a:r>
-              <a:rPr lang="ko-KR" altLang="en-US" sz="6000" dirty="0" smtClean="0">
-                <a:solidFill>
-                  <a:srgbClr val="0611F2"/>
-                </a:solidFill>
-                <a:latin typeface="맑은 고딕" charset="0"/>
-                <a:ea typeface="맑은 고딕" charset="0"/>
-              </a:rPr>
-              <a:t>을 </a:t>
-            </a:r>
-            <a:r>
-              <a:rPr lang="ko-KR" altLang="en-US" sz="6000" dirty="0">
-                <a:solidFill>
-                  <a:srgbClr val="0611F2"/>
-                </a:solidFill>
-                <a:latin typeface="맑은 고딕" charset="0"/>
-                <a:ea typeface="맑은 고딕" charset="0"/>
-              </a:rPr>
-              <a:t>추가한다</a:t>
-            </a:r>
-            <a:r>
-              <a:rPr lang="ko-KR" altLang="en-US" sz="6000" dirty="0" smtClean="0">
                 <a:solidFill>
                   <a:srgbClr val="0611F2"/>
                 </a:solidFill>
@@ -10818,7 +10722,7 @@
           <p:nvPr>
             <p:extLst>
               <p:ext uri="{D42A27DB-BD31-4B8C-83A1-F6EECF244321}">
-                <p14:modId xmlns:p14="http://schemas.microsoft.com/office/powerpoint/2010/main" val="4200546124"/>
+                <p14:modId xmlns:p14="http://schemas.microsoft.com/office/powerpoint/2010/main" val="100996352"/>
               </p:ext>
             </p:extLst>
           </p:nvPr>
@@ -12245,14 +12149,14 @@
                         <a:buNone/>
                       </a:pPr>
                       <a:r>
-                        <a:rPr lang="ko-KR" altLang="en-US" sz="1200" b="0" i="0" kern="1200" dirty="0" err="1" smtClean="0">
+                        <a:rPr lang="ko-KR" altLang="en-US" sz="1200" b="0" i="0" kern="1200" dirty="0" smtClean="0">
                           <a:solidFill>
                             <a:srgbClr val="0611F2"/>
                           </a:solidFill>
                           <a:latin typeface="맑은 고딕" charset="0"/>
                           <a:ea typeface="맑은 고딕" charset="0"/>
                         </a:rPr>
-                        <a:t>게시글</a:t>
+                        <a:t>게시판 </a:t>
                       </a:r>
                       <a:r>
                         <a:rPr lang="ko-KR" altLang="en-US" sz="1200" b="0" i="0" kern="1200" dirty="0" smtClean="0">
@@ -12262,92 +12166,8 @@
                           <a:latin typeface="맑은 고딕" charset="0"/>
                           <a:ea typeface="맑은 고딕" charset="0"/>
                         </a:rPr>
-                        <a:t> 페이지 작성</a:t>
+                        <a:t>페이지 </a:t>
                       </a:r>
-                      <a:endParaRPr lang="ko-KR" altLang="en-US" sz="1200" b="0" i="0" kern="1200" dirty="0">
-                        <a:solidFill>
-                          <a:srgbClr val="0611F2"/>
-                        </a:solidFill>
-                        <a:latin typeface="맑은 고딕" charset="0"/>
-                        <a:ea typeface="맑은 고딕" charset="0"/>
-                      </a:endParaRPr>
-                    </a:p>
-                  </a:txBody>
-                  <a:tcPr marL="90170" marR="90170" marT="46990" marB="46990">
-                    <a:lnL w="12700" cap="flat" cmpd="sng" algn="ctr">
-                      <a:solidFill>
-                        <a:srgbClr val="000000">
-                          <a:alpha val="100000"/>
-                        </a:srgbClr>
-                      </a:solidFill>
-                      <a:prstDash val="solid"/>
-                      <a:round/>
-                      <a:headEnd type="none" w="med" len="med"/>
-                      <a:tailEnd type="none" w="med" len="med"/>
-                    </a:lnL>
-                    <a:lnR w="12700" cap="flat" cmpd="sng" algn="ctr">
-                      <a:solidFill>
-                        <a:srgbClr val="000000">
-                          <a:alpha val="100000"/>
-                        </a:srgbClr>
-                      </a:solidFill>
-                      <a:prstDash val="solid"/>
-                      <a:round/>
-                      <a:headEnd type="none" w="med" len="med"/>
-                      <a:tailEnd type="none" w="med" len="med"/>
-                    </a:lnR>
-                    <a:lnT w="12700" cap="flat" cmpd="sng" algn="ctr">
-                      <a:solidFill>
-                        <a:srgbClr val="000000">
-                          <a:alpha val="100000"/>
-                        </a:srgbClr>
-                      </a:solidFill>
-                      <a:prstDash val="solid"/>
-                      <a:round/>
-                      <a:headEnd type="none" w="med" len="med"/>
-                      <a:tailEnd type="none" w="med" len="med"/>
-                    </a:lnT>
-                    <a:lnB w="12700" cap="flat" cmpd="sng" algn="ctr">
-                      <a:solidFill>
-                        <a:srgbClr val="000000">
-                          <a:alpha val="100000"/>
-                        </a:srgbClr>
-                      </a:solidFill>
-                      <a:prstDash val="solid"/>
-                      <a:round/>
-                      <a:headEnd type="none" w="med" len="med"/>
-                      <a:tailEnd type="none" w="med" len="med"/>
-                    </a:lnB>
-                    <a:solidFill>
-                      <a:srgbClr val="FFFFFF"/>
-                    </a:solidFill>
-                  </a:tcPr>
-                </a:tc>
-                <a:tc>
-                  <a:txBody>
-                    <a:bodyPr/>
-                    <a:lstStyle/>
-                    <a:p>
-                      <a:pPr marL="0" lvl="1" indent="0" hangingPunct="1">
-                        <a:buFontTx/>
-                        <a:buNone/>
-                      </a:pPr>
-                      <a:r>
-                        <a:rPr sz="1800" b="0" i="0" kern="1200" dirty="0" smtClean="0">
-                          <a:solidFill>
-                            <a:schemeClr val="dk1"/>
-                          </a:solidFill>
-                          <a:latin typeface="맑은 고딕" charset="0"/>
-                          <a:ea typeface="맑은 고딕" charset="0"/>
-                        </a:rPr>
-                        <a:t>28</a:t>
-                      </a:r>
-                    </a:p>
-                    <a:p>
-                      <a:pPr marL="0" lvl="1" indent="0" hangingPunct="1">
-                        <a:buFontTx/>
-                        <a:buNone/>
-                      </a:pPr>
                       <a:r>
                         <a:rPr lang="ko-KR" altLang="en-US" sz="1200" b="0" i="0" kern="1200" dirty="0" smtClean="0">
                           <a:solidFill>
@@ -12356,8 +12176,15 @@
                           <a:latin typeface="맑은 고딕" charset="0"/>
                           <a:ea typeface="맑은 고딕" charset="0"/>
                         </a:rPr>
-                        <a:t>글쓰기 페이지 작성</a:t>
+                        <a:t>작성</a:t>
                       </a:r>
+                      <a:endParaRPr lang="en-US" altLang="ko-KR" sz="1200" b="0" i="0" kern="1200" dirty="0" smtClean="0">
+                        <a:solidFill>
+                          <a:srgbClr val="0611F2"/>
+                        </a:solidFill>
+                        <a:latin typeface="맑은 고딕" charset="0"/>
+                        <a:ea typeface="맑은 고딕" charset="0"/>
+                      </a:endParaRPr>
                     </a:p>
                     <a:p>
                       <a:pPr marL="0" lvl="1" indent="0" hangingPunct="1">
@@ -12470,203 +12297,11 @@
                           <a:latin typeface="맑은 고딕" charset="0"/>
                           <a:ea typeface="맑은 고딕" charset="0"/>
                         </a:rPr>
-                        <a:t>29</a:t>
+                        <a:t>28</a:t>
                       </a:r>
-                      <a:endParaRPr lang="ko-KR" altLang="en-US" sz="1800" b="0" i="0" kern="1200" dirty="0">
+                      <a:endParaRPr lang="en-US" sz="1800" b="0" i="0" kern="1200" dirty="0" smtClean="0">
                         <a:solidFill>
                           <a:schemeClr val="dk1"/>
-                        </a:solidFill>
-                        <a:latin typeface="맑은 고딕" charset="0"/>
-                        <a:ea typeface="맑은 고딕" charset="0"/>
-                      </a:endParaRPr>
-                    </a:p>
-                  </a:txBody>
-                  <a:tcPr marL="90170" marR="90170" marT="46990" marB="46990">
-                    <a:lnL w="12700" cap="flat" cmpd="sng" algn="ctr">
-                      <a:solidFill>
-                        <a:srgbClr val="000000">
-                          <a:alpha val="100000"/>
-                        </a:srgbClr>
-                      </a:solidFill>
-                      <a:prstDash val="solid"/>
-                      <a:round/>
-                      <a:headEnd type="none" w="med" len="med"/>
-                      <a:tailEnd type="none" w="med" len="med"/>
-                    </a:lnL>
-                    <a:lnR w="12700" cap="flat" cmpd="sng" algn="ctr">
-                      <a:solidFill>
-                        <a:srgbClr val="000000">
-                          <a:alpha val="100000"/>
-                        </a:srgbClr>
-                      </a:solidFill>
-                      <a:prstDash val="solid"/>
-                      <a:round/>
-                      <a:headEnd type="none" w="med" len="med"/>
-                      <a:tailEnd type="none" w="med" len="med"/>
-                    </a:lnR>
-                    <a:lnT w="12700" cap="flat" cmpd="sng" algn="ctr">
-                      <a:solidFill>
-                        <a:srgbClr val="000000">
-                          <a:alpha val="100000"/>
-                        </a:srgbClr>
-                      </a:solidFill>
-                      <a:prstDash val="solid"/>
-                      <a:round/>
-                      <a:headEnd type="none" w="med" len="med"/>
-                      <a:tailEnd type="none" w="med" len="med"/>
-                    </a:lnT>
-                    <a:lnB w="12700" cap="flat" cmpd="sng" algn="ctr">
-                      <a:solidFill>
-                        <a:srgbClr val="000000">
-                          <a:alpha val="100000"/>
-                        </a:srgbClr>
-                      </a:solidFill>
-                      <a:prstDash val="solid"/>
-                      <a:round/>
-                      <a:headEnd type="none" w="med" len="med"/>
-                      <a:tailEnd type="none" w="med" len="med"/>
-                    </a:lnB>
-                    <a:solidFill>
-                      <a:srgbClr val="FFFFFF"/>
-                    </a:solidFill>
-                  </a:tcPr>
-                </a:tc>
-                <a:tc>
-                  <a:txBody>
-                    <a:bodyPr/>
-                    <a:lstStyle/>
-                    <a:p>
-                      <a:pPr marL="0" lvl="1" indent="0" hangingPunct="1">
-                        <a:buFontTx/>
-                        <a:buNone/>
-                      </a:pPr>
-                      <a:r>
-                        <a:rPr sz="1800" b="0" i="0" kern="1200" dirty="0" smtClean="0">
-                          <a:solidFill>
-                            <a:schemeClr val="dk1"/>
-                          </a:solidFill>
-                          <a:latin typeface="맑은 고딕" charset="0"/>
-                          <a:ea typeface="맑은 고딕" charset="0"/>
-                        </a:rPr>
-                        <a:t>30</a:t>
-                      </a:r>
-                    </a:p>
-                    <a:p>
-                      <a:pPr marL="0" lvl="1" indent="0" hangingPunct="1">
-                        <a:buFontTx/>
-                        <a:buNone/>
-                      </a:pPr>
-                      <a:r>
-                        <a:rPr lang="en-US" altLang="ko-KR" sz="1200" b="0" i="0" kern="1200" dirty="0" err="1" smtClean="0">
-                          <a:solidFill>
-                            <a:srgbClr val="0611F2"/>
-                          </a:solidFill>
-                          <a:latin typeface="맑은 고딕" charset="0"/>
-                          <a:ea typeface="맑은 고딕" charset="0"/>
-                        </a:rPr>
-                        <a:t>Js</a:t>
-                      </a:r>
-                      <a:r>
-                        <a:rPr lang="en-US" altLang="ko-KR" sz="1200" b="0" i="0" kern="1200" baseline="0" dirty="0" smtClean="0">
-                          <a:solidFill>
-                            <a:srgbClr val="0611F2"/>
-                          </a:solidFill>
-                          <a:latin typeface="맑은 고딕" charset="0"/>
-                          <a:ea typeface="맑은 고딕" charset="0"/>
-                        </a:rPr>
-                        <a:t> </a:t>
-                      </a:r>
-                      <a:r>
-                        <a:rPr lang="ko-KR" altLang="en-US" sz="1200" b="0" i="0" kern="1200" baseline="0" dirty="0" smtClean="0">
-                          <a:solidFill>
-                            <a:srgbClr val="0611F2"/>
-                          </a:solidFill>
-                          <a:latin typeface="맑은 고딕" charset="0"/>
-                          <a:ea typeface="맑은 고딕" charset="0"/>
-                        </a:rPr>
-                        <a:t>코드 삽입하기</a:t>
-                      </a:r>
-                      <a:endParaRPr lang="ko-KR" altLang="en-US" sz="1200" b="0" i="0" kern="1200" dirty="0" smtClean="0">
-                        <a:solidFill>
-                          <a:srgbClr val="0611F2"/>
-                        </a:solidFill>
-                        <a:latin typeface="맑은 고딕" charset="0"/>
-                        <a:ea typeface="맑은 고딕" charset="0"/>
-                      </a:endParaRPr>
-                    </a:p>
-                  </a:txBody>
-                  <a:tcPr marL="90170" marR="90170" marT="46990" marB="46990">
-                    <a:lnL w="12700" cap="flat" cmpd="sng" algn="ctr">
-                      <a:solidFill>
-                        <a:srgbClr val="000000">
-                          <a:alpha val="100000"/>
-                        </a:srgbClr>
-                      </a:solidFill>
-                      <a:prstDash val="solid"/>
-                      <a:round/>
-                      <a:headEnd type="none" w="med" len="med"/>
-                      <a:tailEnd type="none" w="med" len="med"/>
-                    </a:lnL>
-                    <a:lnR w="12700" cap="flat" cmpd="sng" algn="ctr">
-                      <a:solidFill>
-                        <a:srgbClr val="000000">
-                          <a:alpha val="100000"/>
-                        </a:srgbClr>
-                      </a:solidFill>
-                      <a:prstDash val="solid"/>
-                      <a:round/>
-                      <a:headEnd type="none" w="med" len="med"/>
-                      <a:tailEnd type="none" w="med" len="med"/>
-                    </a:lnR>
-                    <a:lnT w="12700" cap="flat" cmpd="sng" algn="ctr">
-                      <a:solidFill>
-                        <a:srgbClr val="000000">
-                          <a:alpha val="100000"/>
-                        </a:srgbClr>
-                      </a:solidFill>
-                      <a:prstDash val="solid"/>
-                      <a:round/>
-                      <a:headEnd type="none" w="med" len="med"/>
-                      <a:tailEnd type="none" w="med" len="med"/>
-                    </a:lnT>
-                    <a:lnB w="12700" cap="flat" cmpd="sng" algn="ctr">
-                      <a:solidFill>
-                        <a:srgbClr val="000000">
-                          <a:alpha val="100000"/>
-                        </a:srgbClr>
-                      </a:solidFill>
-                      <a:prstDash val="solid"/>
-                      <a:round/>
-                      <a:headEnd type="none" w="med" len="med"/>
-                      <a:tailEnd type="none" w="med" len="med"/>
-                    </a:lnB>
-                    <a:solidFill>
-                      <a:srgbClr val="FFFFFF"/>
-                    </a:solidFill>
-                  </a:tcPr>
-                </a:tc>
-                <a:tc>
-                  <a:txBody>
-                    <a:bodyPr/>
-                    <a:lstStyle/>
-                    <a:p>
-                      <a:pPr marL="0" lvl="1" indent="0" hangingPunct="1">
-                        <a:buFontTx/>
-                        <a:buNone/>
-                      </a:pPr>
-                      <a:r>
-                        <a:rPr sz="1800" b="0" i="0" kern="1200" dirty="0">
-                          <a:solidFill>
-                            <a:srgbClr val="000000"/>
-                          </a:solidFill>
-                          <a:latin typeface="맑은 고딕" charset="0"/>
-                          <a:ea typeface="맑은 고딕" charset="0"/>
-                        </a:rPr>
-                        <a:t>31</a:t>
-                      </a:r>
-                      <a:endParaRPr lang="ko-KR" altLang="en-US" sz="1800" b="0" i="0" kern="1200" dirty="0">
-                        <a:solidFill>
-                          <a:srgbClr val="000000"/>
                         </a:solidFill>
                         <a:latin typeface="맑은 고딕" charset="0"/>
                         <a:ea typeface="맑은 고딕" charset="0"/>
@@ -12774,6 +12409,19 @@
                         <a:ea typeface="맑은 고딕" charset="0"/>
                       </a:endParaRPr>
                     </a:p>
+                    <a:p>
+                      <a:pPr marL="0" lvl="1" indent="0" hangingPunct="1">
+                        <a:buFontTx/>
+                        <a:buNone/>
+                      </a:pPr>
+                      <a:endParaRPr sz="1800" b="0" i="0" kern="1200" dirty="0" smtClean="0">
+                        <a:solidFill>
+                          <a:schemeClr val="dk1"/>
+                        </a:solidFill>
+                        <a:latin typeface="맑은 고딕" charset="0"/>
+                        <a:ea typeface="맑은 고딕" charset="0"/>
+                      </a:endParaRPr>
+                    </a:p>
                   </a:txBody>
                   <a:tcPr marL="90170" marR="90170" marT="46990" marB="46990">
                     <a:lnL w="12700" cap="flat" cmpd="sng" algn="ctr">
@@ -12837,13 +12485,271 @@
                       <a:r>
                         <a:rPr sz="1800" b="0" i="0" kern="1200" dirty="0" smtClean="0">
                           <a:solidFill>
+                            <a:schemeClr val="dk1"/>
+                          </a:solidFill>
+                          <a:latin typeface="맑은 고딕" charset="0"/>
+                          <a:ea typeface="맑은 고딕" charset="0"/>
+                        </a:rPr>
+                        <a:t>29</a:t>
+                      </a:r>
+                      <a:endParaRPr lang="en-US" sz="1800" b="0" i="0" kern="1200" dirty="0" smtClean="0">
+                        <a:solidFill>
+                          <a:schemeClr val="dk1"/>
+                        </a:solidFill>
+                        <a:latin typeface="맑은 고딕" charset="0"/>
+                        <a:ea typeface="맑은 고딕" charset="0"/>
+                      </a:endParaRPr>
+                    </a:p>
+                    <a:p>
+                      <a:pPr marL="0" lvl="1" indent="0" hangingPunct="1">
+                        <a:buFontTx/>
+                        <a:buNone/>
+                      </a:pPr>
+                      <a:r>
+                        <a:rPr lang="ko-KR" altLang="en-US" sz="1200" b="0" i="0" kern="1200" dirty="0" smtClean="0">
+                          <a:solidFill>
                             <a:srgbClr val="0611F2"/>
                           </a:solidFill>
                           <a:latin typeface="맑은 고딕" charset="0"/>
                           <a:ea typeface="맑은 고딕" charset="0"/>
                         </a:rPr>
-                        <a:t>1</a:t>
+                        <a:t>글쓰기 페이지 작성</a:t>
                       </a:r>
+                    </a:p>
+                    <a:p>
+                      <a:pPr marL="0" lvl="1" indent="0" hangingPunct="1">
+                        <a:buFontTx/>
+                        <a:buNone/>
+                      </a:pPr>
+                      <a:r>
+                        <a:rPr lang="en-US" altLang="ko-KR" sz="1200" b="0" i="0" kern="1200" dirty="0" smtClean="0">
+                          <a:solidFill>
+                            <a:srgbClr val="0611F2"/>
+                          </a:solidFill>
+                          <a:latin typeface="맑은 고딕" charset="0"/>
+                          <a:ea typeface="맑은 고딕" charset="0"/>
+                        </a:rPr>
+                        <a:t>(</a:t>
+                      </a:r>
+                      <a:r>
+                        <a:rPr lang="ko-KR" altLang="en-US" sz="1200" b="0" i="0" kern="1200" dirty="0" smtClean="0">
+                          <a:solidFill>
+                            <a:srgbClr val="0611F2"/>
+                          </a:solidFill>
+                          <a:latin typeface="맑은 고딕" charset="0"/>
+                          <a:ea typeface="맑은 고딕" charset="0"/>
+                        </a:rPr>
+                        <a:t>템플릿</a:t>
+                      </a:r>
+                      <a:r>
+                        <a:rPr lang="en-US" altLang="ko-KR" sz="1200" b="0" i="0" kern="1200" dirty="0" smtClean="0">
+                          <a:solidFill>
+                            <a:srgbClr val="0611F2"/>
+                          </a:solidFill>
+                          <a:latin typeface="맑은 고딕" charset="0"/>
+                          <a:ea typeface="맑은 고딕" charset="0"/>
+                        </a:rPr>
+                        <a:t>)</a:t>
+                      </a:r>
+                      <a:endParaRPr lang="ko-KR" altLang="en-US" sz="1200" b="0" i="0" kern="1200" dirty="0" smtClean="0">
+                        <a:solidFill>
+                          <a:srgbClr val="0611F2"/>
+                        </a:solidFill>
+                        <a:latin typeface="맑은 고딕" charset="0"/>
+                        <a:ea typeface="맑은 고딕" charset="0"/>
+                      </a:endParaRPr>
+                    </a:p>
+                  </a:txBody>
+                  <a:tcPr marL="90170" marR="90170" marT="46990" marB="46990">
+                    <a:lnL w="12700" cap="flat" cmpd="sng" algn="ctr">
+                      <a:solidFill>
+                        <a:srgbClr val="000000">
+                          <a:alpha val="100000"/>
+                        </a:srgbClr>
+                      </a:solidFill>
+                      <a:prstDash val="solid"/>
+                      <a:round/>
+                      <a:headEnd type="none" w="med" len="med"/>
+                      <a:tailEnd type="none" w="med" len="med"/>
+                    </a:lnL>
+                    <a:lnR w="12700" cap="flat" cmpd="sng" algn="ctr">
+                      <a:solidFill>
+                        <a:srgbClr val="000000">
+                          <a:alpha val="100000"/>
+                        </a:srgbClr>
+                      </a:solidFill>
+                      <a:prstDash val="solid"/>
+                      <a:round/>
+                      <a:headEnd type="none" w="med" len="med"/>
+                      <a:tailEnd type="none" w="med" len="med"/>
+                    </a:lnR>
+                    <a:lnT w="12700" cap="flat" cmpd="sng" algn="ctr">
+                      <a:solidFill>
+                        <a:srgbClr val="000000">
+                          <a:alpha val="100000"/>
+                        </a:srgbClr>
+                      </a:solidFill>
+                      <a:prstDash val="solid"/>
+                      <a:round/>
+                      <a:headEnd type="none" w="med" len="med"/>
+                      <a:tailEnd type="none" w="med" len="med"/>
+                    </a:lnT>
+                    <a:lnB w="12700" cap="flat" cmpd="sng" algn="ctr">
+                      <a:solidFill>
+                        <a:srgbClr val="000000">
+                          <a:alpha val="100000"/>
+                        </a:srgbClr>
+                      </a:solidFill>
+                      <a:prstDash val="solid"/>
+                      <a:round/>
+                      <a:headEnd type="none" w="med" len="med"/>
+                      <a:tailEnd type="none" w="med" len="med"/>
+                    </a:lnB>
+                    <a:solidFill>
+                      <a:srgbClr val="FFFFFF"/>
+                    </a:solidFill>
+                  </a:tcPr>
+                </a:tc>
+                <a:tc>
+                  <a:txBody>
+                    <a:bodyPr/>
+                    <a:lstStyle/>
+                    <a:p>
+                      <a:pPr marL="0" lvl="1" indent="0" hangingPunct="1">
+                        <a:buFontTx/>
+                        <a:buNone/>
+                      </a:pPr>
+                      <a:r>
+                        <a:rPr sz="1800" b="0" i="0" kern="1200" dirty="0" smtClean="0">
+                          <a:solidFill>
+                            <a:schemeClr val="dk1"/>
+                          </a:solidFill>
+                          <a:latin typeface="맑은 고딕" charset="0"/>
+                          <a:ea typeface="맑은 고딕" charset="0"/>
+                        </a:rPr>
+                        <a:t>30</a:t>
+                      </a:r>
+                    </a:p>
+                    <a:p>
+                      <a:pPr marL="0" lvl="1" indent="0" hangingPunct="1">
+                        <a:buFontTx/>
+                        <a:buNone/>
+                      </a:pPr>
+                      <a:r>
+                        <a:rPr lang="en-US" altLang="ko-KR" sz="1200" b="0" i="0" kern="1200" dirty="0" err="1" smtClean="0">
+                          <a:solidFill>
+                            <a:srgbClr val="0611F2"/>
+                          </a:solidFill>
+                          <a:latin typeface="맑은 고딕" charset="0"/>
+                          <a:ea typeface="맑은 고딕" charset="0"/>
+                        </a:rPr>
+                        <a:t>Js</a:t>
+                      </a:r>
+                      <a:r>
+                        <a:rPr lang="en-US" altLang="ko-KR" sz="1200" b="0" i="0" kern="1200" baseline="0" dirty="0" smtClean="0">
+                          <a:solidFill>
+                            <a:srgbClr val="0611F2"/>
+                          </a:solidFill>
+                          <a:latin typeface="맑은 고딕" charset="0"/>
+                          <a:ea typeface="맑은 고딕" charset="0"/>
+                        </a:rPr>
+                        <a:t> </a:t>
+                      </a:r>
+                      <a:r>
+                        <a:rPr lang="ko-KR" altLang="en-US" sz="1200" b="0" i="0" kern="1200" baseline="0" dirty="0" smtClean="0">
+                          <a:solidFill>
+                            <a:srgbClr val="0611F2"/>
+                          </a:solidFill>
+                          <a:latin typeface="맑은 고딕" charset="0"/>
+                          <a:ea typeface="맑은 고딕" charset="0"/>
+                        </a:rPr>
+                        <a:t>코드 삽입하기</a:t>
+                      </a:r>
+                      <a:endParaRPr lang="ko-KR" altLang="en-US" sz="1200" b="0" i="0" kern="1200" dirty="0" smtClean="0">
+                        <a:solidFill>
+                          <a:srgbClr val="0611F2"/>
+                        </a:solidFill>
+                        <a:latin typeface="맑은 고딕" charset="0"/>
+                        <a:ea typeface="맑은 고딕" charset="0"/>
+                      </a:endParaRPr>
+                    </a:p>
+                  </a:txBody>
+                  <a:tcPr marL="90170" marR="90170" marT="46990" marB="46990">
+                    <a:lnL w="12700" cap="flat" cmpd="sng" algn="ctr">
+                      <a:solidFill>
+                        <a:srgbClr val="000000">
+                          <a:alpha val="100000"/>
+                        </a:srgbClr>
+                      </a:solidFill>
+                      <a:prstDash val="solid"/>
+                      <a:round/>
+                      <a:headEnd type="none" w="med" len="med"/>
+                      <a:tailEnd type="none" w="med" len="med"/>
+                    </a:lnL>
+                    <a:lnR w="12700" cap="flat" cmpd="sng" algn="ctr">
+                      <a:solidFill>
+                        <a:srgbClr val="000000">
+                          <a:alpha val="100000"/>
+                        </a:srgbClr>
+                      </a:solidFill>
+                      <a:prstDash val="solid"/>
+                      <a:round/>
+                      <a:headEnd type="none" w="med" len="med"/>
+                      <a:tailEnd type="none" w="med" len="med"/>
+                    </a:lnR>
+                    <a:lnT w="12700" cap="flat" cmpd="sng" algn="ctr">
+                      <a:solidFill>
+                        <a:srgbClr val="000000">
+                          <a:alpha val="100000"/>
+                        </a:srgbClr>
+                      </a:solidFill>
+                      <a:prstDash val="solid"/>
+                      <a:round/>
+                      <a:headEnd type="none" w="med" len="med"/>
+                      <a:tailEnd type="none" w="med" len="med"/>
+                    </a:lnT>
+                    <a:lnB w="12700" cap="flat" cmpd="sng" algn="ctr">
+                      <a:solidFill>
+                        <a:srgbClr val="000000">
+                          <a:alpha val="100000"/>
+                        </a:srgbClr>
+                      </a:solidFill>
+                      <a:prstDash val="solid"/>
+                      <a:round/>
+                      <a:headEnd type="none" w="med" len="med"/>
+                      <a:tailEnd type="none" w="med" len="med"/>
+                    </a:lnB>
+                    <a:solidFill>
+                      <a:srgbClr val="FFFFFF"/>
+                    </a:solidFill>
+                  </a:tcPr>
+                </a:tc>
+                <a:tc>
+                  <a:txBody>
+                    <a:bodyPr/>
+                    <a:lstStyle/>
+                    <a:p>
+                      <a:pPr marL="0" lvl="1" indent="0" hangingPunct="1">
+                        <a:buFontTx/>
+                        <a:buNone/>
+                      </a:pPr>
+                      <a:r>
+                        <a:rPr sz="1800" b="0" i="0" kern="1200" dirty="0" smtClean="0">
+                          <a:solidFill>
+                            <a:srgbClr val="000000"/>
+                          </a:solidFill>
+                          <a:latin typeface="맑은 고딕" charset="0"/>
+                          <a:ea typeface="맑은 고딕" charset="0"/>
+                        </a:rPr>
+                        <a:t>31</a:t>
+                      </a:r>
+                      <a:endParaRPr lang="en-US" sz="1800" b="0" i="0" kern="1200" dirty="0" smtClean="0">
+                        <a:solidFill>
+                          <a:srgbClr val="000000"/>
+                        </a:solidFill>
+                        <a:latin typeface="맑은 고딕" charset="0"/>
+                        <a:ea typeface="맑은 고딕" charset="0"/>
+                      </a:endParaRPr>
                     </a:p>
                     <a:p>
                       <a:pPr marL="0" marR="0" lvl="1" indent="0" defTabSz="914400" eaLnBrk="1" fontAlgn="auto" latinLnBrk="1" hangingPunct="1">
@@ -12873,6 +12779,130 @@
                         </a:rPr>
                         <a:t>데이터 요청 코드 작성</a:t>
                       </a:r>
+                    </a:p>
+                    <a:p>
+                      <a:pPr marL="0" lvl="1" indent="0" hangingPunct="1">
+                        <a:buFontTx/>
+                        <a:buNone/>
+                      </a:pPr>
+                      <a:endParaRPr lang="ko-KR" altLang="en-US" sz="1800" b="0" i="0" kern="1200" dirty="0">
+                        <a:solidFill>
+                          <a:srgbClr val="000000"/>
+                        </a:solidFill>
+                        <a:latin typeface="맑은 고딕" charset="0"/>
+                        <a:ea typeface="맑은 고딕" charset="0"/>
+                      </a:endParaRPr>
+                    </a:p>
+                  </a:txBody>
+                  <a:tcPr marL="90170" marR="90170" marT="46990" marB="46990">
+                    <a:lnL w="12700" cap="flat" cmpd="sng" algn="ctr">
+                      <a:solidFill>
+                        <a:srgbClr val="000000">
+                          <a:alpha val="100000"/>
+                        </a:srgbClr>
+                      </a:solidFill>
+                      <a:prstDash val="solid"/>
+                      <a:round/>
+                      <a:headEnd type="none" w="med" len="med"/>
+                      <a:tailEnd type="none" w="med" len="med"/>
+                    </a:lnL>
+                    <a:lnR w="12700" cap="flat" cmpd="sng" algn="ctr">
+                      <a:solidFill>
+                        <a:srgbClr val="000000">
+                          <a:alpha val="100000"/>
+                        </a:srgbClr>
+                      </a:solidFill>
+                      <a:prstDash val="solid"/>
+                      <a:round/>
+                      <a:headEnd type="none" w="med" len="med"/>
+                      <a:tailEnd type="none" w="med" len="med"/>
+                    </a:lnR>
+                    <a:lnT w="12700" cap="flat" cmpd="sng" algn="ctr">
+                      <a:solidFill>
+                        <a:srgbClr val="000000">
+                          <a:alpha val="100000"/>
+                        </a:srgbClr>
+                      </a:solidFill>
+                      <a:prstDash val="solid"/>
+                      <a:round/>
+                      <a:headEnd type="none" w="med" len="med"/>
+                      <a:tailEnd type="none" w="med" len="med"/>
+                    </a:lnT>
+                    <a:lnB w="12700" cap="flat" cmpd="sng" algn="ctr">
+                      <a:solidFill>
+                        <a:srgbClr val="000000">
+                          <a:alpha val="100000"/>
+                        </a:srgbClr>
+                      </a:solidFill>
+                      <a:prstDash val="solid"/>
+                      <a:round/>
+                      <a:headEnd type="none" w="med" len="med"/>
+                      <a:tailEnd type="none" w="med" len="med"/>
+                    </a:lnB>
+                    <a:solidFill>
+                      <a:srgbClr val="FFFFFF"/>
+                    </a:solidFill>
+                  </a:tcPr>
+                </a:tc>
+                <a:tc>
+                  <a:txBody>
+                    <a:bodyPr/>
+                    <a:lstStyle/>
+                    <a:p>
+                      <a:pPr marL="0" lvl="1" indent="0" hangingPunct="1">
+                        <a:buFontTx/>
+                        <a:buNone/>
+                      </a:pPr>
+                      <a:r>
+                        <a:rPr sz="1800" b="0" i="0" kern="1200" dirty="0" smtClean="0">
+                          <a:solidFill>
+                            <a:srgbClr val="0611F2"/>
+                          </a:solidFill>
+                          <a:latin typeface="맑은 고딕" charset="0"/>
+                          <a:ea typeface="맑은 고딕" charset="0"/>
+                        </a:rPr>
+                        <a:t>1</a:t>
+                      </a:r>
+                      <a:endParaRPr lang="en-US" sz="1800" b="0" i="0" kern="1200" dirty="0" smtClean="0">
+                        <a:solidFill>
+                          <a:srgbClr val="0611F2"/>
+                        </a:solidFill>
+                        <a:latin typeface="맑은 고딕" charset="0"/>
+                        <a:ea typeface="맑은 고딕" charset="0"/>
+                      </a:endParaRPr>
+                    </a:p>
+                    <a:p>
+                      <a:pPr marL="0" lvl="1" indent="0" hangingPunct="1">
+                        <a:buFontTx/>
+                        <a:buNone/>
+                      </a:pPr>
+                      <a:r>
+                        <a:rPr lang="ko-KR" altLang="en-US" sz="1200" b="0" i="0" kern="1200" dirty="0" err="1" smtClean="0">
+                          <a:solidFill>
+                            <a:srgbClr val="0611F2"/>
+                          </a:solidFill>
+                          <a:latin typeface="맑은 고딕" charset="0"/>
+                          <a:ea typeface="맑은 고딕" charset="0"/>
+                        </a:rPr>
+                        <a:t>웹페이지</a:t>
+                      </a:r>
+                      <a:r>
+                        <a:rPr lang="ko-KR" altLang="en-US" sz="1200" b="0" i="0" kern="1200" dirty="0" smtClean="0">
+                          <a:solidFill>
+                            <a:srgbClr val="0611F2"/>
+                          </a:solidFill>
+                          <a:latin typeface="맑은 고딕" charset="0"/>
+                          <a:ea typeface="맑은 고딕" charset="0"/>
+                        </a:rPr>
+                        <a:t> 자체 기능 작성</a:t>
+                      </a:r>
+                      <a:endParaRPr sz="1200" b="0" i="0" kern="1200" dirty="0" smtClean="0">
+                        <a:solidFill>
+                          <a:srgbClr val="0611F2"/>
+                        </a:solidFill>
+                        <a:latin typeface="맑은 고딕" charset="0"/>
+                        <a:ea typeface="맑은 고딕" charset="0"/>
+                      </a:endParaRPr>
                     </a:p>
                   </a:txBody>
                   <a:tcPr marL="90170" marR="90170" marT="46990" marB="46990">
@@ -12971,65 +13001,6 @@
                         <a:latin typeface="맑은 고딕" charset="0"/>
                         <a:ea typeface="맑은 고딕" charset="0"/>
                       </a:endParaRPr>
-                    </a:p>
-                    <a:p>
-                      <a:pPr marL="0" marR="0" lvl="1" indent="0" defTabSz="914400" eaLnBrk="1" fontAlgn="auto" latinLnBrk="1" hangingPunct="1">
-                        <a:lnSpc>
-                          <a:spcPct val="100000"/>
-                        </a:lnSpc>
-                        <a:spcBef>
-                          <a:spcPts val="0"/>
-                        </a:spcBef>
-                        <a:spcAft>
-                          <a:spcPts val="0"/>
-                        </a:spcAft>
-                        <a:buClrTx/>
-                        <a:buSzTx/>
-                        <a:buFontTx/>
-                        <a:buNone/>
-                        <a:tabLst/>
-                        <a:defRPr/>
-                      </a:pPr>
-                      <a:r>
-                        <a:rPr lang="ko-KR" altLang="en-US" sz="1200" b="0" i="0" kern="1200" dirty="0" err="1" smtClean="0">
-                          <a:solidFill>
-                            <a:srgbClr val="0611F2"/>
-                          </a:solidFill>
-                          <a:latin typeface="맑은 고딕" charset="0"/>
-                          <a:ea typeface="맑은 고딕" charset="0"/>
-                        </a:rPr>
-                        <a:t>웹페이지</a:t>
-                      </a:r>
-                      <a:r>
-                        <a:rPr lang="ko-KR" altLang="en-US" sz="1200" b="0" i="0" kern="1200" dirty="0" smtClean="0">
-                          <a:solidFill>
-                            <a:srgbClr val="0611F2"/>
-                          </a:solidFill>
-                          <a:latin typeface="맑은 고딕" charset="0"/>
-                          <a:ea typeface="맑은 고딕" charset="0"/>
-                        </a:rPr>
-                        <a:t> </a:t>
-                      </a:r>
-                      <a:r>
-                        <a:rPr lang="ko-KR" altLang="en-US" sz="1200" b="0" i="0" kern="1200" dirty="0" err="1" smtClean="0">
-                          <a:solidFill>
-                            <a:srgbClr val="0611F2"/>
-                          </a:solidFill>
-                          <a:latin typeface="맑은 고딕" charset="0"/>
-                          <a:ea typeface="맑은 고딕" charset="0"/>
-                        </a:rPr>
-                        <a:t>요청기능</a:t>
-                      </a:r>
-                      <a:r>
-                        <a:rPr lang="ko-KR" altLang="en-US" sz="1200" b="0" i="0" kern="1200" dirty="0" smtClean="0">
-                          <a:solidFill>
-                            <a:srgbClr val="0611F2"/>
-                          </a:solidFill>
-                          <a:latin typeface="맑은 고딕" charset="0"/>
-                          <a:ea typeface="맑은 고딕" charset="0"/>
-                        </a:rPr>
-                        <a:t> 작성</a:t>
-                      </a:r>
                     </a:p>
                     <a:p>
                       <a:pPr marL="0" lvl="1" indent="0" hangingPunct="1">
@@ -14003,7 +13974,7 @@
         </p:nvSpPr>
         <p:spPr>
           <a:xfrm>
-            <a:off x="6879590" y="3879215"/>
+            <a:off x="5333682" y="3911599"/>
             <a:ext cx="1528445" cy="579755"/>
           </a:xfrm>
           <a:prstGeom prst="rightArrow">
@@ -14076,7 +14047,7 @@
         </p:nvSpPr>
         <p:spPr>
           <a:xfrm>
-            <a:off x="8430260" y="3879215"/>
+            <a:off x="6878160" y="3912235"/>
             <a:ext cx="1538605" cy="579755"/>
           </a:xfrm>
           <a:prstGeom prst="rightArrow">
@@ -14149,7 +14120,7 @@
         </p:nvSpPr>
         <p:spPr>
           <a:xfrm>
-            <a:off x="9971405" y="3888740"/>
+            <a:off x="8432641" y="3888740"/>
             <a:ext cx="1498600" cy="579755"/>
           </a:xfrm>
           <a:prstGeom prst="rightArrow">
@@ -14348,8 +14319,8 @@
         </p:nvSpPr>
         <p:spPr>
           <a:xfrm>
-            <a:off x="3791584" y="3911600"/>
-            <a:ext cx="3056255" cy="579755"/>
+            <a:off x="3791585" y="3911600"/>
+            <a:ext cx="1511936" cy="579755"/>
           </a:xfrm>
           <a:prstGeom prst="rightArrow">
             <a:avLst/>
@@ -14444,11 +14415,61 @@
           <a:lstStyle/>
           <a:p>
             <a:pPr marL="0" indent="0" algn="ctr" hangingPunct="1"/>
+            <a:endParaRPr lang="ko-KR" altLang="en-US" sz="1800" dirty="0">
+              <a:solidFill>
+                <a:srgbClr val="FFFFFF"/>
+              </a:solidFill>
+              <a:latin typeface="맑은 고딕" charset="0"/>
+              <a:ea typeface="맑은 고딕" charset="0"/>
+            </a:endParaRPr>
+          </a:p>
+        </p:txBody>
+      </p:sp>
+      <p:sp>
+        <p:nvSpPr>
+          <p:cNvPr id="16" name="도형 25"/>
+          <p:cNvSpPr>
+            <a:spLocks/>
+          </p:cNvSpPr>
+          <p:nvPr/>
+        </p:nvSpPr>
+        <p:spPr>
+          <a:xfrm>
+            <a:off x="9955450" y="4040822"/>
+            <a:ext cx="1522095" cy="275590"/>
+          </a:xfrm>
+          <a:prstGeom prst="rect">
+            <a:avLst/>
+          </a:prstGeom>
+          <a:solidFill>
+            <a:srgbClr val="4472C4"/>
+          </a:solidFill>
+        </p:spPr>
+        <p:style>
+          <a:lnRef idx="2">
+            <a:schemeClr val="accent1">
+              <a:shade val="50000"/>
+            </a:schemeClr>
+          </a:lnRef>
+          <a:fillRef idx="1">
+            <a:schemeClr val="accent1"/>
+          </a:fillRef>
+          <a:effectRef idx="0">
+            <a:schemeClr val="accent1"/>
+          </a:effectRef>
+          <a:fontRef idx="minor">
+            <a:schemeClr val="lt1"/>
+          </a:fontRef>
+        </p:style>
+        <p:txBody>
+          <a:bodyPr vert="horz" wrap="square" lIns="91440" tIns="45720" rIns="91440" bIns="45720" anchor="ctr">
+            <a:noAutofit/>
+          </a:bodyPr>
+          <a:lstStyle/>
+          <a:p>
+            <a:pPr marL="0" indent="0" algn="ctr" hangingPunct="1"/>
             <a:r>
               <a:rPr lang="en-US" dirty="0">
-                <a:solidFill>
-                  <a:srgbClr val="FFFFFF"/>
-                </a:solidFill>
                 <a:latin typeface="맑은 고딕" charset="0"/>
                 <a:ea typeface="맑은 고딕" charset="0"/>
               </a:rPr>
@@ -14456,18 +14477,12 @@
             </a:r>
             <a:r>
               <a:rPr sz="1800" dirty="0" smtClean="0">
-                <a:solidFill>
-                  <a:srgbClr val="FFFFFF"/>
-                </a:solidFill>
                 <a:latin typeface="맑은 고딕" charset="0"/>
                 <a:ea typeface="맑은 고딕" charset="0"/>
               </a:rPr>
               <a:t>차</a:t>
             </a:r>
             <a:endParaRPr lang="ko-KR" altLang="en-US" sz="1800" dirty="0">
-              <a:solidFill>
-                <a:srgbClr val="FFFFFF"/>
-              </a:solidFill>
               <a:latin typeface="맑은 고딕" charset="0"/>
               <a:ea typeface="맑은 고딕" charset="0"/>
             </a:endParaRPr>

--- a/스케줄표.pptx
+++ b/스케줄표.pptx
@@ -226,7 +226,7 @@
           <a:p>
             <a:fld id="{4E9214C1-2863-45BA-A7C5-D5EA3C3D4C30}" type="datetimeFigureOut">
               <a:rPr lang="ko-KR" altLang="en-US" smtClean="0"/>
-              <a:t>2024-05-28</a:t>
+              <a:t>2024-05-29</a:t>
             </a:fld>
             <a:endParaRPr lang="ko-KR" altLang="en-US"/>
           </a:p>
@@ -391,7 +391,7 @@
           <a:p>
             <a:fld id="{8F563C85-90F6-445D-9B5B-8ABB00FB3043}" type="datetimeFigureOut">
               <a:rPr lang="ko-KR" altLang="en-US" smtClean="0"/>
-              <a:t>2024-05-28</a:t>
+              <a:t>2024-05-29</a:t>
             </a:fld>
             <a:endParaRPr lang="ko-KR" altLang="en-US"/>
           </a:p>
@@ -963,7 +963,7 @@
             </a:pPr>
             <a:fld id="{B9320F77-B9A0-41C5-862A-B4B631284C64}" type="datetime1">
               <a:rPr lang="ko-KR" altLang="en-US"/>
-              <a:t>2024-05-28</a:t>
+              <a:t>2024-05-29</a:t>
             </a:fld>
             <a:endParaRPr lang="ko-KR" altLang="en-US"/>
           </a:p>
@@ -1222,7 +1222,7 @@
             </a:pPr>
             <a:fld id="{B9320F77-B9A0-41C5-862A-B4B631284C64}" type="datetime1">
               <a:rPr lang="ko-KR" altLang="en-US"/>
-              <a:t>2024-05-28</a:t>
+              <a:t>2024-05-29</a:t>
             </a:fld>
             <a:endParaRPr lang="ko-KR" altLang="en-US"/>
           </a:p>
@@ -1481,7 +1481,7 @@
             </a:pPr>
             <a:fld id="{B9320F77-B9A0-41C5-862A-B4B631284C64}" type="datetime1">
               <a:rPr lang="ko-KR" altLang="en-US"/>
-              <a:t>2024-05-28</a:t>
+              <a:t>2024-05-29</a:t>
             </a:fld>
             <a:endParaRPr lang="ko-KR" altLang="en-US"/>
           </a:p>
@@ -1740,7 +1740,7 @@
             </a:pPr>
             <a:fld id="{B9320F77-B9A0-41C5-862A-B4B631284C64}" type="datetime1">
               <a:rPr lang="ko-KR" altLang="en-US"/>
-              <a:t>2024-05-28</a:t>
+              <a:t>2024-05-29</a:t>
             </a:fld>
             <a:endParaRPr lang="ko-KR" altLang="en-US"/>
           </a:p>
@@ -2065,7 +2065,7 @@
             </a:pPr>
             <a:fld id="{B9320F77-B9A0-41C5-862A-B4B631284C64}" type="datetime1">
               <a:rPr lang="ko-KR" altLang="en-US"/>
-              <a:t>2024-05-28</a:t>
+              <a:t>2024-05-29</a:t>
             </a:fld>
             <a:endParaRPr lang="ko-KR" altLang="en-US"/>
           </a:p>
@@ -2492,7 +2492,7 @@
             </a:pPr>
             <a:fld id="{B9320F77-B9A0-41C5-862A-B4B631284C64}" type="datetime1">
               <a:rPr lang="ko-KR" altLang="en-US"/>
-              <a:t>2024-05-28</a:t>
+              <a:t>2024-05-29</a:t>
             </a:fld>
             <a:endParaRPr lang="ko-KR" altLang="en-US"/>
           </a:p>
@@ -3089,7 +3089,7 @@
             </a:pPr>
             <a:fld id="{B9320F77-B9A0-41C5-862A-B4B631284C64}" type="datetime1">
               <a:rPr lang="ko-KR" altLang="en-US"/>
-              <a:t>2024-05-28</a:t>
+              <a:t>2024-05-29</a:t>
             </a:fld>
             <a:endParaRPr lang="ko-KR" altLang="en-US"/>
           </a:p>
@@ -3272,7 +3272,7 @@
             </a:pPr>
             <a:fld id="{B9320F77-B9A0-41C5-862A-B4B631284C64}" type="datetime1">
               <a:rPr lang="ko-KR" altLang="en-US"/>
-              <a:t>2024-05-28</a:t>
+              <a:t>2024-05-29</a:t>
             </a:fld>
             <a:endParaRPr lang="ko-KR" altLang="en-US"/>
           </a:p>
@@ -3419,7 +3419,7 @@
             </a:pPr>
             <a:fld id="{B9320F77-B9A0-41C5-862A-B4B631284C64}" type="datetime1">
               <a:rPr lang="ko-KR" altLang="en-US"/>
-              <a:t>2024-05-28</a:t>
+              <a:t>2024-05-29</a:t>
             </a:fld>
             <a:endParaRPr lang="ko-KR" altLang="en-US"/>
           </a:p>
@@ -3812,7 +3812,7 @@
             </a:pPr>
             <a:fld id="{B9320F77-B9A0-41C5-862A-B4B631284C64}" type="datetime1">
               <a:rPr lang="ko-KR" altLang="en-US"/>
-              <a:t>2024-05-28</a:t>
+              <a:t>2024-05-29</a:t>
             </a:fld>
             <a:endParaRPr lang="ko-KR" altLang="en-US"/>
           </a:p>
@@ -4103,7 +4103,7 @@
             </a:pPr>
             <a:fld id="{B9320F77-B9A0-41C5-862A-B4B631284C64}" type="datetime1">
               <a:rPr lang="ko-KR" altLang="en-US"/>
-              <a:t>2024-05-28</a:t>
+              <a:t>2024-05-29</a:t>
             </a:fld>
             <a:endParaRPr lang="ko-KR" altLang="en-US"/>
           </a:p>
@@ -4461,7 +4461,7 @@
             </a:pPr>
             <a:fld id="{B9320F77-B9A0-41C5-862A-B4B631284C64}" type="datetime1">
               <a:rPr lang="ko-KR" altLang="en-US"/>
-              <a:t>2024-05-28</a:t>
+              <a:t>2024-05-29</a:t>
             </a:fld>
             <a:endParaRPr lang="ko-KR" altLang="en-US"/>
           </a:p>
@@ -9323,7 +9323,39 @@
                 <a:ea typeface="맑은 고딕" charset="0"/>
                 <a:cs typeface="+mn-cs"/>
               </a:rPr>
-              <a:t> 코드, 운영자 코드 작성</a:t>
+              <a:t> 코드, </a:t>
+            </a:r>
+            <a:r>
+              <a:rPr lang="ko-KR" altLang="en-US" sz="5600" dirty="0" smtClean="0">
+                <a:solidFill>
+                  <a:srgbClr val="FF0000"/>
+                </a:solidFill>
+                <a:latin typeface="맑은 고딕" charset="0"/>
+                <a:ea typeface="맑은 고딕" charset="0"/>
+              </a:rPr>
+              <a:t>관리</a:t>
+            </a:r>
+            <a:r>
+              <a:rPr lang="ko-KR" altLang="en-US" sz="5600" dirty="0" smtClean="0">
+                <a:solidFill>
+                  <a:srgbClr val="FF0000"/>
+                </a:solidFill>
+                <a:latin typeface="맑은 고딕" charset="0"/>
+                <a:ea typeface="맑은 고딕" charset="0"/>
+                <a:cs typeface="+mn-cs"/>
+              </a:rPr>
+              <a:t>자 </a:t>
+            </a:r>
+            <a:r>
+              <a:rPr lang="ko-KR" altLang="en-US" sz="5600" dirty="0">
+                <a:solidFill>
+                  <a:srgbClr val="FF0000"/>
+                </a:solidFill>
+                <a:latin typeface="맑은 고딕" charset="0"/>
+                <a:ea typeface="맑은 고딕" charset="0"/>
+                <a:cs typeface="+mn-cs"/>
+              </a:rPr>
+              <a:t>코드 작성</a:t>
             </a:r>
           </a:p>
           <a:p>
@@ -12156,27 +12188,7 @@
                           <a:latin typeface="맑은 고딕" charset="0"/>
                           <a:ea typeface="맑은 고딕" charset="0"/>
                         </a:rPr>
-                        <a:t>게시판 </a:t>
-                      </a:r>
-                      <a:r>
-                        <a:rPr lang="ko-KR" altLang="en-US" sz="1200" b="0" i="0" kern="1200" dirty="0" smtClean="0">
-                          <a:solidFill>
-                            <a:srgbClr val="0611F2"/>
-                          </a:solidFill>
-                          <a:latin typeface="맑은 고딕" charset="0"/>
-                          <a:ea typeface="맑은 고딕" charset="0"/>
-                        </a:rPr>
-                        <a:t>페이지 </a:t>
-                      </a:r>
-                      <a:r>
-                        <a:rPr lang="ko-KR" altLang="en-US" sz="1200" b="0" i="0" kern="1200" dirty="0" smtClean="0">
-                          <a:solidFill>
-                            <a:srgbClr val="0611F2"/>
-                          </a:solidFill>
-                          <a:latin typeface="맑은 고딕" charset="0"/>
-                          <a:ea typeface="맑은 고딕" charset="0"/>
-                        </a:rPr>
-                        <a:t>작성</a:t>
+                        <a:t>게시판 페이지 작성</a:t>
                       </a:r>
                       <a:endParaRPr lang="en-US" altLang="ko-KR" sz="1200" b="0" i="0" kern="1200" dirty="0" smtClean="0">
                         <a:solidFill>
@@ -15998,6 +16010,16 @@
                         <a:buNone/>
                       </a:pPr>
                       <a:r>
+                        <a:rPr sz="1200" b="0" i="0" kern="1200" dirty="0" smtClean="0">
+                          <a:solidFill>
+                            <a:srgbClr val="0611F2"/>
+                          </a:solidFill>
+                          <a:latin typeface="맑은 고딕" charset="0"/>
+                          <a:ea typeface="맑은 고딕" charset="0"/>
+                        </a:rPr>
+                        <a:t>관리자 </a:t>
+                      </a:r>
+                      <a:r>
                         <a:rPr sz="1200" b="0" i="0" kern="1200" dirty="0">
                           <a:solidFill>
                             <a:srgbClr val="0611F2"/>
@@ -16005,7 +16027,7 @@
                           <a:latin typeface="맑은 고딕" charset="0"/>
                           <a:ea typeface="맑은 고딕" charset="0"/>
                         </a:rPr>
-                        <a:t>관리자 페이지</a:t>
+                        <a:t>페이지</a:t>
                       </a:r>
                       <a:endParaRPr lang="ko-KR" altLang="en-US" sz="1200" b="0" i="0" kern="1200" dirty="0">
                         <a:solidFill>
@@ -17942,7 +17964,7 @@
           <p:nvPr>
             <p:extLst>
               <p:ext uri="{D42A27DB-BD31-4B8C-83A1-F6EECF244321}">
-                <p14:modId xmlns:p14="http://schemas.microsoft.com/office/powerpoint/2010/main" val="1829848429"/>
+                <p14:modId xmlns:p14="http://schemas.microsoft.com/office/powerpoint/2010/main" val="2211809634"/>
               </p:ext>
             </p:extLst>
           </p:nvPr>
@@ -19579,7 +19601,27 @@
                           <a:latin typeface="맑은 고딕" charset="0"/>
                           <a:ea typeface="맑은 고딕" charset="0"/>
                         </a:rPr>
-                        <a:t> 및 운영자</a:t>
+                        <a:t> 및 </a:t>
+                      </a:r>
+                      <a:r>
+                        <a:rPr lang="ko-KR" altLang="en-US" sz="1200" b="0" i="0" kern="1200" dirty="0" smtClean="0">
+                          <a:solidFill>
+                            <a:srgbClr val="FF0000"/>
+                          </a:solidFill>
+                          <a:latin typeface="맑은 고딕" charset="0"/>
+                          <a:ea typeface="맑은 고딕" charset="0"/>
+                        </a:rPr>
+                        <a:t>관리</a:t>
+                      </a:r>
+                      <a:r>
+                        <a:rPr sz="1200" b="0" i="0" kern="1200" dirty="0" smtClean="0">
+                          <a:solidFill>
+                            <a:srgbClr val="FF0000"/>
+                          </a:solidFill>
+                          <a:latin typeface="맑은 고딕" charset="0"/>
+                          <a:ea typeface="맑은 고딕" charset="0"/>
+                        </a:rPr>
+                        <a:t>자</a:t>
                       </a:r>
                       <a:endParaRPr lang="ko-KR" altLang="en-US" sz="1200" b="0" i="0" kern="1200" dirty="0">
                         <a:solidFill>
@@ -20514,7 +20556,7 @@
                         <a:buFontTx/>
                         <a:buNone/>
                       </a:pPr>
-                      <a:endParaRPr lang="ko-KR" altLang="en-US" sz="1800" b="0" i="0" kern="1200">
+                      <a:endParaRPr lang="ko-KR" altLang="en-US" sz="1800" b="0" i="0" kern="1200" dirty="0">
                         <a:solidFill>
                           <a:schemeClr val="dk1"/>
                         </a:solidFill>
